--- a/docs_phase3/Alghasrah-Husain_ 92107683_ PJWD _P2_S.pptx
+++ b/docs_phase3/Alghasrah-Husain_ 92107683_ PJWD _P2_S.pptx
@@ -1,42 +1,50 @@
 
 <file path=ppt/presentation.xml><?xml version="1.0" encoding="utf-8"?>
-<p:presentation xmlns:a="http://schemas.openxmlformats.org/drawingml/2006/main" xmlns:r="http://schemas.openxmlformats.org/officeDocument/2006/relationships" xmlns:mc="http://schemas.openxmlformats.org/markup-compatibility/2006" xmlns:mv="urn:schemas-microsoft-com:mac:vml" xmlns:p="http://schemas.openxmlformats.org/presentationml/2006/main" xmlns:c="http://schemas.openxmlformats.org/drawingml/2006/chart" xmlns:dgm="http://schemas.openxmlformats.org/drawingml/2006/diagram" xmlns:o="urn:schemas-microsoft-com:office:office" xmlns:v="urn:schemas-microsoft-com:vml" xmlns:pvml="urn:schemas-microsoft-com:office:powerpoint" xmlns:com="http://schemas.openxmlformats.org/drawingml/2006/compatibility" xmlns:p14="http://schemas.microsoft.com/office/powerpoint/2010/main" xmlns:p15="http://schemas.microsoft.com/office/powerpoint/2012/main" xmlns:ahyp="http://schemas.microsoft.com/office/drawing/2018/hyperlinkcolor" autoCompressPictures="0" embedTrueTypeFonts="1" strictFirstAndLastChars="0" saveSubsetFonts="1" showSpecialPlsOnTitleSld="0">
+<p:presentation xmlns:a="http://schemas.openxmlformats.org/drawingml/2006/main" xmlns:r="http://schemas.openxmlformats.org/officeDocument/2006/relationships" xmlns:p="http://schemas.openxmlformats.org/presentationml/2006/main" showSpecialPlsOnTitleSld="0" strictFirstAndLastChars="0" embedTrueTypeFonts="1" saveSubsetFonts="1" autoCompressPictures="0">
   <p:sldMasterIdLst>
-    <p:sldMasterId id="2147483659" r:id="rId4"/>
+    <p:sldMasterId id="2147483659" r:id="rId1"/>
   </p:sldMasterIdLst>
   <p:notesMasterIdLst>
-    <p:notesMasterId r:id="rId5"/>
+    <p:notesMasterId r:id="rId12"/>
   </p:notesMasterIdLst>
   <p:sldIdLst>
-    <p:sldId id="256" r:id="rId6"/>
-    <p:sldId id="257" r:id="rId7"/>
-    <p:sldId id="258" r:id="rId8"/>
-    <p:sldId id="259" r:id="rId9"/>
-    <p:sldId id="260" r:id="rId10"/>
-    <p:sldId id="261" r:id="rId11"/>
-    <p:sldId id="262" r:id="rId12"/>
-    <p:sldId id="263" r:id="rId13"/>
-    <p:sldId id="264" r:id="rId14"/>
-    <p:sldId id="265" r:id="rId15"/>
+    <p:sldId id="256" r:id="rId2"/>
+    <p:sldId id="257" r:id="rId3"/>
+    <p:sldId id="258" r:id="rId4"/>
+    <p:sldId id="259" r:id="rId5"/>
+    <p:sldId id="260" r:id="rId6"/>
+    <p:sldId id="261" r:id="rId7"/>
+    <p:sldId id="262" r:id="rId8"/>
+    <p:sldId id="263" r:id="rId9"/>
+    <p:sldId id="264" r:id="rId10"/>
+    <p:sldId id="265" r:id="rId11"/>
   </p:sldIdLst>
-  <p:sldSz cy="5143500" cx="9144000"/>
+  <p:sldSz cx="9144000" cy="5143500" type="screen16x9"/>
   <p:notesSz cx="6858000" cy="9144000"/>
   <p:embeddedFontLst>
     <p:embeddedFont>
-      <p:font typeface="Raleway"/>
-      <p:regular r:id="rId16"/>
+      <p:font typeface="Raleway" pitchFamily="2" charset="77"/>
+      <p:regular r:id="rId13"/>
+      <p:bold r:id="rId14"/>
+      <p:italic r:id="rId15"/>
+      <p:boldItalic r:id="rId16"/>
+    </p:embeddedFont>
+    <p:embeddedFont>
+      <p:font typeface="Roboto Black" panose="020F0502020204030204" pitchFamily="34" charset="0"/>
       <p:bold r:id="rId17"/>
       <p:italic r:id="rId18"/>
       <p:boldItalic r:id="rId19"/>
     </p:embeddedFont>
     <p:embeddedFont>
-      <p:font typeface="Roboto Black"/>
-      <p:bold r:id="rId20"/>
-      <p:boldItalic r:id="rId21"/>
+      <p:font typeface="Source Sans Pro" panose="020B0503030403020204" pitchFamily="34" charset="0"/>
+      <p:regular r:id="rId20"/>
+      <p:bold r:id="rId21"/>
+      <p:italic r:id="rId22"/>
+      <p:boldItalic r:id="rId23"/>
     </p:embeddedFont>
   </p:embeddedFontLst>
   <p:defaultTextStyle>
-    <a:defPPr lvl="0" marR="0" rtl="0" algn="l">
+    <a:defPPr marR="0" lvl="0" algn="l" rtl="0">
       <a:lnSpc>
         <a:spcPct val="100000"/>
       </a:lnSpc>
@@ -47,7 +55,7 @@
         <a:spcPts val="0"/>
       </a:spcAft>
     </a:defPPr>
-    <a:lvl1pPr lvl="0" marR="0" rtl="0" algn="l">
+    <a:lvl1pPr marR="0" lvl="0" algn="l" rtl="0">
       <a:lnSpc>
         <a:spcPct val="100000"/>
       </a:lnSpc>
@@ -61,7 +69,7 @@
         <a:srgbClr val="000000"/>
       </a:buClr>
       <a:buFont typeface="Arial"/>
-      <a:defRPr b="0" i="0" sz="1400" u="none" cap="none" strike="noStrike">
+      <a:defRPr sz="1400" b="0" i="0" u="none" strike="noStrike" cap="none">
         <a:solidFill>
           <a:srgbClr val="000000"/>
         </a:solidFill>
@@ -71,7 +79,7 @@
         <a:sym typeface="Arial"/>
       </a:defRPr>
     </a:lvl1pPr>
-    <a:lvl2pPr lvl="1" marR="0" rtl="0" algn="l">
+    <a:lvl2pPr marR="0" lvl="1" algn="l" rtl="0">
       <a:lnSpc>
         <a:spcPct val="100000"/>
       </a:lnSpc>
@@ -85,7 +93,7 @@
         <a:srgbClr val="000000"/>
       </a:buClr>
       <a:buFont typeface="Arial"/>
-      <a:defRPr b="0" i="0" sz="1400" u="none" cap="none" strike="noStrike">
+      <a:defRPr sz="1400" b="0" i="0" u="none" strike="noStrike" cap="none">
         <a:solidFill>
           <a:srgbClr val="000000"/>
         </a:solidFill>
@@ -95,7 +103,7 @@
         <a:sym typeface="Arial"/>
       </a:defRPr>
     </a:lvl2pPr>
-    <a:lvl3pPr lvl="2" marR="0" rtl="0" algn="l">
+    <a:lvl3pPr marR="0" lvl="2" algn="l" rtl="0">
       <a:lnSpc>
         <a:spcPct val="100000"/>
       </a:lnSpc>
@@ -109,7 +117,7 @@
         <a:srgbClr val="000000"/>
       </a:buClr>
       <a:buFont typeface="Arial"/>
-      <a:defRPr b="0" i="0" sz="1400" u="none" cap="none" strike="noStrike">
+      <a:defRPr sz="1400" b="0" i="0" u="none" strike="noStrike" cap="none">
         <a:solidFill>
           <a:srgbClr val="000000"/>
         </a:solidFill>
@@ -119,7 +127,7 @@
         <a:sym typeface="Arial"/>
       </a:defRPr>
     </a:lvl3pPr>
-    <a:lvl4pPr lvl="3" marR="0" rtl="0" algn="l">
+    <a:lvl4pPr marR="0" lvl="3" algn="l" rtl="0">
       <a:lnSpc>
         <a:spcPct val="100000"/>
       </a:lnSpc>
@@ -133,7 +141,7 @@
         <a:srgbClr val="000000"/>
       </a:buClr>
       <a:buFont typeface="Arial"/>
-      <a:defRPr b="0" i="0" sz="1400" u="none" cap="none" strike="noStrike">
+      <a:defRPr sz="1400" b="0" i="0" u="none" strike="noStrike" cap="none">
         <a:solidFill>
           <a:srgbClr val="000000"/>
         </a:solidFill>
@@ -143,7 +151,7 @@
         <a:sym typeface="Arial"/>
       </a:defRPr>
     </a:lvl4pPr>
-    <a:lvl5pPr lvl="4" marR="0" rtl="0" algn="l">
+    <a:lvl5pPr marR="0" lvl="4" algn="l" rtl="0">
       <a:lnSpc>
         <a:spcPct val="100000"/>
       </a:lnSpc>
@@ -157,7 +165,7 @@
         <a:srgbClr val="000000"/>
       </a:buClr>
       <a:buFont typeface="Arial"/>
-      <a:defRPr b="0" i="0" sz="1400" u="none" cap="none" strike="noStrike">
+      <a:defRPr sz="1400" b="0" i="0" u="none" strike="noStrike" cap="none">
         <a:solidFill>
           <a:srgbClr val="000000"/>
         </a:solidFill>
@@ -167,7 +175,7 @@
         <a:sym typeface="Arial"/>
       </a:defRPr>
     </a:lvl5pPr>
-    <a:lvl6pPr lvl="5" marR="0" rtl="0" algn="l">
+    <a:lvl6pPr marR="0" lvl="5" algn="l" rtl="0">
       <a:lnSpc>
         <a:spcPct val="100000"/>
       </a:lnSpc>
@@ -181,7 +189,7 @@
         <a:srgbClr val="000000"/>
       </a:buClr>
       <a:buFont typeface="Arial"/>
-      <a:defRPr b="0" i="0" sz="1400" u="none" cap="none" strike="noStrike">
+      <a:defRPr sz="1400" b="0" i="0" u="none" strike="noStrike" cap="none">
         <a:solidFill>
           <a:srgbClr val="000000"/>
         </a:solidFill>
@@ -191,7 +199,7 @@
         <a:sym typeface="Arial"/>
       </a:defRPr>
     </a:lvl6pPr>
-    <a:lvl7pPr lvl="6" marR="0" rtl="0" algn="l">
+    <a:lvl7pPr marR="0" lvl="6" algn="l" rtl="0">
       <a:lnSpc>
         <a:spcPct val="100000"/>
       </a:lnSpc>
@@ -205,7 +213,7 @@
         <a:srgbClr val="000000"/>
       </a:buClr>
       <a:buFont typeface="Arial"/>
-      <a:defRPr b="0" i="0" sz="1400" u="none" cap="none" strike="noStrike">
+      <a:defRPr sz="1400" b="0" i="0" u="none" strike="noStrike" cap="none">
         <a:solidFill>
           <a:srgbClr val="000000"/>
         </a:solidFill>
@@ -215,7 +223,7 @@
         <a:sym typeface="Arial"/>
       </a:defRPr>
     </a:lvl7pPr>
-    <a:lvl8pPr lvl="7" marR="0" rtl="0" algn="l">
+    <a:lvl8pPr marR="0" lvl="7" algn="l" rtl="0">
       <a:lnSpc>
         <a:spcPct val="100000"/>
       </a:lnSpc>
@@ -229,7 +237,7 @@
         <a:srgbClr val="000000"/>
       </a:buClr>
       <a:buFont typeface="Arial"/>
-      <a:defRPr b="0" i="0" sz="1400" u="none" cap="none" strike="noStrike">
+      <a:defRPr sz="1400" b="0" i="0" u="none" strike="noStrike" cap="none">
         <a:solidFill>
           <a:srgbClr val="000000"/>
         </a:solidFill>
@@ -239,7 +247,7 @@
         <a:sym typeface="Arial"/>
       </a:defRPr>
     </a:lvl8pPr>
-    <a:lvl9pPr lvl="8" marR="0" rtl="0" algn="l">
+    <a:lvl9pPr marR="0" lvl="8" algn="l" rtl="0">
       <a:lnSpc>
         <a:spcPct val="100000"/>
       </a:lnSpc>
@@ -253,7 +261,7 @@
         <a:srgbClr val="000000"/>
       </a:buClr>
       <a:buFont typeface="Arial"/>
-      <a:defRPr b="0" i="0" sz="1400" u="none" cap="none" strike="noStrike">
+      <a:defRPr sz="1400" b="0" i="0" u="none" strike="noStrike" cap="none">
         <a:solidFill>
           <a:srgbClr val="000000"/>
         </a:solidFill>
@@ -266,7 +274,7 @@
   </p:defaultTextStyle>
   <p:extLst>
     <p:ext uri="{EFAFB233-063F-42B5-8137-9DF3F51BA10A}">
-      <p15:sldGuideLst>
+      <p15:sldGuideLst xmlns:p15="http://schemas.microsoft.com/office/powerpoint/2012/main">
         <p15:guide id="1" orient="horz" pos="1620">
           <p15:clr>
             <a:srgbClr val="747775"/>
@@ -284,11 +292,16 @@
 </file>
 
 <file path=ppt/notesMasters/notesMaster1.xml><?xml version="1.0" encoding="utf-8"?>
-<p:notesMaster xmlns:a="http://schemas.openxmlformats.org/drawingml/2006/main" xmlns:r="http://schemas.openxmlformats.org/officeDocument/2006/relationships" xmlns:mc="http://schemas.openxmlformats.org/markup-compatibility/2006" xmlns:mv="urn:schemas-microsoft-com:mac:vml" xmlns:p="http://schemas.openxmlformats.org/presentationml/2006/main" xmlns:c="http://schemas.openxmlformats.org/drawingml/2006/chart" xmlns:dgm="http://schemas.openxmlformats.org/drawingml/2006/diagram" xmlns:o="urn:schemas-microsoft-com:office:office" xmlns:v="urn:schemas-microsoft-com:vml" xmlns:pvml="urn:schemas-microsoft-com:office:powerpoint" xmlns:com="http://schemas.openxmlformats.org/drawingml/2006/compatibility" xmlns:p14="http://schemas.microsoft.com/office/powerpoint/2010/main" xmlns:p15="http://schemas.microsoft.com/office/powerpoint/2012/main" xmlns:ahyp="http://schemas.microsoft.com/office/drawing/2018/hyperlinkcolor">
+<p:notesMaster xmlns:a="http://schemas.openxmlformats.org/drawingml/2006/main" xmlns:r="http://schemas.openxmlformats.org/officeDocument/2006/relationships" xmlns:p="http://schemas.openxmlformats.org/presentationml/2006/main">
   <p:cSld>
+    <p:bg>
+      <p:bgRef idx="1001">
+        <a:schemeClr val="bg1"/>
+      </p:bgRef>
+    </p:bg>
     <p:spTree>
       <p:nvGrpSpPr>
-        <p:cNvPr id="2" name="Shape 2"/>
+        <p:cNvPr id="1" name="Shape 2"/>
         <p:cNvGrpSpPr/>
         <p:nvPr/>
       </p:nvGrpSpPr>
@@ -303,9 +316,11 @@
       <p:sp>
         <p:nvSpPr>
           <p:cNvPr id="3" name="Google Shape;3;n"/>
-          <p:cNvSpPr/>
+          <p:cNvSpPr>
+            <a:spLocks noGrp="1" noRot="1" noChangeAspect="1"/>
+          </p:cNvSpPr>
           <p:nvPr>
-            <p:ph idx="2" type="sldImg"/>
+            <p:ph type="sldImg" idx="2"/>
           </p:nvPr>
         </p:nvSpPr>
         <p:spPr>
@@ -314,9 +329,13 @@
             <a:ext cx="6096075" cy="3429000"/>
           </a:xfrm>
           <a:custGeom>
-            <a:rect b="b" l="l" r="r" t="t"/>
+            <a:avLst/>
+            <a:gdLst/>
+            <a:ahLst/>
+            <a:cxnLst/>
+            <a:rect l="l" t="t" r="r" b="b"/>
             <a:pathLst>
-              <a:path extrusionOk="0" h="120000" w="120000">
+              <a:path w="120000" h="120000" extrusionOk="0">
                 <a:moveTo>
                   <a:pt x="0" y="0"/>
                 </a:moveTo>
@@ -334,23 +353,25 @@
             </a:pathLst>
           </a:custGeom>
           <a:noFill/>
-          <a:ln cap="flat" cmpd="sng" w="9525">
+          <a:ln w="9525" cap="flat" cmpd="sng">
             <a:solidFill>
               <a:srgbClr val="000000"/>
             </a:solidFill>
             <a:prstDash val="solid"/>
             <a:round/>
-            <a:headEnd len="sm" w="sm" type="none"/>
-            <a:tailEnd len="sm" w="sm" type="none"/>
+            <a:headEnd type="none" w="sm" len="sm"/>
+            <a:tailEnd type="none" w="sm" len="sm"/>
           </a:ln>
         </p:spPr>
       </p:sp>
       <p:sp>
         <p:nvSpPr>
           <p:cNvPr id="4" name="Google Shape;4;n"/>
-          <p:cNvSpPr txBox="1"/>
+          <p:cNvSpPr txBox="1">
+            <a:spLocks noGrp="1"/>
+          </p:cNvSpPr>
           <p:nvPr>
-            <p:ph idx="1" type="body"/>
+            <p:ph type="body" idx="1"/>
           </p:nvPr>
         </p:nvSpPr>
         <p:spPr>
@@ -367,11 +388,11 @@
           </a:ln>
         </p:spPr>
         <p:txBody>
-          <a:bodyPr anchorCtr="0" anchor="t" bIns="91425" lIns="91425" spcFirstLastPara="1" rIns="91425" wrap="square" tIns="91425">
+          <a:bodyPr spcFirstLastPara="1" wrap="square" lIns="91425" tIns="91425" rIns="91425" bIns="91425" anchor="t" anchorCtr="0">
             <a:noAutofit/>
           </a:bodyPr>
           <a:lstStyle>
-            <a:lvl1pPr indent="-317500" lvl="0" marL="457200">
+            <a:lvl1pPr marL="457200" lvl="0" indent="-317500">
               <a:spcBef>
                 <a:spcPts val="0"/>
               </a:spcBef>
@@ -382,7 +403,7 @@
               <a:buChar char="●"/>
               <a:defRPr sz="1100"/>
             </a:lvl1pPr>
-            <a:lvl2pPr indent="-317500" lvl="1" marL="914400">
+            <a:lvl2pPr marL="914400" lvl="1" indent="-317500">
               <a:spcBef>
                 <a:spcPts val="0"/>
               </a:spcBef>
@@ -393,7 +414,7 @@
               <a:buChar char="○"/>
               <a:defRPr sz="1100"/>
             </a:lvl2pPr>
-            <a:lvl3pPr indent="-317500" lvl="2" marL="1371600">
+            <a:lvl3pPr marL="1371600" lvl="2" indent="-317500">
               <a:spcBef>
                 <a:spcPts val="0"/>
               </a:spcBef>
@@ -404,7 +425,7 @@
               <a:buChar char="■"/>
               <a:defRPr sz="1100"/>
             </a:lvl3pPr>
-            <a:lvl4pPr indent="-317500" lvl="3" marL="1828800">
+            <a:lvl4pPr marL="1828800" lvl="3" indent="-317500">
               <a:spcBef>
                 <a:spcPts val="0"/>
               </a:spcBef>
@@ -415,7 +436,7 @@
               <a:buChar char="●"/>
               <a:defRPr sz="1100"/>
             </a:lvl4pPr>
-            <a:lvl5pPr indent="-317500" lvl="4" marL="2286000">
+            <a:lvl5pPr marL="2286000" lvl="4" indent="-317500">
               <a:spcBef>
                 <a:spcPts val="0"/>
               </a:spcBef>
@@ -426,7 +447,7 @@
               <a:buChar char="○"/>
               <a:defRPr sz="1100"/>
             </a:lvl5pPr>
-            <a:lvl6pPr indent="-317500" lvl="5" marL="2743200">
+            <a:lvl6pPr marL="2743200" lvl="5" indent="-317500">
               <a:spcBef>
                 <a:spcPts val="0"/>
               </a:spcBef>
@@ -437,7 +458,7 @@
               <a:buChar char="■"/>
               <a:defRPr sz="1100"/>
             </a:lvl6pPr>
-            <a:lvl7pPr indent="-317500" lvl="6" marL="3200400">
+            <a:lvl7pPr marL="3200400" lvl="6" indent="-317500">
               <a:spcBef>
                 <a:spcPts val="0"/>
               </a:spcBef>
@@ -448,7 +469,7 @@
               <a:buChar char="●"/>
               <a:defRPr sz="1100"/>
             </a:lvl7pPr>
-            <a:lvl8pPr indent="-317500" lvl="7" marL="3657600">
+            <a:lvl8pPr marL="3657600" lvl="7" indent="-317500">
               <a:spcBef>
                 <a:spcPts val="0"/>
               </a:spcBef>
@@ -459,7 +480,7 @@
               <a:buChar char="○"/>
               <a:defRPr sz="1100"/>
             </a:lvl8pPr>
-            <a:lvl9pPr indent="-317500" lvl="8" marL="4114800">
+            <a:lvl9pPr marL="4114800" lvl="8" indent="-317500">
               <a:spcBef>
                 <a:spcPts val="0"/>
               </a:spcBef>
@@ -471,14 +492,16 @@
               <a:defRPr sz="1100"/>
             </a:lvl9pPr>
           </a:lstStyle>
-          <a:p/>
+          <a:p>
+            <a:endParaRPr/>
+          </a:p>
         </p:txBody>
       </p:sp>
     </p:spTree>
   </p:cSld>
-  <p:clrMap accent1="accent1" accent2="accent2" accent3="accent3" accent4="accent4" accent5="accent5" accent6="accent6" bg1="lt1" bg2="dk2" tx1="dk1" tx2="lt2" folHlink="folHlink" hlink="hlink"/>
+  <p:clrMap bg1="lt1" tx1="dk1" bg2="dk2" tx2="lt2" accent1="accent1" accent2="accent2" accent3="accent3" accent4="accent4" accent5="accent5" accent6="accent6" hlink="hlink" folHlink="folHlink"/>
   <p:notesStyle>
-    <a:defPPr lvl="0" marR="0" rtl="0" algn="l">
+    <a:defPPr marR="0" lvl="0" algn="l" rtl="0">
       <a:lnSpc>
         <a:spcPct val="100000"/>
       </a:lnSpc>
@@ -489,7 +512,7 @@
         <a:spcPts val="0"/>
       </a:spcAft>
     </a:defPPr>
-    <a:lvl1pPr lvl="0" marR="0" rtl="0" algn="l">
+    <a:lvl1pPr marR="0" lvl="0" algn="l" rtl="0">
       <a:lnSpc>
         <a:spcPct val="100000"/>
       </a:lnSpc>
@@ -503,7 +526,7 @@
         <a:srgbClr val="000000"/>
       </a:buClr>
       <a:buFont typeface="Arial"/>
-      <a:defRPr b="0" i="0" sz="1400" u="none" cap="none" strike="noStrike">
+      <a:defRPr sz="1400" b="0" i="0" u="none" strike="noStrike" cap="none">
         <a:solidFill>
           <a:srgbClr val="000000"/>
         </a:solidFill>
@@ -513,7 +536,7 @@
         <a:sym typeface="Arial"/>
       </a:defRPr>
     </a:lvl1pPr>
-    <a:lvl2pPr lvl="1" marR="0" rtl="0" algn="l">
+    <a:lvl2pPr marR="0" lvl="1" algn="l" rtl="0">
       <a:lnSpc>
         <a:spcPct val="100000"/>
       </a:lnSpc>
@@ -527,7 +550,7 @@
         <a:srgbClr val="000000"/>
       </a:buClr>
       <a:buFont typeface="Arial"/>
-      <a:defRPr b="0" i="0" sz="1400" u="none" cap="none" strike="noStrike">
+      <a:defRPr sz="1400" b="0" i="0" u="none" strike="noStrike" cap="none">
         <a:solidFill>
           <a:srgbClr val="000000"/>
         </a:solidFill>
@@ -537,7 +560,7 @@
         <a:sym typeface="Arial"/>
       </a:defRPr>
     </a:lvl2pPr>
-    <a:lvl3pPr lvl="2" marR="0" rtl="0" algn="l">
+    <a:lvl3pPr marR="0" lvl="2" algn="l" rtl="0">
       <a:lnSpc>
         <a:spcPct val="100000"/>
       </a:lnSpc>
@@ -551,7 +574,7 @@
         <a:srgbClr val="000000"/>
       </a:buClr>
       <a:buFont typeface="Arial"/>
-      <a:defRPr b="0" i="0" sz="1400" u="none" cap="none" strike="noStrike">
+      <a:defRPr sz="1400" b="0" i="0" u="none" strike="noStrike" cap="none">
         <a:solidFill>
           <a:srgbClr val="000000"/>
         </a:solidFill>
@@ -561,7 +584,7 @@
         <a:sym typeface="Arial"/>
       </a:defRPr>
     </a:lvl3pPr>
-    <a:lvl4pPr lvl="3" marR="0" rtl="0" algn="l">
+    <a:lvl4pPr marR="0" lvl="3" algn="l" rtl="0">
       <a:lnSpc>
         <a:spcPct val="100000"/>
       </a:lnSpc>
@@ -575,7 +598,7 @@
         <a:srgbClr val="000000"/>
       </a:buClr>
       <a:buFont typeface="Arial"/>
-      <a:defRPr b="0" i="0" sz="1400" u="none" cap="none" strike="noStrike">
+      <a:defRPr sz="1400" b="0" i="0" u="none" strike="noStrike" cap="none">
         <a:solidFill>
           <a:srgbClr val="000000"/>
         </a:solidFill>
@@ -585,7 +608,7 @@
         <a:sym typeface="Arial"/>
       </a:defRPr>
     </a:lvl4pPr>
-    <a:lvl5pPr lvl="4" marR="0" rtl="0" algn="l">
+    <a:lvl5pPr marR="0" lvl="4" algn="l" rtl="0">
       <a:lnSpc>
         <a:spcPct val="100000"/>
       </a:lnSpc>
@@ -599,7 +622,7 @@
         <a:srgbClr val="000000"/>
       </a:buClr>
       <a:buFont typeface="Arial"/>
-      <a:defRPr b="0" i="0" sz="1400" u="none" cap="none" strike="noStrike">
+      <a:defRPr sz="1400" b="0" i="0" u="none" strike="noStrike" cap="none">
         <a:solidFill>
           <a:srgbClr val="000000"/>
         </a:solidFill>
@@ -609,7 +632,7 @@
         <a:sym typeface="Arial"/>
       </a:defRPr>
     </a:lvl5pPr>
-    <a:lvl6pPr lvl="5" marR="0" rtl="0" algn="l">
+    <a:lvl6pPr marR="0" lvl="5" algn="l" rtl="0">
       <a:lnSpc>
         <a:spcPct val="100000"/>
       </a:lnSpc>
@@ -623,7 +646,7 @@
         <a:srgbClr val="000000"/>
       </a:buClr>
       <a:buFont typeface="Arial"/>
-      <a:defRPr b="0" i="0" sz="1400" u="none" cap="none" strike="noStrike">
+      <a:defRPr sz="1400" b="0" i="0" u="none" strike="noStrike" cap="none">
         <a:solidFill>
           <a:srgbClr val="000000"/>
         </a:solidFill>
@@ -633,7 +656,7 @@
         <a:sym typeface="Arial"/>
       </a:defRPr>
     </a:lvl6pPr>
-    <a:lvl7pPr lvl="6" marR="0" rtl="0" algn="l">
+    <a:lvl7pPr marR="0" lvl="6" algn="l" rtl="0">
       <a:lnSpc>
         <a:spcPct val="100000"/>
       </a:lnSpc>
@@ -647,7 +670,7 @@
         <a:srgbClr val="000000"/>
       </a:buClr>
       <a:buFont typeface="Arial"/>
-      <a:defRPr b="0" i="0" sz="1400" u="none" cap="none" strike="noStrike">
+      <a:defRPr sz="1400" b="0" i="0" u="none" strike="noStrike" cap="none">
         <a:solidFill>
           <a:srgbClr val="000000"/>
         </a:solidFill>
@@ -657,7 +680,7 @@
         <a:sym typeface="Arial"/>
       </a:defRPr>
     </a:lvl7pPr>
-    <a:lvl8pPr lvl="7" marR="0" rtl="0" algn="l">
+    <a:lvl8pPr marR="0" lvl="7" algn="l" rtl="0">
       <a:lnSpc>
         <a:spcPct val="100000"/>
       </a:lnSpc>
@@ -671,7 +694,7 @@
         <a:srgbClr val="000000"/>
       </a:buClr>
       <a:buFont typeface="Arial"/>
-      <a:defRPr b="0" i="0" sz="1400" u="none" cap="none" strike="noStrike">
+      <a:defRPr sz="1400" b="0" i="0" u="none" strike="noStrike" cap="none">
         <a:solidFill>
           <a:srgbClr val="000000"/>
         </a:solidFill>
@@ -681,7 +704,7 @@
         <a:sym typeface="Arial"/>
       </a:defRPr>
     </a:lvl8pPr>
-    <a:lvl9pPr lvl="8" marR="0" rtl="0" algn="l">
+    <a:lvl9pPr marR="0" lvl="8" algn="l" rtl="0">
       <a:lnSpc>
         <a:spcPct val="100000"/>
       </a:lnSpc>
@@ -695,7 +718,7 @@
         <a:srgbClr val="000000"/>
       </a:buClr>
       <a:buFont typeface="Arial"/>
-      <a:defRPr b="0" i="0" sz="1400" u="none" cap="none" strike="noStrike">
+      <a:defRPr sz="1400" b="0" i="0" u="none" strike="noStrike" cap="none">
         <a:solidFill>
           <a:srgbClr val="000000"/>
         </a:solidFill>
@@ -710,11 +733,11 @@
 </file>
 
 <file path=ppt/notesSlides/notesSlide1.xml><?xml version="1.0" encoding="utf-8"?>
-<p:notes xmlns:a="http://schemas.openxmlformats.org/drawingml/2006/main" xmlns:r="http://schemas.openxmlformats.org/officeDocument/2006/relationships" xmlns:mc="http://schemas.openxmlformats.org/markup-compatibility/2006" xmlns:mv="urn:schemas-microsoft-com:mac:vml" xmlns:p="http://schemas.openxmlformats.org/presentationml/2006/main" xmlns:c="http://schemas.openxmlformats.org/drawingml/2006/chart" xmlns:dgm="http://schemas.openxmlformats.org/drawingml/2006/diagram" xmlns:o="urn:schemas-microsoft-com:office:office" xmlns:v="urn:schemas-microsoft-com:vml" xmlns:pvml="urn:schemas-microsoft-com:office:powerpoint" xmlns:com="http://schemas.openxmlformats.org/drawingml/2006/compatibility" xmlns:p14="http://schemas.microsoft.com/office/powerpoint/2010/main" xmlns:p15="http://schemas.microsoft.com/office/powerpoint/2012/main" xmlns:ahyp="http://schemas.microsoft.com/office/drawing/2018/hyperlinkcolor" showMasterPhAnim="0" showMasterSp="0">
+<p:notes xmlns:a="http://schemas.openxmlformats.org/drawingml/2006/main" xmlns:r="http://schemas.openxmlformats.org/officeDocument/2006/relationships" xmlns:p="http://schemas.openxmlformats.org/presentationml/2006/main" showMasterSp="0" showMasterPhAnim="0">
   <p:cSld>
     <p:spTree>
       <p:nvGrpSpPr>
-        <p:cNvPr id="54" name="Shape 54"/>
+        <p:cNvPr id="1" name="Shape 54"/>
         <p:cNvGrpSpPr/>
         <p:nvPr/>
       </p:nvGrpSpPr>
@@ -729,9 +752,11 @@
       <p:sp>
         <p:nvSpPr>
           <p:cNvPr id="55" name="Google Shape;55;gc6f9e470d_0_0:notes"/>
-          <p:cNvSpPr/>
+          <p:cNvSpPr>
+            <a:spLocks noGrp="1" noRot="1" noChangeAspect="1"/>
+          </p:cNvSpPr>
           <p:nvPr>
-            <p:ph idx="2" type="sldImg"/>
+            <p:ph type="sldImg" idx="2"/>
           </p:nvPr>
         </p:nvSpPr>
         <p:spPr>
@@ -740,9 +765,13 @@
             <a:ext cx="6096300" cy="3429000"/>
           </a:xfrm>
           <a:custGeom>
-            <a:rect b="b" l="l" r="r" t="t"/>
+            <a:avLst/>
+            <a:gdLst/>
+            <a:ahLst/>
+            <a:cxnLst/>
+            <a:rect l="l" t="t" r="r" b="b"/>
             <a:pathLst>
-              <a:path extrusionOk="0" h="120000" w="120000">
+              <a:path w="120000" h="120000" extrusionOk="0">
                 <a:moveTo>
                   <a:pt x="0" y="0"/>
                 </a:moveTo>
@@ -764,9 +793,11 @@
       <p:sp>
         <p:nvSpPr>
           <p:cNvPr id="56" name="Google Shape;56;gc6f9e470d_0_0:notes"/>
-          <p:cNvSpPr txBox="1"/>
+          <p:cNvSpPr txBox="1">
+            <a:spLocks noGrp="1"/>
+          </p:cNvSpPr>
           <p:nvPr>
-            <p:ph idx="1" type="body"/>
+            <p:ph type="body" idx="1"/>
           </p:nvPr>
         </p:nvSpPr>
         <p:spPr>
@@ -779,12 +810,12 @@
           </a:prstGeom>
         </p:spPr>
         <p:txBody>
-          <a:bodyPr anchorCtr="0" anchor="t" bIns="91425" lIns="91425" spcFirstLastPara="1" rIns="91425" wrap="square" tIns="91425">
+          <a:bodyPr spcFirstLastPara="1" wrap="square" lIns="91425" tIns="91425" rIns="91425" bIns="91425" anchor="t" anchorCtr="0">
             <a:noAutofit/>
           </a:bodyPr>
           <a:lstStyle/>
           <a:p>
-            <a:pPr indent="0" lvl="0" marL="0" rtl="0" algn="l">
+            <a:pPr marL="0" lvl="0" indent="0" algn="l" rtl="0">
               <a:spcBef>
                 <a:spcPts val="0"/>
               </a:spcBef>
@@ -793,9 +824,6 @@
               </a:spcAft>
               <a:buNone/>
             </a:pPr>
-            <a:r>
-              <a:t/>
-            </a:r>
             <a:endParaRPr/>
           </a:p>
         </p:txBody>
@@ -809,11 +837,11 @@
 </file>
 
 <file path=ppt/notesSlides/notesSlide10.xml><?xml version="1.0" encoding="utf-8"?>
-<p:notes xmlns:a="http://schemas.openxmlformats.org/drawingml/2006/main" xmlns:r="http://schemas.openxmlformats.org/officeDocument/2006/relationships" xmlns:mc="http://schemas.openxmlformats.org/markup-compatibility/2006" xmlns:mv="urn:schemas-microsoft-com:mac:vml" xmlns:p="http://schemas.openxmlformats.org/presentationml/2006/main" xmlns:c="http://schemas.openxmlformats.org/drawingml/2006/chart" xmlns:dgm="http://schemas.openxmlformats.org/drawingml/2006/diagram" xmlns:o="urn:schemas-microsoft-com:office:office" xmlns:v="urn:schemas-microsoft-com:vml" xmlns:pvml="urn:schemas-microsoft-com:office:powerpoint" xmlns:com="http://schemas.openxmlformats.org/drawingml/2006/compatibility" xmlns:p14="http://schemas.microsoft.com/office/powerpoint/2010/main" xmlns:p15="http://schemas.microsoft.com/office/powerpoint/2012/main" xmlns:ahyp="http://schemas.microsoft.com/office/drawing/2018/hyperlinkcolor" showMasterPhAnim="0" showMasterSp="0">
+<p:notes xmlns:a="http://schemas.openxmlformats.org/drawingml/2006/main" xmlns:r="http://schemas.openxmlformats.org/officeDocument/2006/relationships" xmlns:p="http://schemas.openxmlformats.org/presentationml/2006/main" showMasterSp="0" showMasterPhAnim="0">
   <p:cSld>
     <p:spTree>
       <p:nvGrpSpPr>
-        <p:cNvPr id="153" name="Shape 153"/>
+        <p:cNvPr id="1" name="Shape 153"/>
         <p:cNvGrpSpPr/>
         <p:nvPr/>
       </p:nvGrpSpPr>
@@ -828,9 +856,11 @@
       <p:sp>
         <p:nvSpPr>
           <p:cNvPr id="154" name="Google Shape;154;gc6f9e470d_0_126:notes"/>
-          <p:cNvSpPr/>
+          <p:cNvSpPr>
+            <a:spLocks noGrp="1" noRot="1" noChangeAspect="1"/>
+          </p:cNvSpPr>
           <p:nvPr>
-            <p:ph idx="2" type="sldImg"/>
+            <p:ph type="sldImg" idx="2"/>
           </p:nvPr>
         </p:nvSpPr>
         <p:spPr>
@@ -839,9 +869,13 @@
             <a:ext cx="6096300" cy="3429000"/>
           </a:xfrm>
           <a:custGeom>
-            <a:rect b="b" l="l" r="r" t="t"/>
+            <a:avLst/>
+            <a:gdLst/>
+            <a:ahLst/>
+            <a:cxnLst/>
+            <a:rect l="l" t="t" r="r" b="b"/>
             <a:pathLst>
-              <a:path extrusionOk="0" h="120000" w="120000">
+              <a:path w="120000" h="120000" extrusionOk="0">
                 <a:moveTo>
                   <a:pt x="0" y="0"/>
                 </a:moveTo>
@@ -863,9 +897,11 @@
       <p:sp>
         <p:nvSpPr>
           <p:cNvPr id="155" name="Google Shape;155;gc6f9e470d_0_126:notes"/>
-          <p:cNvSpPr txBox="1"/>
+          <p:cNvSpPr txBox="1">
+            <a:spLocks noGrp="1"/>
+          </p:cNvSpPr>
           <p:nvPr>
-            <p:ph idx="1" type="body"/>
+            <p:ph type="body" idx="1"/>
           </p:nvPr>
         </p:nvSpPr>
         <p:spPr>
@@ -878,12 +914,12 @@
           </a:prstGeom>
         </p:spPr>
         <p:txBody>
-          <a:bodyPr anchorCtr="0" anchor="t" bIns="91425" lIns="91425" spcFirstLastPara="1" rIns="91425" wrap="square" tIns="91425">
+          <a:bodyPr spcFirstLastPara="1" wrap="square" lIns="91425" tIns="91425" rIns="91425" bIns="91425" anchor="t" anchorCtr="0">
             <a:noAutofit/>
           </a:bodyPr>
           <a:lstStyle/>
           <a:p>
-            <a:pPr indent="0" lvl="0" marL="0" rtl="0" algn="l">
+            <a:pPr marL="0" lvl="0" indent="0" algn="l" rtl="0">
               <a:spcBef>
                 <a:spcPts val="0"/>
               </a:spcBef>
@@ -892,9 +928,6 @@
               </a:spcAft>
               <a:buNone/>
             </a:pPr>
-            <a:r>
-              <a:t/>
-            </a:r>
             <a:endParaRPr/>
           </a:p>
         </p:txBody>
@@ -908,11 +941,11 @@
 </file>
 
 <file path=ppt/notesSlides/notesSlide2.xml><?xml version="1.0" encoding="utf-8"?>
-<p:notes xmlns:a="http://schemas.openxmlformats.org/drawingml/2006/main" xmlns:r="http://schemas.openxmlformats.org/officeDocument/2006/relationships" xmlns:mc="http://schemas.openxmlformats.org/markup-compatibility/2006" xmlns:mv="urn:schemas-microsoft-com:mac:vml" xmlns:p="http://schemas.openxmlformats.org/presentationml/2006/main" xmlns:c="http://schemas.openxmlformats.org/drawingml/2006/chart" xmlns:dgm="http://schemas.openxmlformats.org/drawingml/2006/diagram" xmlns:o="urn:schemas-microsoft-com:office:office" xmlns:v="urn:schemas-microsoft-com:vml" xmlns:pvml="urn:schemas-microsoft-com:office:powerpoint" xmlns:com="http://schemas.openxmlformats.org/drawingml/2006/compatibility" xmlns:p14="http://schemas.microsoft.com/office/powerpoint/2010/main" xmlns:p15="http://schemas.microsoft.com/office/powerpoint/2012/main" xmlns:ahyp="http://schemas.microsoft.com/office/drawing/2018/hyperlinkcolor" showMasterPhAnim="0" showMasterSp="0">
+<p:notes xmlns:a="http://schemas.openxmlformats.org/drawingml/2006/main" xmlns:r="http://schemas.openxmlformats.org/officeDocument/2006/relationships" xmlns:p="http://schemas.openxmlformats.org/presentationml/2006/main" showMasterSp="0" showMasterPhAnim="0">
   <p:cSld>
     <p:spTree>
       <p:nvGrpSpPr>
-        <p:cNvPr id="68" name="Shape 68"/>
+        <p:cNvPr id="1" name="Shape 68"/>
         <p:cNvGrpSpPr/>
         <p:nvPr/>
       </p:nvGrpSpPr>
@@ -927,9 +960,11 @@
       <p:sp>
         <p:nvSpPr>
           <p:cNvPr id="69" name="Google Shape;69;gc6f9e470d_0_37:notes"/>
-          <p:cNvSpPr/>
+          <p:cNvSpPr>
+            <a:spLocks noGrp="1" noRot="1" noChangeAspect="1"/>
+          </p:cNvSpPr>
           <p:nvPr>
-            <p:ph idx="2" type="sldImg"/>
+            <p:ph type="sldImg" idx="2"/>
           </p:nvPr>
         </p:nvSpPr>
         <p:spPr>
@@ -938,9 +973,13 @@
             <a:ext cx="6096300" cy="3429000"/>
           </a:xfrm>
           <a:custGeom>
-            <a:rect b="b" l="l" r="r" t="t"/>
+            <a:avLst/>
+            <a:gdLst/>
+            <a:ahLst/>
+            <a:cxnLst/>
+            <a:rect l="l" t="t" r="r" b="b"/>
             <a:pathLst>
-              <a:path extrusionOk="0" h="120000" w="120000">
+              <a:path w="120000" h="120000" extrusionOk="0">
                 <a:moveTo>
                   <a:pt x="0" y="0"/>
                 </a:moveTo>
@@ -962,9 +1001,11 @@
       <p:sp>
         <p:nvSpPr>
           <p:cNvPr id="70" name="Google Shape;70;gc6f9e470d_0_37:notes"/>
-          <p:cNvSpPr txBox="1"/>
+          <p:cNvSpPr txBox="1">
+            <a:spLocks noGrp="1"/>
+          </p:cNvSpPr>
           <p:nvPr>
-            <p:ph idx="1" type="body"/>
+            <p:ph type="body" idx="1"/>
           </p:nvPr>
         </p:nvSpPr>
         <p:spPr>
@@ -977,12 +1018,12 @@
           </a:prstGeom>
         </p:spPr>
         <p:txBody>
-          <a:bodyPr anchorCtr="0" anchor="t" bIns="91425" lIns="91425" spcFirstLastPara="1" rIns="91425" wrap="square" tIns="91425">
+          <a:bodyPr spcFirstLastPara="1" wrap="square" lIns="91425" tIns="91425" rIns="91425" bIns="91425" anchor="t" anchorCtr="0">
             <a:noAutofit/>
           </a:bodyPr>
           <a:lstStyle/>
           <a:p>
-            <a:pPr indent="0" lvl="0" marL="0" rtl="0" algn="l">
+            <a:pPr marL="0" lvl="0" indent="0" algn="l" rtl="0">
               <a:spcBef>
                 <a:spcPts val="0"/>
               </a:spcBef>
@@ -991,9 +1032,6 @@
               </a:spcAft>
               <a:buNone/>
             </a:pPr>
-            <a:r>
-              <a:t/>
-            </a:r>
             <a:endParaRPr/>
           </a:p>
         </p:txBody>
@@ -1007,11 +1045,11 @@
 </file>
 
 <file path=ppt/notesSlides/notesSlide3.xml><?xml version="1.0" encoding="utf-8"?>
-<p:notes xmlns:a="http://schemas.openxmlformats.org/drawingml/2006/main" xmlns:r="http://schemas.openxmlformats.org/officeDocument/2006/relationships" xmlns:mc="http://schemas.openxmlformats.org/markup-compatibility/2006" xmlns:mv="urn:schemas-microsoft-com:mac:vml" xmlns:p="http://schemas.openxmlformats.org/presentationml/2006/main" xmlns:c="http://schemas.openxmlformats.org/drawingml/2006/chart" xmlns:dgm="http://schemas.openxmlformats.org/drawingml/2006/diagram" xmlns:o="urn:schemas-microsoft-com:office:office" xmlns:v="urn:schemas-microsoft-com:vml" xmlns:pvml="urn:schemas-microsoft-com:office:powerpoint" xmlns:com="http://schemas.openxmlformats.org/drawingml/2006/compatibility" xmlns:p14="http://schemas.microsoft.com/office/powerpoint/2010/main" xmlns:p15="http://schemas.microsoft.com/office/powerpoint/2012/main" xmlns:ahyp="http://schemas.microsoft.com/office/drawing/2018/hyperlinkcolor" showMasterPhAnim="0" showMasterSp="0">
+<p:notes xmlns:a="http://schemas.openxmlformats.org/drawingml/2006/main" xmlns:r="http://schemas.openxmlformats.org/officeDocument/2006/relationships" xmlns:p="http://schemas.openxmlformats.org/presentationml/2006/main" showMasterSp="0" showMasterPhAnim="0">
   <p:cSld>
     <p:spTree>
       <p:nvGrpSpPr>
-        <p:cNvPr id="75" name="Shape 75"/>
+        <p:cNvPr id="1" name="Shape 75"/>
         <p:cNvGrpSpPr/>
         <p:nvPr/>
       </p:nvGrpSpPr>
@@ -1026,20 +1064,26 @@
       <p:sp>
         <p:nvSpPr>
           <p:cNvPr id="76" name="Google Shape;76;gc6f9e470d_0_80:notes"/>
-          <p:cNvSpPr/>
+          <p:cNvSpPr>
+            <a:spLocks noGrp="1" noRot="1" noChangeAspect="1"/>
+          </p:cNvSpPr>
           <p:nvPr>
-            <p:ph idx="2" type="sldImg"/>
+            <p:ph type="sldImg" idx="2"/>
           </p:nvPr>
         </p:nvSpPr>
         <p:spPr>
           <a:xfrm>
-            <a:off x="381188" y="685800"/>
-            <a:ext cx="6096300" cy="3429000"/>
+            <a:off x="381000" y="685800"/>
+            <a:ext cx="6096000" cy="3429000"/>
           </a:xfrm>
           <a:custGeom>
-            <a:rect b="b" l="l" r="r" t="t"/>
+            <a:avLst/>
+            <a:gdLst/>
+            <a:ahLst/>
+            <a:cxnLst/>
+            <a:rect l="l" t="t" r="r" b="b"/>
             <a:pathLst>
-              <a:path extrusionOk="0" h="120000" w="120000">
+              <a:path w="120000" h="120000" extrusionOk="0">
                 <a:moveTo>
                   <a:pt x="0" y="0"/>
                 </a:moveTo>
@@ -1061,9 +1105,11 @@
       <p:sp>
         <p:nvSpPr>
           <p:cNvPr id="77" name="Google Shape;77;gc6f9e470d_0_80:notes"/>
-          <p:cNvSpPr txBox="1"/>
+          <p:cNvSpPr txBox="1">
+            <a:spLocks noGrp="1"/>
+          </p:cNvSpPr>
           <p:nvPr>
-            <p:ph idx="1" type="body"/>
+            <p:ph type="body" idx="1"/>
           </p:nvPr>
         </p:nvSpPr>
         <p:spPr>
@@ -1076,12 +1122,12 @@
           </a:prstGeom>
         </p:spPr>
         <p:txBody>
-          <a:bodyPr anchorCtr="0" anchor="t" bIns="91425" lIns="91425" spcFirstLastPara="1" rIns="91425" wrap="square" tIns="91425">
+          <a:bodyPr spcFirstLastPara="1" wrap="square" lIns="91425" tIns="91425" rIns="91425" bIns="91425" anchor="t" anchorCtr="0">
             <a:noAutofit/>
           </a:bodyPr>
           <a:lstStyle/>
           <a:p>
-            <a:pPr indent="0" lvl="0" marL="0" rtl="0" algn="l">
+            <a:pPr marL="0" lvl="0" indent="0" algn="l" rtl="0">
               <a:spcBef>
                 <a:spcPts val="0"/>
               </a:spcBef>
@@ -1090,9 +1136,6 @@
               </a:spcAft>
               <a:buNone/>
             </a:pPr>
-            <a:r>
-              <a:t/>
-            </a:r>
             <a:endParaRPr/>
           </a:p>
         </p:txBody>
@@ -1106,11 +1149,11 @@
 </file>
 
 <file path=ppt/notesSlides/notesSlide4.xml><?xml version="1.0" encoding="utf-8"?>
-<p:notes xmlns:a="http://schemas.openxmlformats.org/drawingml/2006/main" xmlns:r="http://schemas.openxmlformats.org/officeDocument/2006/relationships" xmlns:mc="http://schemas.openxmlformats.org/markup-compatibility/2006" xmlns:mv="urn:schemas-microsoft-com:mac:vml" xmlns:p="http://schemas.openxmlformats.org/presentationml/2006/main" xmlns:c="http://schemas.openxmlformats.org/drawingml/2006/chart" xmlns:dgm="http://schemas.openxmlformats.org/drawingml/2006/diagram" xmlns:o="urn:schemas-microsoft-com:office:office" xmlns:v="urn:schemas-microsoft-com:vml" xmlns:pvml="urn:schemas-microsoft-com:office:powerpoint" xmlns:com="http://schemas.openxmlformats.org/drawingml/2006/compatibility" xmlns:p14="http://schemas.microsoft.com/office/powerpoint/2010/main" xmlns:p15="http://schemas.microsoft.com/office/powerpoint/2012/main" xmlns:ahyp="http://schemas.microsoft.com/office/drawing/2018/hyperlinkcolor" showMasterPhAnim="0" showMasterSp="0">
+<p:notes xmlns:a="http://schemas.openxmlformats.org/drawingml/2006/main" xmlns:r="http://schemas.openxmlformats.org/officeDocument/2006/relationships" xmlns:p="http://schemas.openxmlformats.org/presentationml/2006/main" showMasterSp="0" showMasterPhAnim="0">
   <p:cSld>
     <p:spTree>
       <p:nvGrpSpPr>
-        <p:cNvPr id="83" name="Shape 83"/>
+        <p:cNvPr id="1" name="Shape 83"/>
         <p:cNvGrpSpPr/>
         <p:nvPr/>
       </p:nvGrpSpPr>
@@ -1125,9 +1168,11 @@
       <p:sp>
         <p:nvSpPr>
           <p:cNvPr id="84" name="Google Shape;84;gc6f9e470d_0_5:notes"/>
-          <p:cNvSpPr/>
+          <p:cNvSpPr>
+            <a:spLocks noGrp="1" noRot="1" noChangeAspect="1"/>
+          </p:cNvSpPr>
           <p:nvPr>
-            <p:ph idx="2" type="sldImg"/>
+            <p:ph type="sldImg" idx="2"/>
           </p:nvPr>
         </p:nvSpPr>
         <p:spPr>
@@ -1136,9 +1181,13 @@
             <a:ext cx="6096300" cy="3429000"/>
           </a:xfrm>
           <a:custGeom>
-            <a:rect b="b" l="l" r="r" t="t"/>
+            <a:avLst/>
+            <a:gdLst/>
+            <a:ahLst/>
+            <a:cxnLst/>
+            <a:rect l="l" t="t" r="r" b="b"/>
             <a:pathLst>
-              <a:path extrusionOk="0" h="120000" w="120000">
+              <a:path w="120000" h="120000" extrusionOk="0">
                 <a:moveTo>
                   <a:pt x="0" y="0"/>
                 </a:moveTo>
@@ -1160,9 +1209,11 @@
       <p:sp>
         <p:nvSpPr>
           <p:cNvPr id="85" name="Google Shape;85;gc6f9e470d_0_5:notes"/>
-          <p:cNvSpPr txBox="1"/>
+          <p:cNvSpPr txBox="1">
+            <a:spLocks noGrp="1"/>
+          </p:cNvSpPr>
           <p:nvPr>
-            <p:ph idx="1" type="body"/>
+            <p:ph type="body" idx="1"/>
           </p:nvPr>
         </p:nvSpPr>
         <p:spPr>
@@ -1175,12 +1226,12 @@
           </a:prstGeom>
         </p:spPr>
         <p:txBody>
-          <a:bodyPr anchorCtr="0" anchor="t" bIns="91425" lIns="91425" spcFirstLastPara="1" rIns="91425" wrap="square" tIns="91425">
+          <a:bodyPr spcFirstLastPara="1" wrap="square" lIns="91425" tIns="91425" rIns="91425" bIns="91425" anchor="t" anchorCtr="0">
             <a:noAutofit/>
           </a:bodyPr>
           <a:lstStyle/>
           <a:p>
-            <a:pPr indent="0" lvl="0" marL="0" rtl="0" algn="l">
+            <a:pPr marL="0" lvl="0" indent="0" algn="l" rtl="0">
               <a:spcBef>
                 <a:spcPts val="0"/>
               </a:spcBef>
@@ -1189,9 +1240,6 @@
               </a:spcAft>
               <a:buNone/>
             </a:pPr>
-            <a:r>
-              <a:t/>
-            </a:r>
             <a:endParaRPr/>
           </a:p>
         </p:txBody>
@@ -1205,11 +1253,11 @@
 </file>
 
 <file path=ppt/notesSlides/notesSlide5.xml><?xml version="1.0" encoding="utf-8"?>
-<p:notes xmlns:a="http://schemas.openxmlformats.org/drawingml/2006/main" xmlns:r="http://schemas.openxmlformats.org/officeDocument/2006/relationships" xmlns:mc="http://schemas.openxmlformats.org/markup-compatibility/2006" xmlns:mv="urn:schemas-microsoft-com:mac:vml" xmlns:p="http://schemas.openxmlformats.org/presentationml/2006/main" xmlns:c="http://schemas.openxmlformats.org/drawingml/2006/chart" xmlns:dgm="http://schemas.openxmlformats.org/drawingml/2006/diagram" xmlns:o="urn:schemas-microsoft-com:office:office" xmlns:v="urn:schemas-microsoft-com:vml" xmlns:pvml="urn:schemas-microsoft-com:office:powerpoint" xmlns:com="http://schemas.openxmlformats.org/drawingml/2006/compatibility" xmlns:p14="http://schemas.microsoft.com/office/powerpoint/2010/main" xmlns:p15="http://schemas.microsoft.com/office/powerpoint/2012/main" xmlns:ahyp="http://schemas.microsoft.com/office/drawing/2018/hyperlinkcolor" showMasterPhAnim="0" showMasterSp="0">
+<p:notes xmlns:a="http://schemas.openxmlformats.org/drawingml/2006/main" xmlns:r="http://schemas.openxmlformats.org/officeDocument/2006/relationships" xmlns:p="http://schemas.openxmlformats.org/presentationml/2006/main" showMasterSp="0" showMasterPhAnim="0">
   <p:cSld>
     <p:spTree>
       <p:nvGrpSpPr>
-        <p:cNvPr id="98" name="Shape 98"/>
+        <p:cNvPr id="1" name="Shape 98"/>
         <p:cNvGrpSpPr/>
         <p:nvPr/>
       </p:nvGrpSpPr>
@@ -1224,9 +1272,11 @@
       <p:sp>
         <p:nvSpPr>
           <p:cNvPr id="99" name="Google Shape;99;g26117827105_0_69:notes"/>
-          <p:cNvSpPr/>
+          <p:cNvSpPr>
+            <a:spLocks noGrp="1" noRot="1" noChangeAspect="1"/>
+          </p:cNvSpPr>
           <p:nvPr>
-            <p:ph idx="2" type="sldImg"/>
+            <p:ph type="sldImg" idx="2"/>
           </p:nvPr>
         </p:nvSpPr>
         <p:spPr>
@@ -1235,9 +1285,13 @@
             <a:ext cx="6096300" cy="3429000"/>
           </a:xfrm>
           <a:custGeom>
-            <a:rect b="b" l="l" r="r" t="t"/>
+            <a:avLst/>
+            <a:gdLst/>
+            <a:ahLst/>
+            <a:cxnLst/>
+            <a:rect l="l" t="t" r="r" b="b"/>
             <a:pathLst>
-              <a:path extrusionOk="0" h="120000" w="120000">
+              <a:path w="120000" h="120000" extrusionOk="0">
                 <a:moveTo>
                   <a:pt x="0" y="0"/>
                 </a:moveTo>
@@ -1259,9 +1313,11 @@
       <p:sp>
         <p:nvSpPr>
           <p:cNvPr id="100" name="Google Shape;100;g26117827105_0_69:notes"/>
-          <p:cNvSpPr txBox="1"/>
+          <p:cNvSpPr txBox="1">
+            <a:spLocks noGrp="1"/>
+          </p:cNvSpPr>
           <p:nvPr>
-            <p:ph idx="1" type="body"/>
+            <p:ph type="body" idx="1"/>
           </p:nvPr>
         </p:nvSpPr>
         <p:spPr>
@@ -1274,12 +1330,12 @@
           </a:prstGeom>
         </p:spPr>
         <p:txBody>
-          <a:bodyPr anchorCtr="0" anchor="t" bIns="91425" lIns="91425" spcFirstLastPara="1" rIns="91425" wrap="square" tIns="91425">
+          <a:bodyPr spcFirstLastPara="1" wrap="square" lIns="91425" tIns="91425" rIns="91425" bIns="91425" anchor="t" anchorCtr="0">
             <a:noAutofit/>
           </a:bodyPr>
           <a:lstStyle/>
           <a:p>
-            <a:pPr indent="0" lvl="0" marL="0" rtl="0" algn="l">
+            <a:pPr marL="0" lvl="0" indent="0" algn="l" rtl="0">
               <a:spcBef>
                 <a:spcPts val="0"/>
               </a:spcBef>
@@ -1288,9 +1344,6 @@
               </a:spcAft>
               <a:buNone/>
             </a:pPr>
-            <a:r>
-              <a:t/>
-            </a:r>
             <a:endParaRPr/>
           </a:p>
         </p:txBody>
@@ -1304,11 +1357,11 @@
 </file>
 
 <file path=ppt/notesSlides/notesSlide6.xml><?xml version="1.0" encoding="utf-8"?>
-<p:notes xmlns:a="http://schemas.openxmlformats.org/drawingml/2006/main" xmlns:r="http://schemas.openxmlformats.org/officeDocument/2006/relationships" xmlns:mc="http://schemas.openxmlformats.org/markup-compatibility/2006" xmlns:mv="urn:schemas-microsoft-com:mac:vml" xmlns:p="http://schemas.openxmlformats.org/presentationml/2006/main" xmlns:c="http://schemas.openxmlformats.org/drawingml/2006/chart" xmlns:dgm="http://schemas.openxmlformats.org/drawingml/2006/diagram" xmlns:o="urn:schemas-microsoft-com:office:office" xmlns:v="urn:schemas-microsoft-com:vml" xmlns:pvml="urn:schemas-microsoft-com:office:powerpoint" xmlns:com="http://schemas.openxmlformats.org/drawingml/2006/compatibility" xmlns:p14="http://schemas.microsoft.com/office/powerpoint/2010/main" xmlns:p15="http://schemas.microsoft.com/office/powerpoint/2012/main" xmlns:ahyp="http://schemas.microsoft.com/office/drawing/2018/hyperlinkcolor" showMasterPhAnim="0" showMasterSp="0">
+<p:notes xmlns:a="http://schemas.openxmlformats.org/drawingml/2006/main" xmlns:r="http://schemas.openxmlformats.org/officeDocument/2006/relationships" xmlns:p="http://schemas.openxmlformats.org/presentationml/2006/main" showMasterSp="0" showMasterPhAnim="0">
   <p:cSld>
     <p:spTree>
       <p:nvGrpSpPr>
-        <p:cNvPr id="112" name="Shape 112"/>
+        <p:cNvPr id="1" name="Shape 112"/>
         <p:cNvGrpSpPr/>
         <p:nvPr/>
       </p:nvGrpSpPr>
@@ -1323,9 +1376,11 @@
       <p:sp>
         <p:nvSpPr>
           <p:cNvPr id="113" name="Google Shape;113;g26117827105_0_90:notes"/>
-          <p:cNvSpPr/>
+          <p:cNvSpPr>
+            <a:spLocks noGrp="1" noRot="1" noChangeAspect="1"/>
+          </p:cNvSpPr>
           <p:nvPr>
-            <p:ph idx="2" type="sldImg"/>
+            <p:ph type="sldImg" idx="2"/>
           </p:nvPr>
         </p:nvSpPr>
         <p:spPr>
@@ -1334,9 +1389,13 @@
             <a:ext cx="6096300" cy="3429000"/>
           </a:xfrm>
           <a:custGeom>
-            <a:rect b="b" l="l" r="r" t="t"/>
+            <a:avLst/>
+            <a:gdLst/>
+            <a:ahLst/>
+            <a:cxnLst/>
+            <a:rect l="l" t="t" r="r" b="b"/>
             <a:pathLst>
-              <a:path extrusionOk="0" h="120000" w="120000">
+              <a:path w="120000" h="120000" extrusionOk="0">
                 <a:moveTo>
                   <a:pt x="0" y="0"/>
                 </a:moveTo>
@@ -1358,9 +1417,11 @@
       <p:sp>
         <p:nvSpPr>
           <p:cNvPr id="114" name="Google Shape;114;g26117827105_0_90:notes"/>
-          <p:cNvSpPr txBox="1"/>
+          <p:cNvSpPr txBox="1">
+            <a:spLocks noGrp="1"/>
+          </p:cNvSpPr>
           <p:nvPr>
-            <p:ph idx="1" type="body"/>
+            <p:ph type="body" idx="1"/>
           </p:nvPr>
         </p:nvSpPr>
         <p:spPr>
@@ -1373,12 +1434,12 @@
           </a:prstGeom>
         </p:spPr>
         <p:txBody>
-          <a:bodyPr anchorCtr="0" anchor="t" bIns="91425" lIns="91425" spcFirstLastPara="1" rIns="91425" wrap="square" tIns="91425">
+          <a:bodyPr spcFirstLastPara="1" wrap="square" lIns="91425" tIns="91425" rIns="91425" bIns="91425" anchor="t" anchorCtr="0">
             <a:noAutofit/>
           </a:bodyPr>
           <a:lstStyle/>
           <a:p>
-            <a:pPr indent="0" lvl="0" marL="0" rtl="0" algn="l">
+            <a:pPr marL="0" lvl="0" indent="0" algn="l" rtl="0">
               <a:spcBef>
                 <a:spcPts val="0"/>
               </a:spcBef>
@@ -1387,9 +1448,6 @@
               </a:spcAft>
               <a:buNone/>
             </a:pPr>
-            <a:r>
-              <a:t/>
-            </a:r>
             <a:endParaRPr/>
           </a:p>
         </p:txBody>
@@ -1403,11 +1461,11 @@
 </file>
 
 <file path=ppt/notesSlides/notesSlide7.xml><?xml version="1.0" encoding="utf-8"?>
-<p:notes xmlns:a="http://schemas.openxmlformats.org/drawingml/2006/main" xmlns:r="http://schemas.openxmlformats.org/officeDocument/2006/relationships" xmlns:mc="http://schemas.openxmlformats.org/markup-compatibility/2006" xmlns:mv="urn:schemas-microsoft-com:mac:vml" xmlns:p="http://schemas.openxmlformats.org/presentationml/2006/main" xmlns:c="http://schemas.openxmlformats.org/drawingml/2006/chart" xmlns:dgm="http://schemas.openxmlformats.org/drawingml/2006/diagram" xmlns:o="urn:schemas-microsoft-com:office:office" xmlns:v="urn:schemas-microsoft-com:vml" xmlns:pvml="urn:schemas-microsoft-com:office:powerpoint" xmlns:com="http://schemas.openxmlformats.org/drawingml/2006/compatibility" xmlns:p14="http://schemas.microsoft.com/office/powerpoint/2010/main" xmlns:p15="http://schemas.microsoft.com/office/powerpoint/2012/main" xmlns:ahyp="http://schemas.microsoft.com/office/drawing/2018/hyperlinkcolor" showMasterPhAnim="0" showMasterSp="0">
+<p:notes xmlns:a="http://schemas.openxmlformats.org/drawingml/2006/main" xmlns:r="http://schemas.openxmlformats.org/officeDocument/2006/relationships" xmlns:p="http://schemas.openxmlformats.org/presentationml/2006/main" showMasterSp="0" showMasterPhAnim="0">
   <p:cSld>
     <p:spTree>
       <p:nvGrpSpPr>
-        <p:cNvPr id="123" name="Shape 123"/>
+        <p:cNvPr id="1" name="Shape 123"/>
         <p:cNvGrpSpPr/>
         <p:nvPr/>
       </p:nvGrpSpPr>
@@ -1422,9 +1480,11 @@
       <p:sp>
         <p:nvSpPr>
           <p:cNvPr id="124" name="Google Shape;124;g26117827105_0_107:notes"/>
-          <p:cNvSpPr/>
+          <p:cNvSpPr>
+            <a:spLocks noGrp="1" noRot="1" noChangeAspect="1"/>
+          </p:cNvSpPr>
           <p:nvPr>
-            <p:ph idx="2" type="sldImg"/>
+            <p:ph type="sldImg" idx="2"/>
           </p:nvPr>
         </p:nvSpPr>
         <p:spPr>
@@ -1433,9 +1493,13 @@
             <a:ext cx="6096300" cy="3429000"/>
           </a:xfrm>
           <a:custGeom>
-            <a:rect b="b" l="l" r="r" t="t"/>
+            <a:avLst/>
+            <a:gdLst/>
+            <a:ahLst/>
+            <a:cxnLst/>
+            <a:rect l="l" t="t" r="r" b="b"/>
             <a:pathLst>
-              <a:path extrusionOk="0" h="120000" w="120000">
+              <a:path w="120000" h="120000" extrusionOk="0">
                 <a:moveTo>
                   <a:pt x="0" y="0"/>
                 </a:moveTo>
@@ -1457,9 +1521,11 @@
       <p:sp>
         <p:nvSpPr>
           <p:cNvPr id="125" name="Google Shape;125;g26117827105_0_107:notes"/>
-          <p:cNvSpPr txBox="1"/>
+          <p:cNvSpPr txBox="1">
+            <a:spLocks noGrp="1"/>
+          </p:cNvSpPr>
           <p:nvPr>
-            <p:ph idx="1" type="body"/>
+            <p:ph type="body" idx="1"/>
           </p:nvPr>
         </p:nvSpPr>
         <p:spPr>
@@ -1472,12 +1538,12 @@
           </a:prstGeom>
         </p:spPr>
         <p:txBody>
-          <a:bodyPr anchorCtr="0" anchor="t" bIns="91425" lIns="91425" spcFirstLastPara="1" rIns="91425" wrap="square" tIns="91425">
+          <a:bodyPr spcFirstLastPara="1" wrap="square" lIns="91425" tIns="91425" rIns="91425" bIns="91425" anchor="t" anchorCtr="0">
             <a:noAutofit/>
           </a:bodyPr>
           <a:lstStyle/>
           <a:p>
-            <a:pPr indent="0" lvl="0" marL="0" rtl="0" algn="l">
+            <a:pPr marL="0" lvl="0" indent="0" algn="l" rtl="0">
               <a:spcBef>
                 <a:spcPts val="0"/>
               </a:spcBef>
@@ -1486,9 +1552,6 @@
               </a:spcAft>
               <a:buNone/>
             </a:pPr>
-            <a:r>
-              <a:t/>
-            </a:r>
             <a:endParaRPr/>
           </a:p>
         </p:txBody>
@@ -1502,11 +1565,11 @@
 </file>
 
 <file path=ppt/notesSlides/notesSlide8.xml><?xml version="1.0" encoding="utf-8"?>
-<p:notes xmlns:a="http://schemas.openxmlformats.org/drawingml/2006/main" xmlns:r="http://schemas.openxmlformats.org/officeDocument/2006/relationships" xmlns:mc="http://schemas.openxmlformats.org/markup-compatibility/2006" xmlns:mv="urn:schemas-microsoft-com:mac:vml" xmlns:p="http://schemas.openxmlformats.org/presentationml/2006/main" xmlns:c="http://schemas.openxmlformats.org/drawingml/2006/chart" xmlns:dgm="http://schemas.openxmlformats.org/drawingml/2006/diagram" xmlns:o="urn:schemas-microsoft-com:office:office" xmlns:v="urn:schemas-microsoft-com:vml" xmlns:pvml="urn:schemas-microsoft-com:office:powerpoint" xmlns:com="http://schemas.openxmlformats.org/drawingml/2006/compatibility" xmlns:p14="http://schemas.microsoft.com/office/powerpoint/2010/main" xmlns:p15="http://schemas.microsoft.com/office/powerpoint/2012/main" xmlns:ahyp="http://schemas.microsoft.com/office/drawing/2018/hyperlinkcolor" showMasterPhAnim="0" showMasterSp="0">
+<p:notes xmlns:a="http://schemas.openxmlformats.org/drawingml/2006/main" xmlns:r="http://schemas.openxmlformats.org/officeDocument/2006/relationships" xmlns:p="http://schemas.openxmlformats.org/presentationml/2006/main" showMasterSp="0" showMasterPhAnim="0">
   <p:cSld>
     <p:spTree>
       <p:nvGrpSpPr>
-        <p:cNvPr id="135" name="Shape 135"/>
+        <p:cNvPr id="1" name="Shape 135"/>
         <p:cNvGrpSpPr/>
         <p:nvPr/>
       </p:nvGrpSpPr>
@@ -1521,9 +1584,11 @@
       <p:sp>
         <p:nvSpPr>
           <p:cNvPr id="136" name="Google Shape;136;g26117827105_0_121:notes"/>
-          <p:cNvSpPr/>
+          <p:cNvSpPr>
+            <a:spLocks noGrp="1" noRot="1" noChangeAspect="1"/>
+          </p:cNvSpPr>
           <p:nvPr>
-            <p:ph idx="2" type="sldImg"/>
+            <p:ph type="sldImg" idx="2"/>
           </p:nvPr>
         </p:nvSpPr>
         <p:spPr>
@@ -1532,9 +1597,13 @@
             <a:ext cx="6096000" cy="3429000"/>
           </a:xfrm>
           <a:custGeom>
-            <a:rect b="b" l="l" r="r" t="t"/>
+            <a:avLst/>
+            <a:gdLst/>
+            <a:ahLst/>
+            <a:cxnLst/>
+            <a:rect l="l" t="t" r="r" b="b"/>
             <a:pathLst>
-              <a:path extrusionOk="0" h="120000" w="120000">
+              <a:path w="120000" h="120000" extrusionOk="0">
                 <a:moveTo>
                   <a:pt x="0" y="0"/>
                 </a:moveTo>
@@ -1556,9 +1625,11 @@
       <p:sp>
         <p:nvSpPr>
           <p:cNvPr id="137" name="Google Shape;137;g26117827105_0_121:notes"/>
-          <p:cNvSpPr txBox="1"/>
+          <p:cNvSpPr txBox="1">
+            <a:spLocks noGrp="1"/>
+          </p:cNvSpPr>
           <p:nvPr>
-            <p:ph idx="1" type="body"/>
+            <p:ph type="body" idx="1"/>
           </p:nvPr>
         </p:nvSpPr>
         <p:spPr>
@@ -1571,12 +1642,12 @@
           </a:prstGeom>
         </p:spPr>
         <p:txBody>
-          <a:bodyPr anchorCtr="0" anchor="t" bIns="91425" lIns="91425" spcFirstLastPara="1" rIns="91425" wrap="square" tIns="91425">
+          <a:bodyPr spcFirstLastPara="1" wrap="square" lIns="91425" tIns="91425" rIns="91425" bIns="91425" anchor="t" anchorCtr="0">
             <a:noAutofit/>
           </a:bodyPr>
           <a:lstStyle/>
           <a:p>
-            <a:pPr indent="0" lvl="0" marL="0" rtl="0" algn="l">
+            <a:pPr marL="0" lvl="0" indent="0" algn="l" rtl="0">
               <a:spcBef>
                 <a:spcPts val="0"/>
               </a:spcBef>
@@ -1585,9 +1656,6 @@
               </a:spcAft>
               <a:buNone/>
             </a:pPr>
-            <a:r>
-              <a:t/>
-            </a:r>
             <a:endParaRPr/>
           </a:p>
         </p:txBody>
@@ -1601,11 +1669,11 @@
 </file>
 
 <file path=ppt/notesSlides/notesSlide9.xml><?xml version="1.0" encoding="utf-8"?>
-<p:notes xmlns:a="http://schemas.openxmlformats.org/drawingml/2006/main" xmlns:r="http://schemas.openxmlformats.org/officeDocument/2006/relationships" xmlns:mc="http://schemas.openxmlformats.org/markup-compatibility/2006" xmlns:mv="urn:schemas-microsoft-com:mac:vml" xmlns:p="http://schemas.openxmlformats.org/presentationml/2006/main" xmlns:c="http://schemas.openxmlformats.org/drawingml/2006/chart" xmlns:dgm="http://schemas.openxmlformats.org/drawingml/2006/diagram" xmlns:o="urn:schemas-microsoft-com:office:office" xmlns:v="urn:schemas-microsoft-com:vml" xmlns:pvml="urn:schemas-microsoft-com:office:powerpoint" xmlns:com="http://schemas.openxmlformats.org/drawingml/2006/compatibility" xmlns:p14="http://schemas.microsoft.com/office/powerpoint/2010/main" xmlns:p15="http://schemas.microsoft.com/office/powerpoint/2012/main" xmlns:ahyp="http://schemas.microsoft.com/office/drawing/2018/hyperlinkcolor" showMasterPhAnim="0" showMasterSp="0">
+<p:notes xmlns:a="http://schemas.openxmlformats.org/drawingml/2006/main" xmlns:r="http://schemas.openxmlformats.org/officeDocument/2006/relationships" xmlns:p="http://schemas.openxmlformats.org/presentationml/2006/main" showMasterSp="0" showMasterPhAnim="0">
   <p:cSld>
     <p:spTree>
       <p:nvGrpSpPr>
-        <p:cNvPr id="145" name="Shape 145"/>
+        <p:cNvPr id="1" name="Shape 145"/>
         <p:cNvGrpSpPr/>
         <p:nvPr/>
       </p:nvGrpSpPr>
@@ -1620,9 +1688,11 @@
       <p:sp>
         <p:nvSpPr>
           <p:cNvPr id="146" name="Google Shape;146;g26117827105_0_130:notes"/>
-          <p:cNvSpPr/>
+          <p:cNvSpPr>
+            <a:spLocks noGrp="1" noRot="1" noChangeAspect="1"/>
+          </p:cNvSpPr>
           <p:nvPr>
-            <p:ph idx="2" type="sldImg"/>
+            <p:ph type="sldImg" idx="2"/>
           </p:nvPr>
         </p:nvSpPr>
         <p:spPr>
@@ -1631,9 +1701,13 @@
             <a:ext cx="6096000" cy="3429000"/>
           </a:xfrm>
           <a:custGeom>
-            <a:rect b="b" l="l" r="r" t="t"/>
+            <a:avLst/>
+            <a:gdLst/>
+            <a:ahLst/>
+            <a:cxnLst/>
+            <a:rect l="l" t="t" r="r" b="b"/>
             <a:pathLst>
-              <a:path extrusionOk="0" h="120000" w="120000">
+              <a:path w="120000" h="120000" extrusionOk="0">
                 <a:moveTo>
                   <a:pt x="0" y="0"/>
                 </a:moveTo>
@@ -1655,9 +1729,11 @@
       <p:sp>
         <p:nvSpPr>
           <p:cNvPr id="147" name="Google Shape;147;g26117827105_0_130:notes"/>
-          <p:cNvSpPr txBox="1"/>
+          <p:cNvSpPr txBox="1">
+            <a:spLocks noGrp="1"/>
+          </p:cNvSpPr>
           <p:nvPr>
-            <p:ph idx="1" type="body"/>
+            <p:ph type="body" idx="1"/>
           </p:nvPr>
         </p:nvSpPr>
         <p:spPr>
@@ -1670,12 +1746,12 @@
           </a:prstGeom>
         </p:spPr>
         <p:txBody>
-          <a:bodyPr anchorCtr="0" anchor="t" bIns="91425" lIns="91425" spcFirstLastPara="1" rIns="91425" wrap="square" tIns="91425">
+          <a:bodyPr spcFirstLastPara="1" wrap="square" lIns="91425" tIns="91425" rIns="91425" bIns="91425" anchor="t" anchorCtr="0">
             <a:noAutofit/>
           </a:bodyPr>
           <a:lstStyle/>
           <a:p>
-            <a:pPr indent="0" lvl="0" marL="0" rtl="0" algn="l">
+            <a:pPr marL="0" lvl="0" indent="0" algn="l" rtl="0">
               <a:spcBef>
                 <a:spcPts val="0"/>
               </a:spcBef>
@@ -1684,9 +1760,6 @@
               </a:spcAft>
               <a:buNone/>
             </a:pPr>
-            <a:r>
-              <a:t/>
-            </a:r>
             <a:endParaRPr/>
           </a:p>
         </p:txBody>
@@ -1700,11 +1773,11 @@
 </file>
 
 <file path=ppt/slideLayouts/slideLayout1.xml><?xml version="1.0" encoding="utf-8"?>
-<p:sldLayout xmlns:a="http://schemas.openxmlformats.org/drawingml/2006/main" xmlns:r="http://schemas.openxmlformats.org/officeDocument/2006/relationships" xmlns:mc="http://schemas.openxmlformats.org/markup-compatibility/2006" xmlns:mv="urn:schemas-microsoft-com:mac:vml" xmlns:p="http://schemas.openxmlformats.org/presentationml/2006/main" xmlns:c="http://schemas.openxmlformats.org/drawingml/2006/chart" xmlns:dgm="http://schemas.openxmlformats.org/drawingml/2006/diagram" xmlns:o="urn:schemas-microsoft-com:office:office" xmlns:v="urn:schemas-microsoft-com:vml" xmlns:pvml="urn:schemas-microsoft-com:office:powerpoint" xmlns:com="http://schemas.openxmlformats.org/drawingml/2006/compatibility" xmlns:p14="http://schemas.microsoft.com/office/powerpoint/2010/main" xmlns:p15="http://schemas.microsoft.com/office/powerpoint/2012/main" xmlns:ahyp="http://schemas.microsoft.com/office/drawing/2018/hyperlinkcolor" matchingName="Title slide" type="title">
+<p:sldLayout xmlns:a="http://schemas.openxmlformats.org/drawingml/2006/main" xmlns:r="http://schemas.openxmlformats.org/officeDocument/2006/relationships" xmlns:p="http://schemas.openxmlformats.org/presentationml/2006/main" matchingName="Title slide" type="title">
   <p:cSld name="TITLE">
     <p:spTree>
       <p:nvGrpSpPr>
-        <p:cNvPr id="9" name="Shape 9"/>
+        <p:cNvPr id="1" name="Shape 9"/>
         <p:cNvGrpSpPr/>
         <p:nvPr/>
       </p:nvGrpSpPr>
@@ -1738,12 +1811,12 @@
           </a:ln>
         </p:spPr>
         <p:txBody>
-          <a:bodyPr anchorCtr="0" anchor="ctr" bIns="91425" lIns="91425" spcFirstLastPara="1" rIns="91425" wrap="square" tIns="91425">
+          <a:bodyPr spcFirstLastPara="1" wrap="square" lIns="91425" tIns="91425" rIns="91425" bIns="91425" anchor="ctr" anchorCtr="0">
             <a:noAutofit/>
           </a:bodyPr>
           <a:lstStyle/>
           <a:p>
-            <a:pPr indent="0" lvl="0" marL="0" rtl="0" algn="l">
+            <a:pPr marL="0" lvl="0" indent="0" algn="l" rtl="0">
               <a:spcBef>
                 <a:spcPts val="0"/>
               </a:spcBef>
@@ -1752,9 +1825,6 @@
               </a:spcAft>
               <a:buNone/>
             </a:pPr>
-            <a:r>
-              <a:t/>
-            </a:r>
             <a:endParaRPr/>
           </a:p>
         </p:txBody>
@@ -1762,7 +1832,9 @@
       <p:sp>
         <p:nvSpPr>
           <p:cNvPr id="11" name="Google Shape;11;p2"/>
-          <p:cNvSpPr txBox="1"/>
+          <p:cNvSpPr txBox="1">
+            <a:spLocks noGrp="1"/>
+          </p:cNvSpPr>
           <p:nvPr>
             <p:ph type="ctrTitle"/>
           </p:nvPr>
@@ -1777,7 +1849,7 @@
           </a:prstGeom>
         </p:spPr>
         <p:txBody>
-          <a:bodyPr anchorCtr="0" anchor="b" bIns="91425" lIns="91425" spcFirstLastPara="1" rIns="91425" wrap="square" tIns="91425">
+          <a:bodyPr spcFirstLastPara="1" wrap="square" lIns="91425" tIns="91425" rIns="91425" bIns="91425" anchor="b" anchorCtr="0">
             <a:normAutofit/>
           </a:bodyPr>
           <a:lstStyle>
@@ -1881,15 +1953,19 @@
               <a:defRPr sz="4200"/>
             </a:lvl9pPr>
           </a:lstStyle>
-          <a:p/>
+          <a:p>
+            <a:endParaRPr/>
+          </a:p>
         </p:txBody>
       </p:sp>
       <p:sp>
         <p:nvSpPr>
           <p:cNvPr id="12" name="Google Shape;12;p2"/>
-          <p:cNvSpPr txBox="1"/>
+          <p:cNvSpPr txBox="1">
+            <a:spLocks noGrp="1"/>
+          </p:cNvSpPr>
           <p:nvPr>
-            <p:ph idx="1" type="subTitle"/>
+            <p:ph type="subTitle" idx="1"/>
           </p:nvPr>
         </p:nvSpPr>
         <p:spPr>
@@ -1902,7 +1978,7 @@
           </a:prstGeom>
         </p:spPr>
         <p:txBody>
-          <a:bodyPr anchorCtr="0" anchor="t" bIns="91425" lIns="91425" spcFirstLastPara="1" rIns="91425" wrap="square" tIns="91425">
+          <a:bodyPr spcFirstLastPara="1" wrap="square" lIns="91425" tIns="91425" rIns="91425" bIns="91425" anchor="t" anchorCtr="0">
             <a:normAutofit/>
           </a:bodyPr>
           <a:lstStyle>
@@ -2033,15 +2109,19 @@
               <a:defRPr sz="2400"/>
             </a:lvl9pPr>
           </a:lstStyle>
-          <a:p/>
+          <a:p>
+            <a:endParaRPr/>
+          </a:p>
         </p:txBody>
       </p:sp>
       <p:sp>
         <p:nvSpPr>
           <p:cNvPr id="13" name="Google Shape;13;p2"/>
-          <p:cNvSpPr txBox="1"/>
+          <p:cNvSpPr txBox="1">
+            <a:spLocks noGrp="1"/>
+          </p:cNvSpPr>
           <p:nvPr>
-            <p:ph idx="12" type="sldNum"/>
+            <p:ph type="sldNum" idx="12"/>
           </p:nvPr>
         </p:nvSpPr>
         <p:spPr>
@@ -2054,7 +2134,7 @@
           </a:prstGeom>
         </p:spPr>
         <p:txBody>
-          <a:bodyPr anchorCtr="0" anchor="ctr" bIns="91425" lIns="91425" spcFirstLastPara="1" rIns="91425" wrap="square" tIns="91425">
+          <a:bodyPr spcFirstLastPara="1" wrap="square" lIns="91425" tIns="91425" rIns="91425" bIns="91425" anchor="ctr" anchorCtr="0">
             <a:normAutofit/>
           </a:bodyPr>
           <a:lstStyle>
@@ -2132,7 +2212,7 @@
             </a:lvl9pPr>
           </a:lstStyle>
           <a:p>
-            <a:pPr indent="0" lvl="0" marL="0" rtl="0" algn="r">
+            <a:pPr marL="0" lvl="0" indent="0" algn="r" rtl="0">
               <a:spcBef>
                 <a:spcPts val="0"/>
               </a:spcBef>
@@ -2158,11 +2238,11 @@
 </file>
 
 <file path=ppt/slideLayouts/slideLayout10.xml><?xml version="1.0" encoding="utf-8"?>
-<p:sldLayout xmlns:a="http://schemas.openxmlformats.org/drawingml/2006/main" xmlns:r="http://schemas.openxmlformats.org/officeDocument/2006/relationships" xmlns:mc="http://schemas.openxmlformats.org/markup-compatibility/2006" xmlns:mv="urn:schemas-microsoft-com:mac:vml" xmlns:p="http://schemas.openxmlformats.org/presentationml/2006/main" xmlns:c="http://schemas.openxmlformats.org/drawingml/2006/chart" xmlns:dgm="http://schemas.openxmlformats.org/drawingml/2006/diagram" xmlns:o="urn:schemas-microsoft-com:office:office" xmlns:v="urn:schemas-microsoft-com:vml" xmlns:pvml="urn:schemas-microsoft-com:office:powerpoint" xmlns:com="http://schemas.openxmlformats.org/drawingml/2006/compatibility" xmlns:p14="http://schemas.microsoft.com/office/powerpoint/2010/main" xmlns:p15="http://schemas.microsoft.com/office/powerpoint/2012/main" xmlns:ahyp="http://schemas.microsoft.com/office/drawing/2018/hyperlinkcolor" matchingName="Big number">
+<p:sldLayout xmlns:a="http://schemas.openxmlformats.org/drawingml/2006/main" xmlns:r="http://schemas.openxmlformats.org/officeDocument/2006/relationships" xmlns:p="http://schemas.openxmlformats.org/presentationml/2006/main" matchingName="Big number">
   <p:cSld name="BIG_NUMBER">
     <p:spTree>
       <p:nvGrpSpPr>
-        <p:cNvPr id="47" name="Shape 47"/>
+        <p:cNvPr id="1" name="Shape 47"/>
         <p:cNvGrpSpPr/>
         <p:nvPr/>
       </p:nvGrpSpPr>
@@ -2196,12 +2276,12 @@
           </a:ln>
         </p:spPr>
         <p:txBody>
-          <a:bodyPr anchorCtr="0" anchor="ctr" bIns="91425" lIns="91425" spcFirstLastPara="1" rIns="91425" wrap="square" tIns="91425">
+          <a:bodyPr spcFirstLastPara="1" wrap="square" lIns="91425" tIns="91425" rIns="91425" bIns="91425" anchor="ctr" anchorCtr="0">
             <a:noAutofit/>
           </a:bodyPr>
           <a:lstStyle/>
           <a:p>
-            <a:pPr indent="0" lvl="0" marL="0" rtl="0" algn="l">
+            <a:pPr marL="0" lvl="0" indent="0" algn="l" rtl="0">
               <a:spcBef>
                 <a:spcPts val="0"/>
               </a:spcBef>
@@ -2210,9 +2290,6 @@
               </a:spcAft>
               <a:buNone/>
             </a:pPr>
-            <a:r>
-              <a:t/>
-            </a:r>
             <a:endParaRPr/>
           </a:p>
         </p:txBody>
@@ -2220,9 +2297,11 @@
       <p:sp>
         <p:nvSpPr>
           <p:cNvPr id="49" name="Google Shape;49;p11"/>
-          <p:cNvSpPr txBox="1"/>
+          <p:cNvSpPr txBox="1">
+            <a:spLocks noGrp="1"/>
+          </p:cNvSpPr>
           <p:nvPr>
-            <p:ph hasCustomPrompt="1" type="title"/>
+            <p:ph type="title" hasCustomPrompt="1"/>
           </p:nvPr>
         </p:nvSpPr>
         <p:spPr>
@@ -2235,7 +2314,7 @@
           </a:prstGeom>
         </p:spPr>
         <p:txBody>
-          <a:bodyPr anchorCtr="0" anchor="b" bIns="91425" lIns="91425" spcFirstLastPara="1" rIns="91425" wrap="square" tIns="91425">
+          <a:bodyPr spcFirstLastPara="1" wrap="square" lIns="91425" tIns="91425" rIns="91425" bIns="91425" anchor="b" anchorCtr="0">
             <a:normAutofit/>
           </a:bodyPr>
           <a:lstStyle>
@@ -2403,9 +2482,11 @@
       <p:sp>
         <p:nvSpPr>
           <p:cNvPr id="50" name="Google Shape;50;p11"/>
-          <p:cNvSpPr txBox="1"/>
+          <p:cNvSpPr txBox="1">
+            <a:spLocks noGrp="1"/>
+          </p:cNvSpPr>
           <p:nvPr>
-            <p:ph idx="1" type="body"/>
+            <p:ph type="body" idx="1"/>
           </p:nvPr>
         </p:nvSpPr>
         <p:spPr>
@@ -2418,11 +2499,11 @@
           </a:prstGeom>
         </p:spPr>
         <p:txBody>
-          <a:bodyPr anchorCtr="0" anchor="t" bIns="91425" lIns="91425" spcFirstLastPara="1" rIns="91425" wrap="square" tIns="91425">
+          <a:bodyPr spcFirstLastPara="1" wrap="square" lIns="91425" tIns="91425" rIns="91425" bIns="91425" anchor="t" anchorCtr="0">
             <a:normAutofit/>
           </a:bodyPr>
           <a:lstStyle>
-            <a:lvl1pPr indent="-342900" lvl="0" marL="457200" algn="ctr">
+            <a:lvl1pPr marL="457200" lvl="0" indent="-342900" algn="ctr">
               <a:spcBef>
                 <a:spcPts val="0"/>
               </a:spcBef>
@@ -2440,7 +2521,7 @@
                 </a:solidFill>
               </a:defRPr>
             </a:lvl1pPr>
-            <a:lvl2pPr indent="-317500" lvl="1" marL="914400" algn="ctr">
+            <a:lvl2pPr marL="914400" lvl="1" indent="-317500" algn="ctr">
               <a:spcBef>
                 <a:spcPts val="0"/>
               </a:spcBef>
@@ -2458,7 +2539,7 @@
                 </a:solidFill>
               </a:defRPr>
             </a:lvl2pPr>
-            <a:lvl3pPr indent="-317500" lvl="2" marL="1371600" algn="ctr">
+            <a:lvl3pPr marL="1371600" lvl="2" indent="-317500" algn="ctr">
               <a:spcBef>
                 <a:spcPts val="0"/>
               </a:spcBef>
@@ -2476,7 +2557,7 @@
                 </a:solidFill>
               </a:defRPr>
             </a:lvl3pPr>
-            <a:lvl4pPr indent="-317500" lvl="3" marL="1828800" algn="ctr">
+            <a:lvl4pPr marL="1828800" lvl="3" indent="-317500" algn="ctr">
               <a:spcBef>
                 <a:spcPts val="0"/>
               </a:spcBef>
@@ -2494,7 +2575,7 @@
                 </a:solidFill>
               </a:defRPr>
             </a:lvl4pPr>
-            <a:lvl5pPr indent="-317500" lvl="4" marL="2286000" algn="ctr">
+            <a:lvl5pPr marL="2286000" lvl="4" indent="-317500" algn="ctr">
               <a:spcBef>
                 <a:spcPts val="0"/>
               </a:spcBef>
@@ -2512,7 +2593,7 @@
                 </a:solidFill>
               </a:defRPr>
             </a:lvl5pPr>
-            <a:lvl6pPr indent="-317500" lvl="5" marL="2743200" algn="ctr">
+            <a:lvl6pPr marL="2743200" lvl="5" indent="-317500" algn="ctr">
               <a:spcBef>
                 <a:spcPts val="0"/>
               </a:spcBef>
@@ -2530,7 +2611,7 @@
                 </a:solidFill>
               </a:defRPr>
             </a:lvl6pPr>
-            <a:lvl7pPr indent="-317500" lvl="6" marL="3200400" algn="ctr">
+            <a:lvl7pPr marL="3200400" lvl="6" indent="-317500" algn="ctr">
               <a:spcBef>
                 <a:spcPts val="0"/>
               </a:spcBef>
@@ -2548,7 +2629,7 @@
                 </a:solidFill>
               </a:defRPr>
             </a:lvl7pPr>
-            <a:lvl8pPr indent="-317500" lvl="7" marL="3657600" algn="ctr">
+            <a:lvl8pPr marL="3657600" lvl="7" indent="-317500" algn="ctr">
               <a:spcBef>
                 <a:spcPts val="0"/>
               </a:spcBef>
@@ -2566,7 +2647,7 @@
                 </a:solidFill>
               </a:defRPr>
             </a:lvl8pPr>
-            <a:lvl9pPr indent="-317500" lvl="8" marL="4114800" algn="ctr">
+            <a:lvl9pPr marL="4114800" lvl="8" indent="-317500" algn="ctr">
               <a:spcBef>
                 <a:spcPts val="0"/>
               </a:spcBef>
@@ -2585,15 +2666,19 @@
               </a:defRPr>
             </a:lvl9pPr>
           </a:lstStyle>
-          <a:p/>
+          <a:p>
+            <a:endParaRPr/>
+          </a:p>
         </p:txBody>
       </p:sp>
       <p:sp>
         <p:nvSpPr>
           <p:cNvPr id="51" name="Google Shape;51;p11"/>
-          <p:cNvSpPr txBox="1"/>
+          <p:cNvSpPr txBox="1">
+            <a:spLocks noGrp="1"/>
+          </p:cNvSpPr>
           <p:nvPr>
-            <p:ph idx="12" type="sldNum"/>
+            <p:ph type="sldNum" idx="12"/>
           </p:nvPr>
         </p:nvSpPr>
         <p:spPr>
@@ -2606,7 +2691,7 @@
           </a:prstGeom>
         </p:spPr>
         <p:txBody>
-          <a:bodyPr anchorCtr="0" anchor="ctr" bIns="91425" lIns="91425" spcFirstLastPara="1" rIns="91425" wrap="square" tIns="91425">
+          <a:bodyPr spcFirstLastPara="1" wrap="square" lIns="91425" tIns="91425" rIns="91425" bIns="91425" anchor="ctr" anchorCtr="0">
             <a:normAutofit/>
           </a:bodyPr>
           <a:lstStyle>
@@ -2684,7 +2769,7 @@
             </a:lvl9pPr>
           </a:lstStyle>
           <a:p>
-            <a:pPr indent="0" lvl="0" marL="0" rtl="0" algn="r">
+            <a:pPr marL="0" lvl="0" indent="0" algn="r" rtl="0">
               <a:spcBef>
                 <a:spcPts val="0"/>
               </a:spcBef>
@@ -2710,11 +2795,11 @@
 </file>
 
 <file path=ppt/slideLayouts/slideLayout11.xml><?xml version="1.0" encoding="utf-8"?>
-<p:sldLayout xmlns:a="http://schemas.openxmlformats.org/drawingml/2006/main" xmlns:r="http://schemas.openxmlformats.org/officeDocument/2006/relationships" xmlns:mc="http://schemas.openxmlformats.org/markup-compatibility/2006" xmlns:mv="urn:schemas-microsoft-com:mac:vml" xmlns:p="http://schemas.openxmlformats.org/presentationml/2006/main" xmlns:c="http://schemas.openxmlformats.org/drawingml/2006/chart" xmlns:dgm="http://schemas.openxmlformats.org/drawingml/2006/diagram" xmlns:o="urn:schemas-microsoft-com:office:office" xmlns:v="urn:schemas-microsoft-com:vml" xmlns:pvml="urn:schemas-microsoft-com:office:powerpoint" xmlns:com="http://schemas.openxmlformats.org/drawingml/2006/compatibility" xmlns:p14="http://schemas.microsoft.com/office/powerpoint/2010/main" xmlns:p15="http://schemas.microsoft.com/office/powerpoint/2012/main" xmlns:ahyp="http://schemas.microsoft.com/office/drawing/2018/hyperlinkcolor" matchingName="Blank" type="blank">
+<p:sldLayout xmlns:a="http://schemas.openxmlformats.org/drawingml/2006/main" xmlns:r="http://schemas.openxmlformats.org/officeDocument/2006/relationships" xmlns:p="http://schemas.openxmlformats.org/presentationml/2006/main" matchingName="Blank" type="blank">
   <p:cSld name="BLANK">
     <p:spTree>
       <p:nvGrpSpPr>
-        <p:cNvPr id="52" name="Shape 52"/>
+        <p:cNvPr id="1" name="Shape 52"/>
         <p:cNvGrpSpPr/>
         <p:nvPr/>
       </p:nvGrpSpPr>
@@ -2729,9 +2814,11 @@
       <p:sp>
         <p:nvSpPr>
           <p:cNvPr id="53" name="Google Shape;53;p12"/>
-          <p:cNvSpPr txBox="1"/>
+          <p:cNvSpPr txBox="1">
+            <a:spLocks noGrp="1"/>
+          </p:cNvSpPr>
           <p:nvPr>
-            <p:ph idx="12" type="sldNum"/>
+            <p:ph type="sldNum" idx="12"/>
           </p:nvPr>
         </p:nvSpPr>
         <p:spPr>
@@ -2744,7 +2831,7 @@
           </a:prstGeom>
         </p:spPr>
         <p:txBody>
-          <a:bodyPr anchorCtr="0" anchor="ctr" bIns="91425" lIns="91425" spcFirstLastPara="1" rIns="91425" wrap="square" tIns="91425">
+          <a:bodyPr spcFirstLastPara="1" wrap="square" lIns="91425" tIns="91425" rIns="91425" bIns="91425" anchor="ctr" anchorCtr="0">
             <a:normAutofit/>
           </a:bodyPr>
           <a:lstStyle>
@@ -2786,7 +2873,7 @@
             </a:lvl9pPr>
           </a:lstStyle>
           <a:p>
-            <a:pPr indent="0" lvl="0" marL="0" rtl="0" algn="r">
+            <a:pPr marL="0" lvl="0" indent="0" algn="r" rtl="0">
               <a:spcBef>
                 <a:spcPts val="0"/>
               </a:spcBef>
@@ -2812,11 +2899,11 @@
 </file>
 
 <file path=ppt/slideLayouts/slideLayout2.xml><?xml version="1.0" encoding="utf-8"?>
-<p:sldLayout xmlns:a="http://schemas.openxmlformats.org/drawingml/2006/main" xmlns:r="http://schemas.openxmlformats.org/officeDocument/2006/relationships" xmlns:mc="http://schemas.openxmlformats.org/markup-compatibility/2006" xmlns:mv="urn:schemas-microsoft-com:mac:vml" xmlns:p="http://schemas.openxmlformats.org/presentationml/2006/main" xmlns:c="http://schemas.openxmlformats.org/drawingml/2006/chart" xmlns:dgm="http://schemas.openxmlformats.org/drawingml/2006/diagram" xmlns:o="urn:schemas-microsoft-com:office:office" xmlns:v="urn:schemas-microsoft-com:vml" xmlns:pvml="urn:schemas-microsoft-com:office:powerpoint" xmlns:com="http://schemas.openxmlformats.org/drawingml/2006/compatibility" xmlns:p14="http://schemas.microsoft.com/office/powerpoint/2010/main" xmlns:p15="http://schemas.microsoft.com/office/powerpoint/2012/main" xmlns:ahyp="http://schemas.microsoft.com/office/drawing/2018/hyperlinkcolor" matchingName="Section header" type="secHead">
+<p:sldLayout xmlns:a="http://schemas.openxmlformats.org/drawingml/2006/main" xmlns:r="http://schemas.openxmlformats.org/officeDocument/2006/relationships" xmlns:p="http://schemas.openxmlformats.org/presentationml/2006/main" matchingName="Section header" type="secHead">
   <p:cSld name="SECTION_HEADER">
     <p:spTree>
       <p:nvGrpSpPr>
-        <p:cNvPr id="14" name="Shape 14"/>
+        <p:cNvPr id="1" name="Shape 14"/>
         <p:cNvGrpSpPr/>
         <p:nvPr/>
       </p:nvGrpSpPr>
@@ -2850,12 +2937,12 @@
           </a:ln>
         </p:spPr>
         <p:txBody>
-          <a:bodyPr anchorCtr="0" anchor="ctr" bIns="91425" lIns="91425" spcFirstLastPara="1" rIns="91425" wrap="square" tIns="91425">
+          <a:bodyPr spcFirstLastPara="1" wrap="square" lIns="91425" tIns="91425" rIns="91425" bIns="91425" anchor="ctr" anchorCtr="0">
             <a:noAutofit/>
           </a:bodyPr>
           <a:lstStyle/>
           <a:p>
-            <a:pPr indent="0" lvl="0" marL="0" rtl="0" algn="l">
+            <a:pPr marL="0" lvl="0" indent="0" algn="l" rtl="0">
               <a:spcBef>
                 <a:spcPts val="0"/>
               </a:spcBef>
@@ -2864,9 +2951,6 @@
               </a:spcAft>
               <a:buNone/>
             </a:pPr>
-            <a:r>
-              <a:t/>
-            </a:r>
             <a:endParaRPr/>
           </a:p>
         </p:txBody>
@@ -2874,7 +2958,9 @@
       <p:sp>
         <p:nvSpPr>
           <p:cNvPr id="16" name="Google Shape;16;p3"/>
-          <p:cNvSpPr txBox="1"/>
+          <p:cNvSpPr txBox="1">
+            <a:spLocks noGrp="1"/>
+          </p:cNvSpPr>
           <p:nvPr>
             <p:ph type="title"/>
           </p:nvPr>
@@ -2889,7 +2975,7 @@
           </a:prstGeom>
         </p:spPr>
         <p:txBody>
-          <a:bodyPr anchorCtr="0" anchor="b" bIns="91425" lIns="91425" spcFirstLastPara="1" rIns="91425" wrap="square" tIns="91425">
+          <a:bodyPr spcFirstLastPara="1" wrap="square" lIns="91425" tIns="91425" rIns="91425" bIns="91425" anchor="b" anchorCtr="0">
             <a:normAutofit/>
           </a:bodyPr>
           <a:lstStyle>
@@ -2993,15 +3079,19 @@
               <a:defRPr sz="3600"/>
             </a:lvl9pPr>
           </a:lstStyle>
-          <a:p/>
+          <a:p>
+            <a:endParaRPr/>
+          </a:p>
         </p:txBody>
       </p:sp>
       <p:sp>
         <p:nvSpPr>
           <p:cNvPr id="17" name="Google Shape;17;p3"/>
-          <p:cNvSpPr txBox="1"/>
+          <p:cNvSpPr txBox="1">
+            <a:spLocks noGrp="1"/>
+          </p:cNvSpPr>
           <p:nvPr>
-            <p:ph idx="12" type="sldNum"/>
+            <p:ph type="sldNum" idx="12"/>
           </p:nvPr>
         </p:nvSpPr>
         <p:spPr>
@@ -3014,7 +3104,7 @@
           </a:prstGeom>
         </p:spPr>
         <p:txBody>
-          <a:bodyPr anchorCtr="0" anchor="ctr" bIns="91425" lIns="91425" spcFirstLastPara="1" rIns="91425" wrap="square" tIns="91425">
+          <a:bodyPr spcFirstLastPara="1" wrap="square" lIns="91425" tIns="91425" rIns="91425" bIns="91425" anchor="ctr" anchorCtr="0">
             <a:normAutofit/>
           </a:bodyPr>
           <a:lstStyle>
@@ -3092,7 +3182,7 @@
             </a:lvl9pPr>
           </a:lstStyle>
           <a:p>
-            <a:pPr indent="0" lvl="0" marL="0" rtl="0" algn="r">
+            <a:pPr marL="0" lvl="0" indent="0" algn="r" rtl="0">
               <a:spcBef>
                 <a:spcPts val="0"/>
               </a:spcBef>
@@ -3118,11 +3208,11 @@
 </file>
 
 <file path=ppt/slideLayouts/slideLayout3.xml><?xml version="1.0" encoding="utf-8"?>
-<p:sldLayout xmlns:a="http://schemas.openxmlformats.org/drawingml/2006/main" xmlns:r="http://schemas.openxmlformats.org/officeDocument/2006/relationships" xmlns:mc="http://schemas.openxmlformats.org/markup-compatibility/2006" xmlns:mv="urn:schemas-microsoft-com:mac:vml" xmlns:p="http://schemas.openxmlformats.org/presentationml/2006/main" xmlns:c="http://schemas.openxmlformats.org/drawingml/2006/chart" xmlns:dgm="http://schemas.openxmlformats.org/drawingml/2006/diagram" xmlns:o="urn:schemas-microsoft-com:office:office" xmlns:v="urn:schemas-microsoft-com:vml" xmlns:pvml="urn:schemas-microsoft-com:office:powerpoint" xmlns:com="http://schemas.openxmlformats.org/drawingml/2006/compatibility" xmlns:p14="http://schemas.microsoft.com/office/powerpoint/2010/main" xmlns:p15="http://schemas.microsoft.com/office/powerpoint/2012/main" xmlns:ahyp="http://schemas.microsoft.com/office/drawing/2018/hyperlinkcolor" matchingName="Title and body" type="tx">
+<p:sldLayout xmlns:a="http://schemas.openxmlformats.org/drawingml/2006/main" xmlns:r="http://schemas.openxmlformats.org/officeDocument/2006/relationships" xmlns:p="http://schemas.openxmlformats.org/presentationml/2006/main" matchingName="Title and body" type="tx">
   <p:cSld name="TITLE_AND_BODY">
     <p:spTree>
       <p:nvGrpSpPr>
-        <p:cNvPr id="18" name="Shape 18"/>
+        <p:cNvPr id="1" name="Shape 18"/>
         <p:cNvGrpSpPr/>
         <p:nvPr/>
       </p:nvGrpSpPr>
@@ -3137,7 +3227,9 @@
       <p:sp>
         <p:nvSpPr>
           <p:cNvPr id="19" name="Google Shape;19;p4"/>
-          <p:cNvSpPr txBox="1"/>
+          <p:cNvSpPr txBox="1">
+            <a:spLocks noGrp="1"/>
+          </p:cNvSpPr>
           <p:nvPr>
             <p:ph type="title"/>
           </p:nvPr>
@@ -3152,7 +3244,7 @@
           </a:prstGeom>
         </p:spPr>
         <p:txBody>
-          <a:bodyPr anchorCtr="0" anchor="t" bIns="91425" lIns="91425" spcFirstLastPara="1" rIns="91425" wrap="square" tIns="91425">
+          <a:bodyPr spcFirstLastPara="1" wrap="square" lIns="91425" tIns="91425" rIns="91425" bIns="91425" anchor="t" anchorCtr="0">
             <a:normAutofit/>
           </a:bodyPr>
           <a:lstStyle>
@@ -3256,15 +3348,19 @@
               <a:defRPr/>
             </a:lvl9pPr>
           </a:lstStyle>
-          <a:p/>
+          <a:p>
+            <a:endParaRPr/>
+          </a:p>
         </p:txBody>
       </p:sp>
       <p:sp>
         <p:nvSpPr>
           <p:cNvPr id="20" name="Google Shape;20;p4"/>
-          <p:cNvSpPr txBox="1"/>
+          <p:cNvSpPr txBox="1">
+            <a:spLocks noGrp="1"/>
+          </p:cNvSpPr>
           <p:nvPr>
-            <p:ph idx="1" type="body"/>
+            <p:ph type="body" idx="1"/>
           </p:nvPr>
         </p:nvSpPr>
         <p:spPr>
@@ -3277,11 +3373,11 @@
           </a:prstGeom>
         </p:spPr>
         <p:txBody>
-          <a:bodyPr anchorCtr="0" anchor="t" bIns="91425" lIns="91425" spcFirstLastPara="1" rIns="91425" wrap="square" tIns="91425">
+          <a:bodyPr spcFirstLastPara="1" wrap="square" lIns="91425" tIns="91425" rIns="91425" bIns="91425" anchor="t" anchorCtr="0">
             <a:normAutofit/>
           </a:bodyPr>
           <a:lstStyle>
-            <a:lvl1pPr indent="-342900" lvl="0" marL="457200">
+            <a:lvl1pPr marL="457200" lvl="0" indent="-342900">
               <a:spcBef>
                 <a:spcPts val="0"/>
               </a:spcBef>
@@ -3292,7 +3388,7 @@
               <a:buChar char="●"/>
               <a:defRPr/>
             </a:lvl1pPr>
-            <a:lvl2pPr indent="-317500" lvl="1" marL="914400">
+            <a:lvl2pPr marL="914400" lvl="1" indent="-317500">
               <a:spcBef>
                 <a:spcPts val="0"/>
               </a:spcBef>
@@ -3303,7 +3399,7 @@
               <a:buChar char="○"/>
               <a:defRPr/>
             </a:lvl2pPr>
-            <a:lvl3pPr indent="-317500" lvl="2" marL="1371600">
+            <a:lvl3pPr marL="1371600" lvl="2" indent="-317500">
               <a:spcBef>
                 <a:spcPts val="0"/>
               </a:spcBef>
@@ -3314,7 +3410,7 @@
               <a:buChar char="■"/>
               <a:defRPr/>
             </a:lvl3pPr>
-            <a:lvl4pPr indent="-317500" lvl="3" marL="1828800">
+            <a:lvl4pPr marL="1828800" lvl="3" indent="-317500">
               <a:spcBef>
                 <a:spcPts val="0"/>
               </a:spcBef>
@@ -3325,7 +3421,7 @@
               <a:buChar char="●"/>
               <a:defRPr/>
             </a:lvl4pPr>
-            <a:lvl5pPr indent="-317500" lvl="4" marL="2286000">
+            <a:lvl5pPr marL="2286000" lvl="4" indent="-317500">
               <a:spcBef>
                 <a:spcPts val="0"/>
               </a:spcBef>
@@ -3336,7 +3432,7 @@
               <a:buChar char="○"/>
               <a:defRPr/>
             </a:lvl5pPr>
-            <a:lvl6pPr indent="-317500" lvl="5" marL="2743200">
+            <a:lvl6pPr marL="2743200" lvl="5" indent="-317500">
               <a:spcBef>
                 <a:spcPts val="0"/>
               </a:spcBef>
@@ -3347,7 +3443,7 @@
               <a:buChar char="■"/>
               <a:defRPr/>
             </a:lvl6pPr>
-            <a:lvl7pPr indent="-317500" lvl="6" marL="3200400">
+            <a:lvl7pPr marL="3200400" lvl="6" indent="-317500">
               <a:spcBef>
                 <a:spcPts val="0"/>
               </a:spcBef>
@@ -3358,7 +3454,7 @@
               <a:buChar char="●"/>
               <a:defRPr/>
             </a:lvl7pPr>
-            <a:lvl8pPr indent="-317500" lvl="7" marL="3657600">
+            <a:lvl8pPr marL="3657600" lvl="7" indent="-317500">
               <a:spcBef>
                 <a:spcPts val="0"/>
               </a:spcBef>
@@ -3369,7 +3465,7 @@
               <a:buChar char="○"/>
               <a:defRPr/>
             </a:lvl8pPr>
-            <a:lvl9pPr indent="-317500" lvl="8" marL="4114800">
+            <a:lvl9pPr marL="4114800" lvl="8" indent="-317500">
               <a:spcBef>
                 <a:spcPts val="0"/>
               </a:spcBef>
@@ -3381,15 +3477,19 @@
               <a:defRPr/>
             </a:lvl9pPr>
           </a:lstStyle>
-          <a:p/>
+          <a:p>
+            <a:endParaRPr/>
+          </a:p>
         </p:txBody>
       </p:sp>
       <p:sp>
         <p:nvSpPr>
           <p:cNvPr id="21" name="Google Shape;21;p4"/>
-          <p:cNvSpPr txBox="1"/>
+          <p:cNvSpPr txBox="1">
+            <a:spLocks noGrp="1"/>
+          </p:cNvSpPr>
           <p:nvPr>
-            <p:ph idx="12" type="sldNum"/>
+            <p:ph type="sldNum" idx="12"/>
           </p:nvPr>
         </p:nvSpPr>
         <p:spPr>
@@ -3402,7 +3502,7 @@
           </a:prstGeom>
         </p:spPr>
         <p:txBody>
-          <a:bodyPr anchorCtr="0" anchor="ctr" bIns="91425" lIns="91425" spcFirstLastPara="1" rIns="91425" wrap="square" tIns="91425">
+          <a:bodyPr spcFirstLastPara="1" wrap="square" lIns="91425" tIns="91425" rIns="91425" bIns="91425" anchor="ctr" anchorCtr="0">
             <a:normAutofit/>
           </a:bodyPr>
           <a:lstStyle>
@@ -3444,7 +3544,7 @@
             </a:lvl9pPr>
           </a:lstStyle>
           <a:p>
-            <a:pPr indent="0" lvl="0" marL="0" rtl="0" algn="r">
+            <a:pPr marL="0" lvl="0" indent="0" algn="r" rtl="0">
               <a:spcBef>
                 <a:spcPts val="0"/>
               </a:spcBef>
@@ -3470,11 +3570,11 @@
 </file>
 
 <file path=ppt/slideLayouts/slideLayout4.xml><?xml version="1.0" encoding="utf-8"?>
-<p:sldLayout xmlns:a="http://schemas.openxmlformats.org/drawingml/2006/main" xmlns:r="http://schemas.openxmlformats.org/officeDocument/2006/relationships" xmlns:mc="http://schemas.openxmlformats.org/markup-compatibility/2006" xmlns:mv="urn:schemas-microsoft-com:mac:vml" xmlns:p="http://schemas.openxmlformats.org/presentationml/2006/main" xmlns:c="http://schemas.openxmlformats.org/drawingml/2006/chart" xmlns:dgm="http://schemas.openxmlformats.org/drawingml/2006/diagram" xmlns:o="urn:schemas-microsoft-com:office:office" xmlns:v="urn:schemas-microsoft-com:vml" xmlns:pvml="urn:schemas-microsoft-com:office:powerpoint" xmlns:com="http://schemas.openxmlformats.org/drawingml/2006/compatibility" xmlns:p14="http://schemas.microsoft.com/office/powerpoint/2010/main" xmlns:p15="http://schemas.microsoft.com/office/powerpoint/2012/main" xmlns:ahyp="http://schemas.microsoft.com/office/drawing/2018/hyperlinkcolor" matchingName="Title and two columns" type="twoColTx">
+<p:sldLayout xmlns:a="http://schemas.openxmlformats.org/drawingml/2006/main" xmlns:r="http://schemas.openxmlformats.org/officeDocument/2006/relationships" xmlns:p="http://schemas.openxmlformats.org/presentationml/2006/main" matchingName="Title and two columns" type="twoColTx">
   <p:cSld name="TITLE_AND_TWO_COLUMNS">
     <p:spTree>
       <p:nvGrpSpPr>
-        <p:cNvPr id="22" name="Shape 22"/>
+        <p:cNvPr id="1" name="Shape 22"/>
         <p:cNvGrpSpPr/>
         <p:nvPr/>
       </p:nvGrpSpPr>
@@ -3489,7 +3589,9 @@
       <p:sp>
         <p:nvSpPr>
           <p:cNvPr id="23" name="Google Shape;23;p5"/>
-          <p:cNvSpPr txBox="1"/>
+          <p:cNvSpPr txBox="1">
+            <a:spLocks noGrp="1"/>
+          </p:cNvSpPr>
           <p:nvPr>
             <p:ph type="title"/>
           </p:nvPr>
@@ -3504,7 +3606,7 @@
           </a:prstGeom>
         </p:spPr>
         <p:txBody>
-          <a:bodyPr anchorCtr="0" anchor="t" bIns="91425" lIns="91425" spcFirstLastPara="1" rIns="91425" wrap="square" tIns="91425">
+          <a:bodyPr spcFirstLastPara="1" wrap="square" lIns="91425" tIns="91425" rIns="91425" bIns="91425" anchor="t" anchorCtr="0">
             <a:normAutofit/>
           </a:bodyPr>
           <a:lstStyle>
@@ -3608,15 +3710,19 @@
               <a:defRPr/>
             </a:lvl9pPr>
           </a:lstStyle>
-          <a:p/>
+          <a:p>
+            <a:endParaRPr/>
+          </a:p>
         </p:txBody>
       </p:sp>
       <p:sp>
         <p:nvSpPr>
           <p:cNvPr id="24" name="Google Shape;24;p5"/>
-          <p:cNvSpPr txBox="1"/>
+          <p:cNvSpPr txBox="1">
+            <a:spLocks noGrp="1"/>
+          </p:cNvSpPr>
           <p:nvPr>
-            <p:ph idx="1" type="body"/>
+            <p:ph type="body" idx="1"/>
           </p:nvPr>
         </p:nvSpPr>
         <p:spPr>
@@ -3629,11 +3735,11 @@
           </a:prstGeom>
         </p:spPr>
         <p:txBody>
-          <a:bodyPr anchorCtr="0" anchor="t" bIns="91425" lIns="91425" spcFirstLastPara="1" rIns="91425" wrap="square" tIns="91425">
+          <a:bodyPr spcFirstLastPara="1" wrap="square" lIns="91425" tIns="91425" rIns="91425" bIns="91425" anchor="t" anchorCtr="0">
             <a:normAutofit/>
           </a:bodyPr>
           <a:lstStyle>
-            <a:lvl1pPr indent="-317500" lvl="0" marL="457200">
+            <a:lvl1pPr marL="457200" lvl="0" indent="-317500">
               <a:spcBef>
                 <a:spcPts val="0"/>
               </a:spcBef>
@@ -3644,7 +3750,7 @@
               <a:buChar char="●"/>
               <a:defRPr sz="1400"/>
             </a:lvl1pPr>
-            <a:lvl2pPr indent="-304800" lvl="1" marL="914400">
+            <a:lvl2pPr marL="914400" lvl="1" indent="-304800">
               <a:spcBef>
                 <a:spcPts val="0"/>
               </a:spcBef>
@@ -3655,7 +3761,7 @@
               <a:buChar char="○"/>
               <a:defRPr sz="1200"/>
             </a:lvl2pPr>
-            <a:lvl3pPr indent="-304800" lvl="2" marL="1371600">
+            <a:lvl3pPr marL="1371600" lvl="2" indent="-304800">
               <a:spcBef>
                 <a:spcPts val="0"/>
               </a:spcBef>
@@ -3666,7 +3772,7 @@
               <a:buChar char="■"/>
               <a:defRPr sz="1200"/>
             </a:lvl3pPr>
-            <a:lvl4pPr indent="-304800" lvl="3" marL="1828800">
+            <a:lvl4pPr marL="1828800" lvl="3" indent="-304800">
               <a:spcBef>
                 <a:spcPts val="0"/>
               </a:spcBef>
@@ -3677,7 +3783,7 @@
               <a:buChar char="●"/>
               <a:defRPr sz="1200"/>
             </a:lvl4pPr>
-            <a:lvl5pPr indent="-304800" lvl="4" marL="2286000">
+            <a:lvl5pPr marL="2286000" lvl="4" indent="-304800">
               <a:spcBef>
                 <a:spcPts val="0"/>
               </a:spcBef>
@@ -3688,7 +3794,7 @@
               <a:buChar char="○"/>
               <a:defRPr sz="1200"/>
             </a:lvl5pPr>
-            <a:lvl6pPr indent="-304800" lvl="5" marL="2743200">
+            <a:lvl6pPr marL="2743200" lvl="5" indent="-304800">
               <a:spcBef>
                 <a:spcPts val="0"/>
               </a:spcBef>
@@ -3699,7 +3805,7 @@
               <a:buChar char="■"/>
               <a:defRPr sz="1200"/>
             </a:lvl6pPr>
-            <a:lvl7pPr indent="-304800" lvl="6" marL="3200400">
+            <a:lvl7pPr marL="3200400" lvl="6" indent="-304800">
               <a:spcBef>
                 <a:spcPts val="0"/>
               </a:spcBef>
@@ -3710,7 +3816,7 @@
               <a:buChar char="●"/>
               <a:defRPr sz="1200"/>
             </a:lvl7pPr>
-            <a:lvl8pPr indent="-304800" lvl="7" marL="3657600">
+            <a:lvl8pPr marL="3657600" lvl="7" indent="-304800">
               <a:spcBef>
                 <a:spcPts val="0"/>
               </a:spcBef>
@@ -3721,7 +3827,7 @@
               <a:buChar char="○"/>
               <a:defRPr sz="1200"/>
             </a:lvl8pPr>
-            <a:lvl9pPr indent="-304800" lvl="8" marL="4114800">
+            <a:lvl9pPr marL="4114800" lvl="8" indent="-304800">
               <a:spcBef>
                 <a:spcPts val="0"/>
               </a:spcBef>
@@ -3733,15 +3839,19 @@
               <a:defRPr sz="1200"/>
             </a:lvl9pPr>
           </a:lstStyle>
-          <a:p/>
+          <a:p>
+            <a:endParaRPr/>
+          </a:p>
         </p:txBody>
       </p:sp>
       <p:sp>
         <p:nvSpPr>
           <p:cNvPr id="25" name="Google Shape;25;p5"/>
-          <p:cNvSpPr txBox="1"/>
+          <p:cNvSpPr txBox="1">
+            <a:spLocks noGrp="1"/>
+          </p:cNvSpPr>
           <p:nvPr>
-            <p:ph idx="2" type="body"/>
+            <p:ph type="body" idx="2"/>
           </p:nvPr>
         </p:nvSpPr>
         <p:spPr>
@@ -3754,11 +3864,11 @@
           </a:prstGeom>
         </p:spPr>
         <p:txBody>
-          <a:bodyPr anchorCtr="0" anchor="t" bIns="91425" lIns="91425" spcFirstLastPara="1" rIns="91425" wrap="square" tIns="91425">
+          <a:bodyPr spcFirstLastPara="1" wrap="square" lIns="91425" tIns="91425" rIns="91425" bIns="91425" anchor="t" anchorCtr="0">
             <a:normAutofit/>
           </a:bodyPr>
           <a:lstStyle>
-            <a:lvl1pPr indent="-317500" lvl="0" marL="457200">
+            <a:lvl1pPr marL="457200" lvl="0" indent="-317500">
               <a:spcBef>
                 <a:spcPts val="0"/>
               </a:spcBef>
@@ -3769,7 +3879,7 @@
               <a:buChar char="●"/>
               <a:defRPr sz="1400"/>
             </a:lvl1pPr>
-            <a:lvl2pPr indent="-304800" lvl="1" marL="914400">
+            <a:lvl2pPr marL="914400" lvl="1" indent="-304800">
               <a:spcBef>
                 <a:spcPts val="0"/>
               </a:spcBef>
@@ -3780,7 +3890,7 @@
               <a:buChar char="○"/>
               <a:defRPr sz="1200"/>
             </a:lvl2pPr>
-            <a:lvl3pPr indent="-304800" lvl="2" marL="1371600">
+            <a:lvl3pPr marL="1371600" lvl="2" indent="-304800">
               <a:spcBef>
                 <a:spcPts val="0"/>
               </a:spcBef>
@@ -3791,7 +3901,7 @@
               <a:buChar char="■"/>
               <a:defRPr sz="1200"/>
             </a:lvl3pPr>
-            <a:lvl4pPr indent="-304800" lvl="3" marL="1828800">
+            <a:lvl4pPr marL="1828800" lvl="3" indent="-304800">
               <a:spcBef>
                 <a:spcPts val="0"/>
               </a:spcBef>
@@ -3802,7 +3912,7 @@
               <a:buChar char="●"/>
               <a:defRPr sz="1200"/>
             </a:lvl4pPr>
-            <a:lvl5pPr indent="-304800" lvl="4" marL="2286000">
+            <a:lvl5pPr marL="2286000" lvl="4" indent="-304800">
               <a:spcBef>
                 <a:spcPts val="0"/>
               </a:spcBef>
@@ -3813,7 +3923,7 @@
               <a:buChar char="○"/>
               <a:defRPr sz="1200"/>
             </a:lvl5pPr>
-            <a:lvl6pPr indent="-304800" lvl="5" marL="2743200">
+            <a:lvl6pPr marL="2743200" lvl="5" indent="-304800">
               <a:spcBef>
                 <a:spcPts val="0"/>
               </a:spcBef>
@@ -3824,7 +3934,7 @@
               <a:buChar char="■"/>
               <a:defRPr sz="1200"/>
             </a:lvl6pPr>
-            <a:lvl7pPr indent="-304800" lvl="6" marL="3200400">
+            <a:lvl7pPr marL="3200400" lvl="6" indent="-304800">
               <a:spcBef>
                 <a:spcPts val="0"/>
               </a:spcBef>
@@ -3835,7 +3945,7 @@
               <a:buChar char="●"/>
               <a:defRPr sz="1200"/>
             </a:lvl7pPr>
-            <a:lvl8pPr indent="-304800" lvl="7" marL="3657600">
+            <a:lvl8pPr marL="3657600" lvl="7" indent="-304800">
               <a:spcBef>
                 <a:spcPts val="0"/>
               </a:spcBef>
@@ -3846,7 +3956,7 @@
               <a:buChar char="○"/>
               <a:defRPr sz="1200"/>
             </a:lvl8pPr>
-            <a:lvl9pPr indent="-304800" lvl="8" marL="4114800">
+            <a:lvl9pPr marL="4114800" lvl="8" indent="-304800">
               <a:spcBef>
                 <a:spcPts val="0"/>
               </a:spcBef>
@@ -3858,15 +3968,19 @@
               <a:defRPr sz="1200"/>
             </a:lvl9pPr>
           </a:lstStyle>
-          <a:p/>
+          <a:p>
+            <a:endParaRPr/>
+          </a:p>
         </p:txBody>
       </p:sp>
       <p:sp>
         <p:nvSpPr>
           <p:cNvPr id="26" name="Google Shape;26;p5"/>
-          <p:cNvSpPr txBox="1"/>
+          <p:cNvSpPr txBox="1">
+            <a:spLocks noGrp="1"/>
+          </p:cNvSpPr>
           <p:nvPr>
-            <p:ph idx="12" type="sldNum"/>
+            <p:ph type="sldNum" idx="12"/>
           </p:nvPr>
         </p:nvSpPr>
         <p:spPr>
@@ -3879,7 +3993,7 @@
           </a:prstGeom>
         </p:spPr>
         <p:txBody>
-          <a:bodyPr anchorCtr="0" anchor="ctr" bIns="91425" lIns="91425" spcFirstLastPara="1" rIns="91425" wrap="square" tIns="91425">
+          <a:bodyPr spcFirstLastPara="1" wrap="square" lIns="91425" tIns="91425" rIns="91425" bIns="91425" anchor="ctr" anchorCtr="0">
             <a:normAutofit/>
           </a:bodyPr>
           <a:lstStyle>
@@ -3921,7 +4035,7 @@
             </a:lvl9pPr>
           </a:lstStyle>
           <a:p>
-            <a:pPr indent="0" lvl="0" marL="0" rtl="0" algn="r">
+            <a:pPr marL="0" lvl="0" indent="0" algn="r" rtl="0">
               <a:spcBef>
                 <a:spcPts val="0"/>
               </a:spcBef>
@@ -3947,11 +4061,11 @@
 </file>
 
 <file path=ppt/slideLayouts/slideLayout5.xml><?xml version="1.0" encoding="utf-8"?>
-<p:sldLayout xmlns:a="http://schemas.openxmlformats.org/drawingml/2006/main" xmlns:r="http://schemas.openxmlformats.org/officeDocument/2006/relationships" xmlns:mc="http://schemas.openxmlformats.org/markup-compatibility/2006" xmlns:mv="urn:schemas-microsoft-com:mac:vml" xmlns:p="http://schemas.openxmlformats.org/presentationml/2006/main" xmlns:c="http://schemas.openxmlformats.org/drawingml/2006/chart" xmlns:dgm="http://schemas.openxmlformats.org/drawingml/2006/diagram" xmlns:o="urn:schemas-microsoft-com:office:office" xmlns:v="urn:schemas-microsoft-com:vml" xmlns:pvml="urn:schemas-microsoft-com:office:powerpoint" xmlns:com="http://schemas.openxmlformats.org/drawingml/2006/compatibility" xmlns:p14="http://schemas.microsoft.com/office/powerpoint/2010/main" xmlns:p15="http://schemas.microsoft.com/office/powerpoint/2012/main" xmlns:ahyp="http://schemas.microsoft.com/office/drawing/2018/hyperlinkcolor" matchingName="Title only" type="titleOnly">
+<p:sldLayout xmlns:a="http://schemas.openxmlformats.org/drawingml/2006/main" xmlns:r="http://schemas.openxmlformats.org/officeDocument/2006/relationships" xmlns:p="http://schemas.openxmlformats.org/presentationml/2006/main" matchingName="Title only" type="titleOnly">
   <p:cSld name="TITLE_ONLY">
     <p:spTree>
       <p:nvGrpSpPr>
-        <p:cNvPr id="27" name="Shape 27"/>
+        <p:cNvPr id="1" name="Shape 27"/>
         <p:cNvGrpSpPr/>
         <p:nvPr/>
       </p:nvGrpSpPr>
@@ -3966,7 +4080,9 @@
       <p:sp>
         <p:nvSpPr>
           <p:cNvPr id="28" name="Google Shape;28;p6"/>
-          <p:cNvSpPr txBox="1"/>
+          <p:cNvSpPr txBox="1">
+            <a:spLocks noGrp="1"/>
+          </p:cNvSpPr>
           <p:nvPr>
             <p:ph type="title"/>
           </p:nvPr>
@@ -3981,7 +4097,7 @@
           </a:prstGeom>
         </p:spPr>
         <p:txBody>
-          <a:bodyPr anchorCtr="0" anchor="t" bIns="91425" lIns="91425" spcFirstLastPara="1" rIns="91425" wrap="square" tIns="91425">
+          <a:bodyPr spcFirstLastPara="1" wrap="square" lIns="91425" tIns="91425" rIns="91425" bIns="91425" anchor="t" anchorCtr="0">
             <a:normAutofit/>
           </a:bodyPr>
           <a:lstStyle>
@@ -4085,15 +4201,19 @@
               <a:defRPr/>
             </a:lvl9pPr>
           </a:lstStyle>
-          <a:p/>
+          <a:p>
+            <a:endParaRPr/>
+          </a:p>
         </p:txBody>
       </p:sp>
       <p:sp>
         <p:nvSpPr>
           <p:cNvPr id="29" name="Google Shape;29;p6"/>
-          <p:cNvSpPr txBox="1"/>
+          <p:cNvSpPr txBox="1">
+            <a:spLocks noGrp="1"/>
+          </p:cNvSpPr>
           <p:nvPr>
-            <p:ph idx="12" type="sldNum"/>
+            <p:ph type="sldNum" idx="12"/>
           </p:nvPr>
         </p:nvSpPr>
         <p:spPr>
@@ -4106,7 +4226,7 @@
           </a:prstGeom>
         </p:spPr>
         <p:txBody>
-          <a:bodyPr anchorCtr="0" anchor="ctr" bIns="91425" lIns="91425" spcFirstLastPara="1" rIns="91425" wrap="square" tIns="91425">
+          <a:bodyPr spcFirstLastPara="1" wrap="square" lIns="91425" tIns="91425" rIns="91425" bIns="91425" anchor="ctr" anchorCtr="0">
             <a:normAutofit/>
           </a:bodyPr>
           <a:lstStyle>
@@ -4148,7 +4268,7 @@
             </a:lvl9pPr>
           </a:lstStyle>
           <a:p>
-            <a:pPr indent="0" lvl="0" marL="0" rtl="0" algn="r">
+            <a:pPr marL="0" lvl="0" indent="0" algn="r" rtl="0">
               <a:spcBef>
                 <a:spcPts val="0"/>
               </a:spcBef>
@@ -4174,11 +4294,11 @@
 </file>
 
 <file path=ppt/slideLayouts/slideLayout6.xml><?xml version="1.0" encoding="utf-8"?>
-<p:sldLayout xmlns:a="http://schemas.openxmlformats.org/drawingml/2006/main" xmlns:r="http://schemas.openxmlformats.org/officeDocument/2006/relationships" xmlns:mc="http://schemas.openxmlformats.org/markup-compatibility/2006" xmlns:mv="urn:schemas-microsoft-com:mac:vml" xmlns:p="http://schemas.openxmlformats.org/presentationml/2006/main" xmlns:c="http://schemas.openxmlformats.org/drawingml/2006/chart" xmlns:dgm="http://schemas.openxmlformats.org/drawingml/2006/diagram" xmlns:o="urn:schemas-microsoft-com:office:office" xmlns:v="urn:schemas-microsoft-com:vml" xmlns:pvml="urn:schemas-microsoft-com:office:powerpoint" xmlns:com="http://schemas.openxmlformats.org/drawingml/2006/compatibility" xmlns:p14="http://schemas.microsoft.com/office/powerpoint/2010/main" xmlns:p15="http://schemas.microsoft.com/office/powerpoint/2012/main" xmlns:ahyp="http://schemas.microsoft.com/office/drawing/2018/hyperlinkcolor" matchingName="One column text">
+<p:sldLayout xmlns:a="http://schemas.openxmlformats.org/drawingml/2006/main" xmlns:r="http://schemas.openxmlformats.org/officeDocument/2006/relationships" xmlns:p="http://schemas.openxmlformats.org/presentationml/2006/main" matchingName="One column text">
   <p:cSld name="ONE_COLUMN_TEXT">
     <p:spTree>
       <p:nvGrpSpPr>
-        <p:cNvPr id="30" name="Shape 30"/>
+        <p:cNvPr id="1" name="Shape 30"/>
         <p:cNvGrpSpPr/>
         <p:nvPr/>
       </p:nvGrpSpPr>
@@ -4193,7 +4313,9 @@
       <p:sp>
         <p:nvSpPr>
           <p:cNvPr id="31" name="Google Shape;31;p7"/>
-          <p:cNvSpPr txBox="1"/>
+          <p:cNvSpPr txBox="1">
+            <a:spLocks noGrp="1"/>
+          </p:cNvSpPr>
           <p:nvPr>
             <p:ph type="title"/>
           </p:nvPr>
@@ -4208,7 +4330,7 @@
           </a:prstGeom>
         </p:spPr>
         <p:txBody>
-          <a:bodyPr anchorCtr="0" anchor="b" bIns="91425" lIns="91425" spcFirstLastPara="1" rIns="91425" wrap="square" tIns="91425">
+          <a:bodyPr spcFirstLastPara="1" wrap="square" lIns="91425" tIns="91425" rIns="91425" bIns="91425" anchor="b" anchorCtr="0">
             <a:normAutofit/>
           </a:bodyPr>
           <a:lstStyle>
@@ -4312,15 +4434,19 @@
               <a:defRPr sz="2400"/>
             </a:lvl9pPr>
           </a:lstStyle>
-          <a:p/>
+          <a:p>
+            <a:endParaRPr/>
+          </a:p>
         </p:txBody>
       </p:sp>
       <p:sp>
         <p:nvSpPr>
           <p:cNvPr id="32" name="Google Shape;32;p7"/>
-          <p:cNvSpPr txBox="1"/>
+          <p:cNvSpPr txBox="1">
+            <a:spLocks noGrp="1"/>
+          </p:cNvSpPr>
           <p:nvPr>
-            <p:ph idx="1" type="body"/>
+            <p:ph type="body" idx="1"/>
           </p:nvPr>
         </p:nvSpPr>
         <p:spPr>
@@ -4333,11 +4459,11 @@
           </a:prstGeom>
         </p:spPr>
         <p:txBody>
-          <a:bodyPr anchorCtr="0" anchor="t" bIns="91425" lIns="91425" spcFirstLastPara="1" rIns="91425" wrap="square" tIns="91425">
+          <a:bodyPr spcFirstLastPara="1" wrap="square" lIns="91425" tIns="91425" rIns="91425" bIns="91425" anchor="t" anchorCtr="0">
             <a:normAutofit/>
           </a:bodyPr>
           <a:lstStyle>
-            <a:lvl1pPr indent="-304800" lvl="0" marL="457200">
+            <a:lvl1pPr marL="457200" lvl="0" indent="-304800">
               <a:spcBef>
                 <a:spcPts val="0"/>
               </a:spcBef>
@@ -4348,7 +4474,7 @@
               <a:buChar char="●"/>
               <a:defRPr sz="1200"/>
             </a:lvl1pPr>
-            <a:lvl2pPr indent="-304800" lvl="1" marL="914400">
+            <a:lvl2pPr marL="914400" lvl="1" indent="-304800">
               <a:spcBef>
                 <a:spcPts val="0"/>
               </a:spcBef>
@@ -4359,7 +4485,7 @@
               <a:buChar char="○"/>
               <a:defRPr sz="1200"/>
             </a:lvl2pPr>
-            <a:lvl3pPr indent="-304800" lvl="2" marL="1371600">
+            <a:lvl3pPr marL="1371600" lvl="2" indent="-304800">
               <a:spcBef>
                 <a:spcPts val="0"/>
               </a:spcBef>
@@ -4370,7 +4496,7 @@
               <a:buChar char="■"/>
               <a:defRPr sz="1200"/>
             </a:lvl3pPr>
-            <a:lvl4pPr indent="-304800" lvl="3" marL="1828800">
+            <a:lvl4pPr marL="1828800" lvl="3" indent="-304800">
               <a:spcBef>
                 <a:spcPts val="0"/>
               </a:spcBef>
@@ -4381,7 +4507,7 @@
               <a:buChar char="●"/>
               <a:defRPr sz="1200"/>
             </a:lvl4pPr>
-            <a:lvl5pPr indent="-304800" lvl="4" marL="2286000">
+            <a:lvl5pPr marL="2286000" lvl="4" indent="-304800">
               <a:spcBef>
                 <a:spcPts val="0"/>
               </a:spcBef>
@@ -4392,7 +4518,7 @@
               <a:buChar char="○"/>
               <a:defRPr sz="1200"/>
             </a:lvl5pPr>
-            <a:lvl6pPr indent="-304800" lvl="5" marL="2743200">
+            <a:lvl6pPr marL="2743200" lvl="5" indent="-304800">
               <a:spcBef>
                 <a:spcPts val="0"/>
               </a:spcBef>
@@ -4403,7 +4529,7 @@
               <a:buChar char="■"/>
               <a:defRPr sz="1200"/>
             </a:lvl6pPr>
-            <a:lvl7pPr indent="-304800" lvl="6" marL="3200400">
+            <a:lvl7pPr marL="3200400" lvl="6" indent="-304800">
               <a:spcBef>
                 <a:spcPts val="0"/>
               </a:spcBef>
@@ -4414,7 +4540,7 @@
               <a:buChar char="●"/>
               <a:defRPr sz="1200"/>
             </a:lvl7pPr>
-            <a:lvl8pPr indent="-304800" lvl="7" marL="3657600">
+            <a:lvl8pPr marL="3657600" lvl="7" indent="-304800">
               <a:spcBef>
                 <a:spcPts val="0"/>
               </a:spcBef>
@@ -4425,7 +4551,7 @@
               <a:buChar char="○"/>
               <a:defRPr sz="1200"/>
             </a:lvl8pPr>
-            <a:lvl9pPr indent="-304800" lvl="8" marL="4114800">
+            <a:lvl9pPr marL="4114800" lvl="8" indent="-304800">
               <a:spcBef>
                 <a:spcPts val="0"/>
               </a:spcBef>
@@ -4437,15 +4563,19 @@
               <a:defRPr sz="1200"/>
             </a:lvl9pPr>
           </a:lstStyle>
-          <a:p/>
+          <a:p>
+            <a:endParaRPr/>
+          </a:p>
         </p:txBody>
       </p:sp>
       <p:sp>
         <p:nvSpPr>
           <p:cNvPr id="33" name="Google Shape;33;p7"/>
-          <p:cNvSpPr txBox="1"/>
+          <p:cNvSpPr txBox="1">
+            <a:spLocks noGrp="1"/>
+          </p:cNvSpPr>
           <p:nvPr>
-            <p:ph idx="12" type="sldNum"/>
+            <p:ph type="sldNum" idx="12"/>
           </p:nvPr>
         </p:nvSpPr>
         <p:spPr>
@@ -4458,7 +4588,7 @@
           </a:prstGeom>
         </p:spPr>
         <p:txBody>
-          <a:bodyPr anchorCtr="0" anchor="ctr" bIns="91425" lIns="91425" spcFirstLastPara="1" rIns="91425" wrap="square" tIns="91425">
+          <a:bodyPr spcFirstLastPara="1" wrap="square" lIns="91425" tIns="91425" rIns="91425" bIns="91425" anchor="ctr" anchorCtr="0">
             <a:normAutofit/>
           </a:bodyPr>
           <a:lstStyle>
@@ -4500,7 +4630,7 @@
             </a:lvl9pPr>
           </a:lstStyle>
           <a:p>
-            <a:pPr indent="0" lvl="0" marL="0" rtl="0" algn="r">
+            <a:pPr marL="0" lvl="0" indent="0" algn="r" rtl="0">
               <a:spcBef>
                 <a:spcPts val="0"/>
               </a:spcBef>
@@ -4526,18 +4656,19 @@
 </file>
 
 <file path=ppt/slideLayouts/slideLayout7.xml><?xml version="1.0" encoding="utf-8"?>
-<p:sldLayout xmlns:a="http://schemas.openxmlformats.org/drawingml/2006/main" xmlns:r="http://schemas.openxmlformats.org/officeDocument/2006/relationships" xmlns:mc="http://schemas.openxmlformats.org/markup-compatibility/2006" xmlns:mv="urn:schemas-microsoft-com:mac:vml" xmlns:p="http://schemas.openxmlformats.org/presentationml/2006/main" xmlns:c="http://schemas.openxmlformats.org/drawingml/2006/chart" xmlns:dgm="http://schemas.openxmlformats.org/drawingml/2006/diagram" xmlns:o="urn:schemas-microsoft-com:office:office" xmlns:v="urn:schemas-microsoft-com:vml" xmlns:pvml="urn:schemas-microsoft-com:office:powerpoint" xmlns:com="http://schemas.openxmlformats.org/drawingml/2006/compatibility" xmlns:p14="http://schemas.microsoft.com/office/powerpoint/2010/main" xmlns:p15="http://schemas.microsoft.com/office/powerpoint/2012/main" xmlns:ahyp="http://schemas.microsoft.com/office/drawing/2018/hyperlinkcolor" matchingName="Main point">
+<p:sldLayout xmlns:a="http://schemas.openxmlformats.org/drawingml/2006/main" xmlns:r="http://schemas.openxmlformats.org/officeDocument/2006/relationships" xmlns:p="http://schemas.openxmlformats.org/presentationml/2006/main" matchingName="Main point">
   <p:cSld name="MAIN_POINT">
     <p:bg>
       <p:bgPr>
         <a:solidFill>
           <a:srgbClr val="8969FE"/>
         </a:solidFill>
+        <a:effectLst/>
       </p:bgPr>
     </p:bg>
     <p:spTree>
       <p:nvGrpSpPr>
-        <p:cNvPr id="34" name="Shape 34"/>
+        <p:cNvPr id="1" name="Shape 34"/>
         <p:cNvGrpSpPr/>
         <p:nvPr/>
       </p:nvGrpSpPr>
@@ -4552,7 +4683,9 @@
       <p:sp>
         <p:nvSpPr>
           <p:cNvPr id="35" name="Google Shape;35;p8"/>
-          <p:cNvSpPr txBox="1"/>
+          <p:cNvSpPr txBox="1">
+            <a:spLocks noGrp="1"/>
+          </p:cNvSpPr>
           <p:nvPr>
             <p:ph type="title"/>
           </p:nvPr>
@@ -4567,7 +4700,7 @@
           </a:prstGeom>
         </p:spPr>
         <p:txBody>
-          <a:bodyPr anchorCtr="0" anchor="ctr" bIns="91425" lIns="91425" spcFirstLastPara="1" rIns="91425" wrap="square" tIns="91425">
+          <a:bodyPr spcFirstLastPara="1" wrap="square" lIns="91425" tIns="91425" rIns="91425" bIns="91425" anchor="ctr" anchorCtr="0">
             <a:normAutofit/>
           </a:bodyPr>
           <a:lstStyle>
@@ -4734,15 +4867,19 @@
               </a:defRPr>
             </a:lvl9pPr>
           </a:lstStyle>
-          <a:p/>
+          <a:p>
+            <a:endParaRPr/>
+          </a:p>
         </p:txBody>
       </p:sp>
       <p:sp>
         <p:nvSpPr>
           <p:cNvPr id="36" name="Google Shape;36;p8"/>
-          <p:cNvSpPr txBox="1"/>
+          <p:cNvSpPr txBox="1">
+            <a:spLocks noGrp="1"/>
+          </p:cNvSpPr>
           <p:nvPr>
-            <p:ph idx="12" type="sldNum"/>
+            <p:ph type="sldNum" idx="12"/>
           </p:nvPr>
         </p:nvSpPr>
         <p:spPr>
@@ -4755,7 +4892,7 @@
           </a:prstGeom>
         </p:spPr>
         <p:txBody>
-          <a:bodyPr anchorCtr="0" anchor="ctr" bIns="91425" lIns="91425" spcFirstLastPara="1" rIns="91425" wrap="square" tIns="91425">
+          <a:bodyPr spcFirstLastPara="1" wrap="square" lIns="91425" tIns="91425" rIns="91425" bIns="91425" anchor="ctr" anchorCtr="0">
             <a:normAutofit/>
           </a:bodyPr>
           <a:lstStyle>
@@ -4833,7 +4970,7 @@
             </a:lvl9pPr>
           </a:lstStyle>
           <a:p>
-            <a:pPr indent="0" lvl="0" marL="0" rtl="0" algn="r">
+            <a:pPr marL="0" lvl="0" indent="0" algn="r" rtl="0">
               <a:spcBef>
                 <a:spcPts val="0"/>
               </a:spcBef>
@@ -4859,11 +4996,11 @@
 </file>
 
 <file path=ppt/slideLayouts/slideLayout8.xml><?xml version="1.0" encoding="utf-8"?>
-<p:sldLayout xmlns:a="http://schemas.openxmlformats.org/drawingml/2006/main" xmlns:r="http://schemas.openxmlformats.org/officeDocument/2006/relationships" xmlns:mc="http://schemas.openxmlformats.org/markup-compatibility/2006" xmlns:mv="urn:schemas-microsoft-com:mac:vml" xmlns:p="http://schemas.openxmlformats.org/presentationml/2006/main" xmlns:c="http://schemas.openxmlformats.org/drawingml/2006/chart" xmlns:dgm="http://schemas.openxmlformats.org/drawingml/2006/diagram" xmlns:o="urn:schemas-microsoft-com:office:office" xmlns:v="urn:schemas-microsoft-com:vml" xmlns:pvml="urn:schemas-microsoft-com:office:powerpoint" xmlns:com="http://schemas.openxmlformats.org/drawingml/2006/compatibility" xmlns:p14="http://schemas.microsoft.com/office/powerpoint/2010/main" xmlns:p15="http://schemas.microsoft.com/office/powerpoint/2012/main" xmlns:ahyp="http://schemas.microsoft.com/office/drawing/2018/hyperlinkcolor" matchingName="Section title and description">
+<p:sldLayout xmlns:a="http://schemas.openxmlformats.org/drawingml/2006/main" xmlns:r="http://schemas.openxmlformats.org/officeDocument/2006/relationships" xmlns:p="http://schemas.openxmlformats.org/presentationml/2006/main" matchingName="Section title and description">
   <p:cSld name="SECTION_TITLE_AND_DESCRIPTION">
     <p:spTree>
       <p:nvGrpSpPr>
-        <p:cNvPr id="37" name="Shape 37"/>
+        <p:cNvPr id="1" name="Shape 37"/>
         <p:cNvGrpSpPr/>
         <p:nvPr/>
       </p:nvGrpSpPr>
@@ -4897,12 +5034,12 @@
           </a:ln>
         </p:spPr>
         <p:txBody>
-          <a:bodyPr anchorCtr="0" anchor="ctr" bIns="91425" lIns="91425" spcFirstLastPara="1" rIns="91425" wrap="square" tIns="91425">
+          <a:bodyPr spcFirstLastPara="1" wrap="square" lIns="91425" tIns="91425" rIns="91425" bIns="91425" anchor="ctr" anchorCtr="0">
             <a:noAutofit/>
           </a:bodyPr>
           <a:lstStyle/>
           <a:p>
-            <a:pPr indent="0" lvl="0" marL="0" rtl="0" algn="l">
+            <a:pPr marL="0" lvl="0" indent="0" algn="l" rtl="0">
               <a:spcBef>
                 <a:spcPts val="0"/>
               </a:spcBef>
@@ -4911,9 +5048,6 @@
               </a:spcAft>
               <a:buNone/>
             </a:pPr>
-            <a:r>
-              <a:t/>
-            </a:r>
             <a:endParaRPr/>
           </a:p>
         </p:txBody>
@@ -4933,21 +5067,23 @@
             <a:avLst/>
           </a:prstGeom>
           <a:noFill/>
-          <a:ln cap="flat" cmpd="sng" w="19050">
+          <a:ln w="19050" cap="flat" cmpd="sng">
             <a:solidFill>
               <a:schemeClr val="lt1"/>
             </a:solidFill>
             <a:prstDash val="solid"/>
             <a:round/>
-            <a:headEnd len="sm" w="sm" type="none"/>
-            <a:tailEnd len="sm" w="sm" type="none"/>
+            <a:headEnd type="none" w="sm" len="sm"/>
+            <a:tailEnd type="none" w="sm" len="sm"/>
           </a:ln>
         </p:spPr>
       </p:cxnSp>
       <p:sp>
         <p:nvSpPr>
           <p:cNvPr id="40" name="Google Shape;40;p9"/>
-          <p:cNvSpPr txBox="1"/>
+          <p:cNvSpPr txBox="1">
+            <a:spLocks noGrp="1"/>
+          </p:cNvSpPr>
           <p:nvPr>
             <p:ph type="title"/>
           </p:nvPr>
@@ -4962,7 +5098,7 @@
           </a:prstGeom>
         </p:spPr>
         <p:txBody>
-          <a:bodyPr anchorCtr="0" anchor="b" bIns="91425" lIns="91425" spcFirstLastPara="1" rIns="91425" wrap="square" tIns="91425">
+          <a:bodyPr spcFirstLastPara="1" wrap="square" lIns="91425" tIns="91425" rIns="91425" bIns="91425" anchor="b" anchorCtr="0">
             <a:normAutofit/>
           </a:bodyPr>
           <a:lstStyle>
@@ -5066,15 +5202,19 @@
               <a:defRPr sz="3800"/>
             </a:lvl9pPr>
           </a:lstStyle>
-          <a:p/>
+          <a:p>
+            <a:endParaRPr/>
+          </a:p>
         </p:txBody>
       </p:sp>
       <p:sp>
         <p:nvSpPr>
           <p:cNvPr id="41" name="Google Shape;41;p9"/>
-          <p:cNvSpPr txBox="1"/>
+          <p:cNvSpPr txBox="1">
+            <a:spLocks noGrp="1"/>
+          </p:cNvSpPr>
           <p:nvPr>
-            <p:ph idx="1" type="subTitle"/>
+            <p:ph type="subTitle" idx="1"/>
           </p:nvPr>
         </p:nvSpPr>
         <p:spPr>
@@ -5087,7 +5227,7 @@
           </a:prstGeom>
         </p:spPr>
         <p:txBody>
-          <a:bodyPr anchorCtr="0" anchor="t" bIns="91425" lIns="91425" spcFirstLastPara="1" rIns="91425" wrap="square" tIns="91425">
+          <a:bodyPr spcFirstLastPara="1" wrap="square" lIns="91425" tIns="91425" rIns="91425" bIns="91425" anchor="t" anchorCtr="0">
             <a:normAutofit/>
           </a:bodyPr>
           <a:lstStyle>
@@ -5218,15 +5358,19 @@
               <a:defRPr sz="2100"/>
             </a:lvl9pPr>
           </a:lstStyle>
-          <a:p/>
+          <a:p>
+            <a:endParaRPr/>
+          </a:p>
         </p:txBody>
       </p:sp>
       <p:sp>
         <p:nvSpPr>
           <p:cNvPr id="42" name="Google Shape;42;p9"/>
-          <p:cNvSpPr txBox="1"/>
+          <p:cNvSpPr txBox="1">
+            <a:spLocks noGrp="1"/>
+          </p:cNvSpPr>
           <p:nvPr>
-            <p:ph idx="2" type="body"/>
+            <p:ph type="body" idx="2"/>
           </p:nvPr>
         </p:nvSpPr>
         <p:spPr>
@@ -5239,11 +5383,11 @@
           </a:prstGeom>
         </p:spPr>
         <p:txBody>
-          <a:bodyPr anchorCtr="0" anchor="ctr" bIns="91425" lIns="91425" spcFirstLastPara="1" rIns="91425" wrap="square" tIns="91425">
+          <a:bodyPr spcFirstLastPara="1" wrap="square" lIns="91425" tIns="91425" rIns="91425" bIns="91425" anchor="ctr" anchorCtr="0">
             <a:normAutofit/>
           </a:bodyPr>
           <a:lstStyle>
-            <a:lvl1pPr indent="-342900" lvl="0" marL="457200">
+            <a:lvl1pPr marL="457200" lvl="0" indent="-342900">
               <a:spcBef>
                 <a:spcPts val="0"/>
               </a:spcBef>
@@ -5261,7 +5405,7 @@
                 </a:solidFill>
               </a:defRPr>
             </a:lvl1pPr>
-            <a:lvl2pPr indent="-317500" lvl="1" marL="914400">
+            <a:lvl2pPr marL="914400" lvl="1" indent="-317500">
               <a:spcBef>
                 <a:spcPts val="0"/>
               </a:spcBef>
@@ -5279,7 +5423,7 @@
                 </a:solidFill>
               </a:defRPr>
             </a:lvl2pPr>
-            <a:lvl3pPr indent="-317500" lvl="2" marL="1371600">
+            <a:lvl3pPr marL="1371600" lvl="2" indent="-317500">
               <a:spcBef>
                 <a:spcPts val="0"/>
               </a:spcBef>
@@ -5297,7 +5441,7 @@
                 </a:solidFill>
               </a:defRPr>
             </a:lvl3pPr>
-            <a:lvl4pPr indent="-317500" lvl="3" marL="1828800">
+            <a:lvl4pPr marL="1828800" lvl="3" indent="-317500">
               <a:spcBef>
                 <a:spcPts val="0"/>
               </a:spcBef>
@@ -5315,7 +5459,7 @@
                 </a:solidFill>
               </a:defRPr>
             </a:lvl4pPr>
-            <a:lvl5pPr indent="-317500" lvl="4" marL="2286000">
+            <a:lvl5pPr marL="2286000" lvl="4" indent="-317500">
               <a:spcBef>
                 <a:spcPts val="0"/>
               </a:spcBef>
@@ -5333,7 +5477,7 @@
                 </a:solidFill>
               </a:defRPr>
             </a:lvl5pPr>
-            <a:lvl6pPr indent="-317500" lvl="5" marL="2743200">
+            <a:lvl6pPr marL="2743200" lvl="5" indent="-317500">
               <a:spcBef>
                 <a:spcPts val="0"/>
               </a:spcBef>
@@ -5351,7 +5495,7 @@
                 </a:solidFill>
               </a:defRPr>
             </a:lvl6pPr>
-            <a:lvl7pPr indent="-317500" lvl="6" marL="3200400">
+            <a:lvl7pPr marL="3200400" lvl="6" indent="-317500">
               <a:spcBef>
                 <a:spcPts val="0"/>
               </a:spcBef>
@@ -5369,7 +5513,7 @@
                 </a:solidFill>
               </a:defRPr>
             </a:lvl7pPr>
-            <a:lvl8pPr indent="-317500" lvl="7" marL="3657600">
+            <a:lvl8pPr marL="3657600" lvl="7" indent="-317500">
               <a:spcBef>
                 <a:spcPts val="0"/>
               </a:spcBef>
@@ -5387,7 +5531,7 @@
                 </a:solidFill>
               </a:defRPr>
             </a:lvl8pPr>
-            <a:lvl9pPr indent="-317500" lvl="8" marL="4114800">
+            <a:lvl9pPr marL="4114800" lvl="8" indent="-317500">
               <a:spcBef>
                 <a:spcPts val="0"/>
               </a:spcBef>
@@ -5406,15 +5550,19 @@
               </a:defRPr>
             </a:lvl9pPr>
           </a:lstStyle>
-          <a:p/>
+          <a:p>
+            <a:endParaRPr/>
+          </a:p>
         </p:txBody>
       </p:sp>
       <p:sp>
         <p:nvSpPr>
           <p:cNvPr id="43" name="Google Shape;43;p9"/>
-          <p:cNvSpPr txBox="1"/>
+          <p:cNvSpPr txBox="1">
+            <a:spLocks noGrp="1"/>
+          </p:cNvSpPr>
           <p:nvPr>
-            <p:ph idx="12" type="sldNum"/>
+            <p:ph type="sldNum" idx="12"/>
           </p:nvPr>
         </p:nvSpPr>
         <p:spPr>
@@ -5427,7 +5575,7 @@
           </a:prstGeom>
         </p:spPr>
         <p:txBody>
-          <a:bodyPr anchorCtr="0" anchor="ctr" bIns="91425" lIns="91425" spcFirstLastPara="1" rIns="91425" wrap="square" tIns="91425">
+          <a:bodyPr spcFirstLastPara="1" wrap="square" lIns="91425" tIns="91425" rIns="91425" bIns="91425" anchor="ctr" anchorCtr="0">
             <a:normAutofit/>
           </a:bodyPr>
           <a:lstStyle>
@@ -5505,7 +5653,7 @@
             </a:lvl9pPr>
           </a:lstStyle>
           <a:p>
-            <a:pPr indent="0" lvl="0" marL="0" rtl="0" algn="r">
+            <a:pPr marL="0" lvl="0" indent="0" algn="r" rtl="0">
               <a:spcBef>
                 <a:spcPts val="0"/>
               </a:spcBef>
@@ -5531,11 +5679,11 @@
 </file>
 
 <file path=ppt/slideLayouts/slideLayout9.xml><?xml version="1.0" encoding="utf-8"?>
-<p:sldLayout xmlns:a="http://schemas.openxmlformats.org/drawingml/2006/main" xmlns:r="http://schemas.openxmlformats.org/officeDocument/2006/relationships" xmlns:mc="http://schemas.openxmlformats.org/markup-compatibility/2006" xmlns:mv="urn:schemas-microsoft-com:mac:vml" xmlns:p="http://schemas.openxmlformats.org/presentationml/2006/main" xmlns:c="http://schemas.openxmlformats.org/drawingml/2006/chart" xmlns:dgm="http://schemas.openxmlformats.org/drawingml/2006/diagram" xmlns:o="urn:schemas-microsoft-com:office:office" xmlns:v="urn:schemas-microsoft-com:vml" xmlns:pvml="urn:schemas-microsoft-com:office:powerpoint" xmlns:com="http://schemas.openxmlformats.org/drawingml/2006/compatibility" xmlns:p14="http://schemas.microsoft.com/office/powerpoint/2010/main" xmlns:p15="http://schemas.microsoft.com/office/powerpoint/2012/main" xmlns:ahyp="http://schemas.microsoft.com/office/drawing/2018/hyperlinkcolor" matchingName="Caption">
+<p:sldLayout xmlns:a="http://schemas.openxmlformats.org/drawingml/2006/main" xmlns:r="http://schemas.openxmlformats.org/officeDocument/2006/relationships" xmlns:p="http://schemas.openxmlformats.org/presentationml/2006/main" matchingName="Caption">
   <p:cSld name="CAPTION_ONLY">
     <p:spTree>
       <p:nvGrpSpPr>
-        <p:cNvPr id="44" name="Shape 44"/>
+        <p:cNvPr id="1" name="Shape 44"/>
         <p:cNvGrpSpPr/>
         <p:nvPr/>
       </p:nvGrpSpPr>
@@ -5550,9 +5698,11 @@
       <p:sp>
         <p:nvSpPr>
           <p:cNvPr id="45" name="Google Shape;45;p10"/>
-          <p:cNvSpPr txBox="1"/>
+          <p:cNvSpPr txBox="1">
+            <a:spLocks noGrp="1"/>
+          </p:cNvSpPr>
           <p:nvPr>
-            <p:ph idx="1" type="body"/>
+            <p:ph type="body" idx="1"/>
           </p:nvPr>
         </p:nvSpPr>
         <p:spPr>
@@ -5565,11 +5715,11 @@
           </a:prstGeom>
         </p:spPr>
         <p:txBody>
-          <a:bodyPr anchorCtr="0" anchor="ctr" bIns="91425" lIns="91425" spcFirstLastPara="1" rIns="91425" wrap="square" tIns="91425">
+          <a:bodyPr spcFirstLastPara="1" wrap="square" lIns="91425" tIns="91425" rIns="91425" bIns="91425" anchor="ctr" anchorCtr="0">
             <a:normAutofit/>
           </a:bodyPr>
           <a:lstStyle>
-            <a:lvl1pPr indent="-228600" lvl="0" marL="457200">
+            <a:lvl1pPr marL="457200" lvl="0" indent="-228600">
               <a:lnSpc>
                 <a:spcPct val="100000"/>
               </a:lnSpc>
@@ -5584,15 +5734,19 @@
               <a:defRPr sz="2100"/>
             </a:lvl1pPr>
           </a:lstStyle>
-          <a:p/>
+          <a:p>
+            <a:endParaRPr/>
+          </a:p>
         </p:txBody>
       </p:sp>
       <p:sp>
         <p:nvSpPr>
           <p:cNvPr id="46" name="Google Shape;46;p10"/>
-          <p:cNvSpPr txBox="1"/>
+          <p:cNvSpPr txBox="1">
+            <a:spLocks noGrp="1"/>
+          </p:cNvSpPr>
           <p:nvPr>
-            <p:ph idx="12" type="sldNum"/>
+            <p:ph type="sldNum" idx="12"/>
           </p:nvPr>
         </p:nvSpPr>
         <p:spPr>
@@ -5605,7 +5759,7 @@
           </a:prstGeom>
         </p:spPr>
         <p:txBody>
-          <a:bodyPr anchorCtr="0" anchor="ctr" bIns="91425" lIns="91425" spcFirstLastPara="1" rIns="91425" wrap="square" tIns="91425">
+          <a:bodyPr spcFirstLastPara="1" wrap="square" lIns="91425" tIns="91425" rIns="91425" bIns="91425" anchor="ctr" anchorCtr="0">
             <a:normAutofit/>
           </a:bodyPr>
           <a:lstStyle>
@@ -5647,7 +5801,7 @@
             </a:lvl9pPr>
           </a:lstStyle>
           <a:p>
-            <a:pPr indent="0" lvl="0" marL="0" rtl="0" algn="r">
+            <a:pPr marL="0" lvl="0" indent="0" algn="r" rtl="0">
               <a:spcBef>
                 <a:spcPts val="0"/>
               </a:spcBef>
@@ -5673,18 +5827,19 @@
 </file>
 
 <file path=ppt/slideMasters/slideMaster1.xml><?xml version="1.0" encoding="utf-8"?>
-<p:sldMaster xmlns:a="http://schemas.openxmlformats.org/drawingml/2006/main" xmlns:r="http://schemas.openxmlformats.org/officeDocument/2006/relationships" xmlns:mc="http://schemas.openxmlformats.org/markup-compatibility/2006" xmlns:mv="urn:schemas-microsoft-com:mac:vml" xmlns:p="http://schemas.openxmlformats.org/presentationml/2006/main" xmlns:c="http://schemas.openxmlformats.org/drawingml/2006/chart" xmlns:dgm="http://schemas.openxmlformats.org/drawingml/2006/diagram" xmlns:o="urn:schemas-microsoft-com:office:office" xmlns:v="urn:schemas-microsoft-com:vml" xmlns:pvml="urn:schemas-microsoft-com:office:powerpoint" xmlns:com="http://schemas.openxmlformats.org/drawingml/2006/compatibility" xmlns:p14="http://schemas.microsoft.com/office/powerpoint/2010/main" xmlns:p15="http://schemas.microsoft.com/office/powerpoint/2012/main" xmlns:ahyp="http://schemas.microsoft.com/office/drawing/2018/hyperlinkcolor">
+<p:sldMaster xmlns:a="http://schemas.openxmlformats.org/drawingml/2006/main" xmlns:r="http://schemas.openxmlformats.org/officeDocument/2006/relationships" xmlns:p="http://schemas.openxmlformats.org/presentationml/2006/main">
   <p:cSld name="plum">
     <p:bg>
       <p:bgPr>
         <a:solidFill>
           <a:schemeClr val="lt1"/>
         </a:solidFill>
+        <a:effectLst/>
       </p:bgPr>
     </p:bg>
     <p:spTree>
       <p:nvGrpSpPr>
-        <p:cNvPr id="5" name="Shape 5"/>
+        <p:cNvPr id="1" name="Shape 5"/>
         <p:cNvGrpSpPr/>
         <p:nvPr/>
       </p:nvGrpSpPr>
@@ -5699,7 +5854,9 @@
       <p:sp>
         <p:nvSpPr>
           <p:cNvPr id="6" name="Google Shape;6;p1"/>
-          <p:cNvSpPr txBox="1"/>
+          <p:cNvSpPr txBox="1">
+            <a:spLocks noGrp="1"/>
+          </p:cNvSpPr>
           <p:nvPr>
             <p:ph type="title"/>
           </p:nvPr>
@@ -5718,7 +5875,7 @@
           </a:ln>
         </p:spPr>
         <p:txBody>
-          <a:bodyPr anchorCtr="0" anchor="t" bIns="91425" lIns="91425" spcFirstLastPara="1" rIns="91425" wrap="square" tIns="91425">
+          <a:bodyPr spcFirstLastPara="1" wrap="square" lIns="91425" tIns="91425" rIns="91425" bIns="91425" anchor="t" anchorCtr="0">
             <a:normAutofit/>
           </a:bodyPr>
           <a:lstStyle>
@@ -5735,7 +5892,7 @@
               <a:buSzPts val="3000"/>
               <a:buFont typeface="Raleway"/>
               <a:buNone/>
-              <a:defRPr b="1" sz="3000">
+              <a:defRPr sz="3000" b="1">
                 <a:solidFill>
                   <a:schemeClr val="dk2"/>
                 </a:solidFill>
@@ -5758,7 +5915,7 @@
               <a:buSzPts val="3000"/>
               <a:buFont typeface="Raleway"/>
               <a:buNone/>
-              <a:defRPr b="1" sz="3000">
+              <a:defRPr sz="3000" b="1">
                 <a:solidFill>
                   <a:schemeClr val="dk2"/>
                 </a:solidFill>
@@ -5781,7 +5938,7 @@
               <a:buSzPts val="3000"/>
               <a:buFont typeface="Raleway"/>
               <a:buNone/>
-              <a:defRPr b="1" sz="3000">
+              <a:defRPr sz="3000" b="1">
                 <a:solidFill>
                   <a:schemeClr val="dk2"/>
                 </a:solidFill>
@@ -5804,7 +5961,7 @@
               <a:buSzPts val="3000"/>
               <a:buFont typeface="Raleway"/>
               <a:buNone/>
-              <a:defRPr b="1" sz="3000">
+              <a:defRPr sz="3000" b="1">
                 <a:solidFill>
                   <a:schemeClr val="dk2"/>
                 </a:solidFill>
@@ -5827,7 +5984,7 @@
               <a:buSzPts val="3000"/>
               <a:buFont typeface="Raleway"/>
               <a:buNone/>
-              <a:defRPr b="1" sz="3000">
+              <a:defRPr sz="3000" b="1">
                 <a:solidFill>
                   <a:schemeClr val="dk2"/>
                 </a:solidFill>
@@ -5850,7 +6007,7 @@
               <a:buSzPts val="3000"/>
               <a:buFont typeface="Raleway"/>
               <a:buNone/>
-              <a:defRPr b="1" sz="3000">
+              <a:defRPr sz="3000" b="1">
                 <a:solidFill>
                   <a:schemeClr val="dk2"/>
                 </a:solidFill>
@@ -5873,7 +6030,7 @@
               <a:buSzPts val="3000"/>
               <a:buFont typeface="Raleway"/>
               <a:buNone/>
-              <a:defRPr b="1" sz="3000">
+              <a:defRPr sz="3000" b="1">
                 <a:solidFill>
                   <a:schemeClr val="dk2"/>
                 </a:solidFill>
@@ -5896,7 +6053,7 @@
               <a:buSzPts val="3000"/>
               <a:buFont typeface="Raleway"/>
               <a:buNone/>
-              <a:defRPr b="1" sz="3000">
+              <a:defRPr sz="3000" b="1">
                 <a:solidFill>
                   <a:schemeClr val="dk2"/>
                 </a:solidFill>
@@ -5919,7 +6076,7 @@
               <a:buSzPts val="3000"/>
               <a:buFont typeface="Raleway"/>
               <a:buNone/>
-              <a:defRPr b="1" sz="3000">
+              <a:defRPr sz="3000" b="1">
                 <a:solidFill>
                   <a:schemeClr val="dk2"/>
                 </a:solidFill>
@@ -5930,15 +6087,19 @@
               </a:defRPr>
             </a:lvl9pPr>
           </a:lstStyle>
-          <a:p/>
+          <a:p>
+            <a:endParaRPr/>
+          </a:p>
         </p:txBody>
       </p:sp>
       <p:sp>
         <p:nvSpPr>
           <p:cNvPr id="7" name="Google Shape;7;p1"/>
-          <p:cNvSpPr txBox="1"/>
+          <p:cNvSpPr txBox="1">
+            <a:spLocks noGrp="1"/>
+          </p:cNvSpPr>
           <p:nvPr>
-            <p:ph idx="1" type="body"/>
+            <p:ph type="body" idx="1"/>
           </p:nvPr>
         </p:nvSpPr>
         <p:spPr>
@@ -5955,11 +6116,11 @@
           </a:ln>
         </p:spPr>
         <p:txBody>
-          <a:bodyPr anchorCtr="0" anchor="t" bIns="91425" lIns="91425" spcFirstLastPara="1" rIns="91425" wrap="square" tIns="91425">
+          <a:bodyPr spcFirstLastPara="1" wrap="square" lIns="91425" tIns="91425" rIns="91425" bIns="91425" anchor="t" anchorCtr="0">
             <a:normAutofit/>
           </a:bodyPr>
           <a:lstStyle>
-            <a:lvl1pPr indent="-342900" lvl="0" marL="457200">
+            <a:lvl1pPr marL="457200" lvl="0" indent="-342900">
               <a:lnSpc>
                 <a:spcPct val="115000"/>
               </a:lnSpc>
@@ -5985,7 +6146,7 @@
                 <a:sym typeface="Source Sans Pro"/>
               </a:defRPr>
             </a:lvl1pPr>
-            <a:lvl2pPr indent="-317500" lvl="1" marL="914400">
+            <a:lvl2pPr marL="914400" lvl="1" indent="-317500">
               <a:lnSpc>
                 <a:spcPct val="115000"/>
               </a:lnSpc>
@@ -6011,7 +6172,7 @@
                 <a:sym typeface="Source Sans Pro"/>
               </a:defRPr>
             </a:lvl2pPr>
-            <a:lvl3pPr indent="-317500" lvl="2" marL="1371600">
+            <a:lvl3pPr marL="1371600" lvl="2" indent="-317500">
               <a:lnSpc>
                 <a:spcPct val="115000"/>
               </a:lnSpc>
@@ -6037,7 +6198,7 @@
                 <a:sym typeface="Source Sans Pro"/>
               </a:defRPr>
             </a:lvl3pPr>
-            <a:lvl4pPr indent="-317500" lvl="3" marL="1828800">
+            <a:lvl4pPr marL="1828800" lvl="3" indent="-317500">
               <a:lnSpc>
                 <a:spcPct val="115000"/>
               </a:lnSpc>
@@ -6063,7 +6224,7 @@
                 <a:sym typeface="Source Sans Pro"/>
               </a:defRPr>
             </a:lvl4pPr>
-            <a:lvl5pPr indent="-317500" lvl="4" marL="2286000">
+            <a:lvl5pPr marL="2286000" lvl="4" indent="-317500">
               <a:lnSpc>
                 <a:spcPct val="115000"/>
               </a:lnSpc>
@@ -6089,7 +6250,7 @@
                 <a:sym typeface="Source Sans Pro"/>
               </a:defRPr>
             </a:lvl5pPr>
-            <a:lvl6pPr indent="-317500" lvl="5" marL="2743200">
+            <a:lvl6pPr marL="2743200" lvl="5" indent="-317500">
               <a:lnSpc>
                 <a:spcPct val="115000"/>
               </a:lnSpc>
@@ -6115,7 +6276,7 @@
                 <a:sym typeface="Source Sans Pro"/>
               </a:defRPr>
             </a:lvl6pPr>
-            <a:lvl7pPr indent="-317500" lvl="6" marL="3200400">
+            <a:lvl7pPr marL="3200400" lvl="6" indent="-317500">
               <a:lnSpc>
                 <a:spcPct val="115000"/>
               </a:lnSpc>
@@ -6141,7 +6302,7 @@
                 <a:sym typeface="Source Sans Pro"/>
               </a:defRPr>
             </a:lvl7pPr>
-            <a:lvl8pPr indent="-317500" lvl="7" marL="3657600">
+            <a:lvl8pPr marL="3657600" lvl="7" indent="-317500">
               <a:lnSpc>
                 <a:spcPct val="115000"/>
               </a:lnSpc>
@@ -6167,7 +6328,7 @@
                 <a:sym typeface="Source Sans Pro"/>
               </a:defRPr>
             </a:lvl8pPr>
-            <a:lvl9pPr indent="-317500" lvl="8" marL="4114800">
+            <a:lvl9pPr marL="4114800" lvl="8" indent="-317500">
               <a:lnSpc>
                 <a:spcPct val="115000"/>
               </a:lnSpc>
@@ -6194,15 +6355,19 @@
               </a:defRPr>
             </a:lvl9pPr>
           </a:lstStyle>
-          <a:p/>
+          <a:p>
+            <a:endParaRPr/>
+          </a:p>
         </p:txBody>
       </p:sp>
       <p:sp>
         <p:nvSpPr>
           <p:cNvPr id="8" name="Google Shape;8;p1"/>
-          <p:cNvSpPr txBox="1"/>
+          <p:cNvSpPr txBox="1">
+            <a:spLocks noGrp="1"/>
+          </p:cNvSpPr>
           <p:nvPr>
-            <p:ph idx="12" type="sldNum"/>
+            <p:ph type="sldNum" idx="12"/>
           </p:nvPr>
         </p:nvSpPr>
         <p:spPr>
@@ -6219,7 +6384,7 @@
           </a:ln>
         </p:spPr>
         <p:txBody>
-          <a:bodyPr anchorCtr="0" anchor="ctr" bIns="91425" lIns="91425" spcFirstLastPara="1" rIns="91425" wrap="square" tIns="91425">
+          <a:bodyPr spcFirstLastPara="1" wrap="square" lIns="91425" tIns="91425" rIns="91425" bIns="91425" anchor="ctr" anchorCtr="0">
             <a:normAutofit/>
           </a:bodyPr>
           <a:lstStyle>
@@ -6333,7 +6498,7 @@
             </a:lvl9pPr>
           </a:lstStyle>
           <a:p>
-            <a:pPr indent="0" lvl="0" marL="0" rtl="0" algn="r">
+            <a:pPr marL="0" lvl="0" indent="0" algn="r" rtl="0">
               <a:spcBef>
                 <a:spcPts val="0"/>
               </a:spcBef>
@@ -6352,7 +6517,7 @@
       </p:sp>
     </p:spTree>
   </p:cSld>
-  <p:clrMap accent1="accent1" accent2="accent2" accent3="accent3" accent4="accent4" accent5="accent5" accent6="accent6" bg1="lt1" bg2="dk2" tx1="dk1" tx2="lt2" folHlink="folHlink" hlink="hlink"/>
+  <p:clrMap bg1="lt1" tx1="dk1" bg2="dk2" tx2="lt2" accent1="accent1" accent2="accent2" accent3="accent3" accent4="accent4" accent5="accent5" accent6="accent6" hlink="hlink" folHlink="folHlink"/>
   <p:sldLayoutIdLst>
     <p:sldLayoutId id="2147483648" r:id="rId1"/>
     <p:sldLayoutId id="2147483649" r:id="rId2"/>
@@ -6366,10 +6531,10 @@
     <p:sldLayoutId id="2147483657" r:id="rId10"/>
     <p:sldLayoutId id="2147483658" r:id="rId11"/>
   </p:sldLayoutIdLst>
-  <p:hf dt="0" ftr="0" hdr="0"/>
+  <p:hf hdr="0" ftr="0" dt="0"/>
   <p:txStyles>
     <p:titleStyle>
-      <a:defPPr lvl="0" marR="0" rtl="0" algn="l">
+      <a:defPPr marR="0" lvl="0" algn="l" rtl="0">
         <a:lnSpc>
           <a:spcPct val="100000"/>
         </a:lnSpc>
@@ -6380,7 +6545,7 @@
           <a:spcPts val="0"/>
         </a:spcAft>
       </a:defPPr>
-      <a:lvl1pPr lvl="0" marR="0" rtl="0" algn="l">
+      <a:lvl1pPr marR="0" lvl="0" algn="l" rtl="0">
         <a:lnSpc>
           <a:spcPct val="100000"/>
         </a:lnSpc>
@@ -6394,7 +6559,7 @@
           <a:srgbClr val="000000"/>
         </a:buClr>
         <a:buFont typeface="Arial"/>
-        <a:defRPr b="0" i="0" sz="1400" u="none" cap="none" strike="noStrike">
+        <a:defRPr sz="1400" b="0" i="0" u="none" strike="noStrike" cap="none">
           <a:solidFill>
             <a:srgbClr val="000000"/>
           </a:solidFill>
@@ -6404,7 +6569,7 @@
           <a:sym typeface="Arial"/>
         </a:defRPr>
       </a:lvl1pPr>
-      <a:lvl2pPr lvl="1" marR="0" rtl="0" algn="l">
+      <a:lvl2pPr marR="0" lvl="1" algn="l" rtl="0">
         <a:lnSpc>
           <a:spcPct val="100000"/>
         </a:lnSpc>
@@ -6418,7 +6583,7 @@
           <a:srgbClr val="000000"/>
         </a:buClr>
         <a:buFont typeface="Arial"/>
-        <a:defRPr b="0" i="0" sz="1400" u="none" cap="none" strike="noStrike">
+        <a:defRPr sz="1400" b="0" i="0" u="none" strike="noStrike" cap="none">
           <a:solidFill>
             <a:srgbClr val="000000"/>
           </a:solidFill>
@@ -6428,7 +6593,7 @@
           <a:sym typeface="Arial"/>
         </a:defRPr>
       </a:lvl2pPr>
-      <a:lvl3pPr lvl="2" marR="0" rtl="0" algn="l">
+      <a:lvl3pPr marR="0" lvl="2" algn="l" rtl="0">
         <a:lnSpc>
           <a:spcPct val="100000"/>
         </a:lnSpc>
@@ -6442,7 +6607,7 @@
           <a:srgbClr val="000000"/>
         </a:buClr>
         <a:buFont typeface="Arial"/>
-        <a:defRPr b="0" i="0" sz="1400" u="none" cap="none" strike="noStrike">
+        <a:defRPr sz="1400" b="0" i="0" u="none" strike="noStrike" cap="none">
           <a:solidFill>
             <a:srgbClr val="000000"/>
           </a:solidFill>
@@ -6452,7 +6617,7 @@
           <a:sym typeface="Arial"/>
         </a:defRPr>
       </a:lvl3pPr>
-      <a:lvl4pPr lvl="3" marR="0" rtl="0" algn="l">
+      <a:lvl4pPr marR="0" lvl="3" algn="l" rtl="0">
         <a:lnSpc>
           <a:spcPct val="100000"/>
         </a:lnSpc>
@@ -6466,7 +6631,7 @@
           <a:srgbClr val="000000"/>
         </a:buClr>
         <a:buFont typeface="Arial"/>
-        <a:defRPr b="0" i="0" sz="1400" u="none" cap="none" strike="noStrike">
+        <a:defRPr sz="1400" b="0" i="0" u="none" strike="noStrike" cap="none">
           <a:solidFill>
             <a:srgbClr val="000000"/>
           </a:solidFill>
@@ -6476,7 +6641,7 @@
           <a:sym typeface="Arial"/>
         </a:defRPr>
       </a:lvl4pPr>
-      <a:lvl5pPr lvl="4" marR="0" rtl="0" algn="l">
+      <a:lvl5pPr marR="0" lvl="4" algn="l" rtl="0">
         <a:lnSpc>
           <a:spcPct val="100000"/>
         </a:lnSpc>
@@ -6490,7 +6655,7 @@
           <a:srgbClr val="000000"/>
         </a:buClr>
         <a:buFont typeface="Arial"/>
-        <a:defRPr b="0" i="0" sz="1400" u="none" cap="none" strike="noStrike">
+        <a:defRPr sz="1400" b="0" i="0" u="none" strike="noStrike" cap="none">
           <a:solidFill>
             <a:srgbClr val="000000"/>
           </a:solidFill>
@@ -6500,7 +6665,7 @@
           <a:sym typeface="Arial"/>
         </a:defRPr>
       </a:lvl5pPr>
-      <a:lvl6pPr lvl="5" marR="0" rtl="0" algn="l">
+      <a:lvl6pPr marR="0" lvl="5" algn="l" rtl="0">
         <a:lnSpc>
           <a:spcPct val="100000"/>
         </a:lnSpc>
@@ -6514,7 +6679,7 @@
           <a:srgbClr val="000000"/>
         </a:buClr>
         <a:buFont typeface="Arial"/>
-        <a:defRPr b="0" i="0" sz="1400" u="none" cap="none" strike="noStrike">
+        <a:defRPr sz="1400" b="0" i="0" u="none" strike="noStrike" cap="none">
           <a:solidFill>
             <a:srgbClr val="000000"/>
           </a:solidFill>
@@ -6524,7 +6689,7 @@
           <a:sym typeface="Arial"/>
         </a:defRPr>
       </a:lvl6pPr>
-      <a:lvl7pPr lvl="6" marR="0" rtl="0" algn="l">
+      <a:lvl7pPr marR="0" lvl="6" algn="l" rtl="0">
         <a:lnSpc>
           <a:spcPct val="100000"/>
         </a:lnSpc>
@@ -6538,7 +6703,7 @@
           <a:srgbClr val="000000"/>
         </a:buClr>
         <a:buFont typeface="Arial"/>
-        <a:defRPr b="0" i="0" sz="1400" u="none" cap="none" strike="noStrike">
+        <a:defRPr sz="1400" b="0" i="0" u="none" strike="noStrike" cap="none">
           <a:solidFill>
             <a:srgbClr val="000000"/>
           </a:solidFill>
@@ -6548,7 +6713,7 @@
           <a:sym typeface="Arial"/>
         </a:defRPr>
       </a:lvl7pPr>
-      <a:lvl8pPr lvl="7" marR="0" rtl="0" algn="l">
+      <a:lvl8pPr marR="0" lvl="7" algn="l" rtl="0">
         <a:lnSpc>
           <a:spcPct val="100000"/>
         </a:lnSpc>
@@ -6562,7 +6727,7 @@
           <a:srgbClr val="000000"/>
         </a:buClr>
         <a:buFont typeface="Arial"/>
-        <a:defRPr b="0" i="0" sz="1400" u="none" cap="none" strike="noStrike">
+        <a:defRPr sz="1400" b="0" i="0" u="none" strike="noStrike" cap="none">
           <a:solidFill>
             <a:srgbClr val="000000"/>
           </a:solidFill>
@@ -6572,7 +6737,7 @@
           <a:sym typeface="Arial"/>
         </a:defRPr>
       </a:lvl8pPr>
-      <a:lvl9pPr lvl="8" marR="0" rtl="0" algn="l">
+      <a:lvl9pPr marR="0" lvl="8" algn="l" rtl="0">
         <a:lnSpc>
           <a:spcPct val="100000"/>
         </a:lnSpc>
@@ -6586,7 +6751,7 @@
           <a:srgbClr val="000000"/>
         </a:buClr>
         <a:buFont typeface="Arial"/>
-        <a:defRPr b="0" i="0" sz="1400" u="none" cap="none" strike="noStrike">
+        <a:defRPr sz="1400" b="0" i="0" u="none" strike="noStrike" cap="none">
           <a:solidFill>
             <a:srgbClr val="000000"/>
           </a:solidFill>
@@ -6598,7 +6763,7 @@
       </a:lvl9pPr>
     </p:titleStyle>
     <p:bodyStyle>
-      <a:defPPr lvl="0" marR="0" rtl="0" algn="l">
+      <a:defPPr marR="0" lvl="0" algn="l" rtl="0">
         <a:lnSpc>
           <a:spcPct val="100000"/>
         </a:lnSpc>
@@ -6609,7 +6774,7 @@
           <a:spcPts val="0"/>
         </a:spcAft>
       </a:defPPr>
-      <a:lvl1pPr lvl="0" marR="0" rtl="0" algn="l">
+      <a:lvl1pPr marR="0" lvl="0" algn="l" rtl="0">
         <a:lnSpc>
           <a:spcPct val="100000"/>
         </a:lnSpc>
@@ -6623,7 +6788,7 @@
           <a:srgbClr val="000000"/>
         </a:buClr>
         <a:buFont typeface="Arial"/>
-        <a:defRPr b="0" i="0" sz="1400" u="none" cap="none" strike="noStrike">
+        <a:defRPr sz="1400" b="0" i="0" u="none" strike="noStrike" cap="none">
           <a:solidFill>
             <a:srgbClr val="000000"/>
           </a:solidFill>
@@ -6633,7 +6798,7 @@
           <a:sym typeface="Arial"/>
         </a:defRPr>
       </a:lvl1pPr>
-      <a:lvl2pPr lvl="1" marR="0" rtl="0" algn="l">
+      <a:lvl2pPr marR="0" lvl="1" algn="l" rtl="0">
         <a:lnSpc>
           <a:spcPct val="100000"/>
         </a:lnSpc>
@@ -6647,7 +6812,7 @@
           <a:srgbClr val="000000"/>
         </a:buClr>
         <a:buFont typeface="Arial"/>
-        <a:defRPr b="0" i="0" sz="1400" u="none" cap="none" strike="noStrike">
+        <a:defRPr sz="1400" b="0" i="0" u="none" strike="noStrike" cap="none">
           <a:solidFill>
             <a:srgbClr val="000000"/>
           </a:solidFill>
@@ -6657,7 +6822,7 @@
           <a:sym typeface="Arial"/>
         </a:defRPr>
       </a:lvl2pPr>
-      <a:lvl3pPr lvl="2" marR="0" rtl="0" algn="l">
+      <a:lvl3pPr marR="0" lvl="2" algn="l" rtl="0">
         <a:lnSpc>
           <a:spcPct val="100000"/>
         </a:lnSpc>
@@ -6671,7 +6836,7 @@
           <a:srgbClr val="000000"/>
         </a:buClr>
         <a:buFont typeface="Arial"/>
-        <a:defRPr b="0" i="0" sz="1400" u="none" cap="none" strike="noStrike">
+        <a:defRPr sz="1400" b="0" i="0" u="none" strike="noStrike" cap="none">
           <a:solidFill>
             <a:srgbClr val="000000"/>
           </a:solidFill>
@@ -6681,7 +6846,7 @@
           <a:sym typeface="Arial"/>
         </a:defRPr>
       </a:lvl3pPr>
-      <a:lvl4pPr lvl="3" marR="0" rtl="0" algn="l">
+      <a:lvl4pPr marR="0" lvl="3" algn="l" rtl="0">
         <a:lnSpc>
           <a:spcPct val="100000"/>
         </a:lnSpc>
@@ -6695,7 +6860,7 @@
           <a:srgbClr val="000000"/>
         </a:buClr>
         <a:buFont typeface="Arial"/>
-        <a:defRPr b="0" i="0" sz="1400" u="none" cap="none" strike="noStrike">
+        <a:defRPr sz="1400" b="0" i="0" u="none" strike="noStrike" cap="none">
           <a:solidFill>
             <a:srgbClr val="000000"/>
           </a:solidFill>
@@ -6705,7 +6870,7 @@
           <a:sym typeface="Arial"/>
         </a:defRPr>
       </a:lvl4pPr>
-      <a:lvl5pPr lvl="4" marR="0" rtl="0" algn="l">
+      <a:lvl5pPr marR="0" lvl="4" algn="l" rtl="0">
         <a:lnSpc>
           <a:spcPct val="100000"/>
         </a:lnSpc>
@@ -6719,7 +6884,7 @@
           <a:srgbClr val="000000"/>
         </a:buClr>
         <a:buFont typeface="Arial"/>
-        <a:defRPr b="0" i="0" sz="1400" u="none" cap="none" strike="noStrike">
+        <a:defRPr sz="1400" b="0" i="0" u="none" strike="noStrike" cap="none">
           <a:solidFill>
             <a:srgbClr val="000000"/>
           </a:solidFill>
@@ -6729,7 +6894,7 @@
           <a:sym typeface="Arial"/>
         </a:defRPr>
       </a:lvl5pPr>
-      <a:lvl6pPr lvl="5" marR="0" rtl="0" algn="l">
+      <a:lvl6pPr marR="0" lvl="5" algn="l" rtl="0">
         <a:lnSpc>
           <a:spcPct val="100000"/>
         </a:lnSpc>
@@ -6743,7 +6908,7 @@
           <a:srgbClr val="000000"/>
         </a:buClr>
         <a:buFont typeface="Arial"/>
-        <a:defRPr b="0" i="0" sz="1400" u="none" cap="none" strike="noStrike">
+        <a:defRPr sz="1400" b="0" i="0" u="none" strike="noStrike" cap="none">
           <a:solidFill>
             <a:srgbClr val="000000"/>
           </a:solidFill>
@@ -6753,7 +6918,7 @@
           <a:sym typeface="Arial"/>
         </a:defRPr>
       </a:lvl6pPr>
-      <a:lvl7pPr lvl="6" marR="0" rtl="0" algn="l">
+      <a:lvl7pPr marR="0" lvl="6" algn="l" rtl="0">
         <a:lnSpc>
           <a:spcPct val="100000"/>
         </a:lnSpc>
@@ -6767,7 +6932,7 @@
           <a:srgbClr val="000000"/>
         </a:buClr>
         <a:buFont typeface="Arial"/>
-        <a:defRPr b="0" i="0" sz="1400" u="none" cap="none" strike="noStrike">
+        <a:defRPr sz="1400" b="0" i="0" u="none" strike="noStrike" cap="none">
           <a:solidFill>
             <a:srgbClr val="000000"/>
           </a:solidFill>
@@ -6777,7 +6942,7 @@
           <a:sym typeface="Arial"/>
         </a:defRPr>
       </a:lvl7pPr>
-      <a:lvl8pPr lvl="7" marR="0" rtl="0" algn="l">
+      <a:lvl8pPr marR="0" lvl="7" algn="l" rtl="0">
         <a:lnSpc>
           <a:spcPct val="100000"/>
         </a:lnSpc>
@@ -6791,7 +6956,7 @@
           <a:srgbClr val="000000"/>
         </a:buClr>
         <a:buFont typeface="Arial"/>
-        <a:defRPr b="0" i="0" sz="1400" u="none" cap="none" strike="noStrike">
+        <a:defRPr sz="1400" b="0" i="0" u="none" strike="noStrike" cap="none">
           <a:solidFill>
             <a:srgbClr val="000000"/>
           </a:solidFill>
@@ -6801,7 +6966,7 @@
           <a:sym typeface="Arial"/>
         </a:defRPr>
       </a:lvl8pPr>
-      <a:lvl9pPr lvl="8" marR="0" rtl="0" algn="l">
+      <a:lvl9pPr marR="0" lvl="8" algn="l" rtl="0">
         <a:lnSpc>
           <a:spcPct val="100000"/>
         </a:lnSpc>
@@ -6815,7 +6980,7 @@
           <a:srgbClr val="000000"/>
         </a:buClr>
         <a:buFont typeface="Arial"/>
-        <a:defRPr b="0" i="0" sz="1400" u="none" cap="none" strike="noStrike">
+        <a:defRPr sz="1400" b="0" i="0" u="none" strike="noStrike" cap="none">
           <a:solidFill>
             <a:srgbClr val="000000"/>
           </a:solidFill>
@@ -6827,7 +6992,7 @@
       </a:lvl9pPr>
     </p:bodyStyle>
     <p:otherStyle>
-      <a:defPPr lvl="0" marR="0" rtl="0" algn="l">
+      <a:defPPr marR="0" lvl="0" algn="l" rtl="0">
         <a:lnSpc>
           <a:spcPct val="100000"/>
         </a:lnSpc>
@@ -6838,7 +7003,7 @@
           <a:spcPts val="0"/>
         </a:spcAft>
       </a:defPPr>
-      <a:lvl1pPr lvl="0" marR="0" rtl="0" algn="l">
+      <a:lvl1pPr marR="0" lvl="0" algn="l" rtl="0">
         <a:lnSpc>
           <a:spcPct val="100000"/>
         </a:lnSpc>
@@ -6852,7 +7017,7 @@
           <a:srgbClr val="000000"/>
         </a:buClr>
         <a:buFont typeface="Arial"/>
-        <a:defRPr b="0" i="0" sz="1400" u="none" cap="none" strike="noStrike">
+        <a:defRPr sz="1400" b="0" i="0" u="none" strike="noStrike" cap="none">
           <a:solidFill>
             <a:srgbClr val="000000"/>
           </a:solidFill>
@@ -6862,7 +7027,7 @@
           <a:sym typeface="Arial"/>
         </a:defRPr>
       </a:lvl1pPr>
-      <a:lvl2pPr lvl="1" marR="0" rtl="0" algn="l">
+      <a:lvl2pPr marR="0" lvl="1" algn="l" rtl="0">
         <a:lnSpc>
           <a:spcPct val="100000"/>
         </a:lnSpc>
@@ -6876,7 +7041,7 @@
           <a:srgbClr val="000000"/>
         </a:buClr>
         <a:buFont typeface="Arial"/>
-        <a:defRPr b="0" i="0" sz="1400" u="none" cap="none" strike="noStrike">
+        <a:defRPr sz="1400" b="0" i="0" u="none" strike="noStrike" cap="none">
           <a:solidFill>
             <a:srgbClr val="000000"/>
           </a:solidFill>
@@ -6886,7 +7051,7 @@
           <a:sym typeface="Arial"/>
         </a:defRPr>
       </a:lvl2pPr>
-      <a:lvl3pPr lvl="2" marR="0" rtl="0" algn="l">
+      <a:lvl3pPr marR="0" lvl="2" algn="l" rtl="0">
         <a:lnSpc>
           <a:spcPct val="100000"/>
         </a:lnSpc>
@@ -6900,7 +7065,7 @@
           <a:srgbClr val="000000"/>
         </a:buClr>
         <a:buFont typeface="Arial"/>
-        <a:defRPr b="0" i="0" sz="1400" u="none" cap="none" strike="noStrike">
+        <a:defRPr sz="1400" b="0" i="0" u="none" strike="noStrike" cap="none">
           <a:solidFill>
             <a:srgbClr val="000000"/>
           </a:solidFill>
@@ -6910,7 +7075,7 @@
           <a:sym typeface="Arial"/>
         </a:defRPr>
       </a:lvl3pPr>
-      <a:lvl4pPr lvl="3" marR="0" rtl="0" algn="l">
+      <a:lvl4pPr marR="0" lvl="3" algn="l" rtl="0">
         <a:lnSpc>
           <a:spcPct val="100000"/>
         </a:lnSpc>
@@ -6924,7 +7089,7 @@
           <a:srgbClr val="000000"/>
         </a:buClr>
         <a:buFont typeface="Arial"/>
-        <a:defRPr b="0" i="0" sz="1400" u="none" cap="none" strike="noStrike">
+        <a:defRPr sz="1400" b="0" i="0" u="none" strike="noStrike" cap="none">
           <a:solidFill>
             <a:srgbClr val="000000"/>
           </a:solidFill>
@@ -6934,7 +7099,7 @@
           <a:sym typeface="Arial"/>
         </a:defRPr>
       </a:lvl4pPr>
-      <a:lvl5pPr lvl="4" marR="0" rtl="0" algn="l">
+      <a:lvl5pPr marR="0" lvl="4" algn="l" rtl="0">
         <a:lnSpc>
           <a:spcPct val="100000"/>
         </a:lnSpc>
@@ -6948,7 +7113,7 @@
           <a:srgbClr val="000000"/>
         </a:buClr>
         <a:buFont typeface="Arial"/>
-        <a:defRPr b="0" i="0" sz="1400" u="none" cap="none" strike="noStrike">
+        <a:defRPr sz="1400" b="0" i="0" u="none" strike="noStrike" cap="none">
           <a:solidFill>
             <a:srgbClr val="000000"/>
           </a:solidFill>
@@ -6958,7 +7123,7 @@
           <a:sym typeface="Arial"/>
         </a:defRPr>
       </a:lvl5pPr>
-      <a:lvl6pPr lvl="5" marR="0" rtl="0" algn="l">
+      <a:lvl6pPr marR="0" lvl="5" algn="l" rtl="0">
         <a:lnSpc>
           <a:spcPct val="100000"/>
         </a:lnSpc>
@@ -6972,7 +7137,7 @@
           <a:srgbClr val="000000"/>
         </a:buClr>
         <a:buFont typeface="Arial"/>
-        <a:defRPr b="0" i="0" sz="1400" u="none" cap="none" strike="noStrike">
+        <a:defRPr sz="1400" b="0" i="0" u="none" strike="noStrike" cap="none">
           <a:solidFill>
             <a:srgbClr val="000000"/>
           </a:solidFill>
@@ -6982,7 +7147,7 @@
           <a:sym typeface="Arial"/>
         </a:defRPr>
       </a:lvl6pPr>
-      <a:lvl7pPr lvl="6" marR="0" rtl="0" algn="l">
+      <a:lvl7pPr marR="0" lvl="6" algn="l" rtl="0">
         <a:lnSpc>
           <a:spcPct val="100000"/>
         </a:lnSpc>
@@ -6996,7 +7161,7 @@
           <a:srgbClr val="000000"/>
         </a:buClr>
         <a:buFont typeface="Arial"/>
-        <a:defRPr b="0" i="0" sz="1400" u="none" cap="none" strike="noStrike">
+        <a:defRPr sz="1400" b="0" i="0" u="none" strike="noStrike" cap="none">
           <a:solidFill>
             <a:srgbClr val="000000"/>
           </a:solidFill>
@@ -7006,7 +7171,7 @@
           <a:sym typeface="Arial"/>
         </a:defRPr>
       </a:lvl7pPr>
-      <a:lvl8pPr lvl="7" marR="0" rtl="0" algn="l">
+      <a:lvl8pPr marR="0" lvl="7" algn="l" rtl="0">
         <a:lnSpc>
           <a:spcPct val="100000"/>
         </a:lnSpc>
@@ -7020,7 +7185,7 @@
           <a:srgbClr val="000000"/>
         </a:buClr>
         <a:buFont typeface="Arial"/>
-        <a:defRPr b="0" i="0" sz="1400" u="none" cap="none" strike="noStrike">
+        <a:defRPr sz="1400" b="0" i="0" u="none" strike="noStrike" cap="none">
           <a:solidFill>
             <a:srgbClr val="000000"/>
           </a:solidFill>
@@ -7030,7 +7195,7 @@
           <a:sym typeface="Arial"/>
         </a:defRPr>
       </a:lvl8pPr>
-      <a:lvl9pPr lvl="8" marR="0" rtl="0" algn="l">
+      <a:lvl9pPr marR="0" lvl="8" algn="l" rtl="0">
         <a:lnSpc>
           <a:spcPct val="100000"/>
         </a:lnSpc>
@@ -7044,7 +7209,7 @@
           <a:srgbClr val="000000"/>
         </a:buClr>
         <a:buFont typeface="Arial"/>
-        <a:defRPr b="0" i="0" sz="1400" u="none" cap="none" strike="noStrike">
+        <a:defRPr sz="1400" b="0" i="0" u="none" strike="noStrike" cap="none">
           <a:solidFill>
             <a:srgbClr val="000000"/>
           </a:solidFill>
@@ -7060,11 +7225,11 @@
 </file>
 
 <file path=ppt/slides/slide1.xml><?xml version="1.0" encoding="utf-8"?>
-<p:sld xmlns:a="http://schemas.openxmlformats.org/drawingml/2006/main" xmlns:r="http://schemas.openxmlformats.org/officeDocument/2006/relationships" xmlns:mc="http://schemas.openxmlformats.org/markup-compatibility/2006" xmlns:mv="urn:schemas-microsoft-com:mac:vml" xmlns:p="http://schemas.openxmlformats.org/presentationml/2006/main" xmlns:c="http://schemas.openxmlformats.org/drawingml/2006/chart" xmlns:dgm="http://schemas.openxmlformats.org/drawingml/2006/diagram" xmlns:o="urn:schemas-microsoft-com:office:office" xmlns:v="urn:schemas-microsoft-com:vml" xmlns:pvml="urn:schemas-microsoft-com:office:powerpoint" xmlns:com="http://schemas.openxmlformats.org/drawingml/2006/compatibility" xmlns:p14="http://schemas.microsoft.com/office/powerpoint/2010/main" xmlns:p15="http://schemas.microsoft.com/office/powerpoint/2012/main" xmlns:ahyp="http://schemas.microsoft.com/office/drawing/2018/hyperlinkcolor">
+<p:sld xmlns:a="http://schemas.openxmlformats.org/drawingml/2006/main" xmlns:r="http://schemas.openxmlformats.org/officeDocument/2006/relationships" xmlns:p="http://schemas.openxmlformats.org/presentationml/2006/main">
   <p:cSld>
     <p:spTree>
       <p:nvGrpSpPr>
-        <p:cNvPr id="57" name="Shape 57"/>
+        <p:cNvPr id="1" name="Shape 57"/>
         <p:cNvGrpSpPr/>
         <p:nvPr/>
       </p:nvGrpSpPr>
@@ -7079,9 +7244,11 @@
       <p:sp>
         <p:nvSpPr>
           <p:cNvPr id="58" name="Google Shape;58;p13"/>
-          <p:cNvSpPr txBox="1"/>
+          <p:cNvSpPr txBox="1">
+            <a:spLocks noGrp="1"/>
+          </p:cNvSpPr>
           <p:nvPr>
-            <p:ph idx="1" type="subTitle"/>
+            <p:ph type="subTitle" idx="1"/>
           </p:nvPr>
         </p:nvSpPr>
         <p:spPr>
@@ -7094,12 +7261,12 @@
           </a:prstGeom>
         </p:spPr>
         <p:txBody>
-          <a:bodyPr anchorCtr="0" anchor="ctr" bIns="91425" lIns="91425" spcFirstLastPara="1" rIns="91425" wrap="square" tIns="91425">
+          <a:bodyPr spcFirstLastPara="1" wrap="square" lIns="91425" tIns="91425" rIns="91425" bIns="91425" anchor="ctr" anchorCtr="0">
             <a:noAutofit/>
           </a:bodyPr>
           <a:lstStyle/>
           <a:p>
-            <a:pPr indent="0" lvl="0" marL="0" rtl="0" algn="ctr">
+            <a:pPr marL="0" lvl="0" indent="0" algn="ctr" rtl="0">
               <a:spcBef>
                 <a:spcPts val="0"/>
               </a:spcBef>
@@ -7109,14 +7276,14 @@
               <a:buNone/>
             </a:pPr>
             <a:r>
-              <a:rPr b="1" lang="en" sz="1450">
+              <a:rPr lang="en" sz="1450" b="1">
                 <a:solidFill>
                   <a:schemeClr val="dk2"/>
                 </a:solidFill>
               </a:rPr>
               <a:t>Streamlining Your Schedule</a:t>
             </a:r>
-            <a:endParaRPr b="1" sz="1450">
+            <a:endParaRPr sz="1450" b="1">
               <a:solidFill>
                 <a:schemeClr val="dk2"/>
               </a:solidFill>
@@ -7146,12 +7313,12 @@
           </a:ln>
         </p:spPr>
         <p:txBody>
-          <a:bodyPr anchorCtr="0" anchor="t" bIns="91425" lIns="91425" spcFirstLastPara="1" rIns="91425" wrap="square" tIns="91425">
+          <a:bodyPr spcFirstLastPara="1" wrap="square" lIns="91425" tIns="91425" rIns="91425" bIns="91425" anchor="t" anchorCtr="0">
             <a:spAutoFit/>
           </a:bodyPr>
           <a:lstStyle/>
           <a:p>
-            <a:pPr indent="0" lvl="0" marL="0" marR="91440" rtl="0" algn="r">
+            <a:pPr marL="0" marR="91440" lvl="0" indent="0" algn="r" rtl="0">
               <a:spcBef>
                 <a:spcPts val="0"/>
               </a:spcBef>
@@ -7167,16 +7334,7 @@
                 <a:cs typeface="Roboto Black"/>
                 <a:sym typeface="Roboto Black"/>
               </a:rPr>
-              <a:t>PROJECT </a:t>
-            </a:r>
-            <a:r>
-              <a:rPr lang="en" sz="2000">
-                <a:latin typeface="Roboto Black"/>
-                <a:ea typeface="Roboto Black"/>
-                <a:cs typeface="Roboto Black"/>
-                <a:sym typeface="Roboto Black"/>
-              </a:rPr>
-              <a:t>PORTFOLIO</a:t>
+              <a:t>PROJECT PORTFOLIO</a:t>
             </a:r>
             <a:endParaRPr sz="2000">
               <a:latin typeface="Roboto Black"/>
@@ -7190,9 +7348,11 @@
       <p:sp>
         <p:nvSpPr>
           <p:cNvPr id="60" name="Google Shape;60;p13"/>
-          <p:cNvSpPr txBox="1"/>
+          <p:cNvSpPr txBox="1">
+            <a:spLocks noGrp="1"/>
+          </p:cNvSpPr>
           <p:nvPr>
-            <p:ph idx="1" type="subTitle"/>
+            <p:ph type="subTitle" idx="1"/>
           </p:nvPr>
         </p:nvSpPr>
         <p:spPr>
@@ -7205,12 +7365,12 @@
           </a:prstGeom>
         </p:spPr>
         <p:txBody>
-          <a:bodyPr anchorCtr="0" anchor="t" bIns="91425" lIns="91425" spcFirstLastPara="1" rIns="91425" wrap="square" tIns="91425">
+          <a:bodyPr spcFirstLastPara="1" wrap="square" lIns="91425" tIns="91425" rIns="91425" bIns="91425" anchor="t" anchorCtr="0">
             <a:normAutofit lnSpcReduction="10000"/>
           </a:bodyPr>
           <a:lstStyle/>
           <a:p>
-            <a:pPr indent="0" lvl="0" marL="0" rtl="0" algn="l">
+            <a:pPr marL="0" lvl="0" indent="0" algn="l" rtl="0">
               <a:spcBef>
                 <a:spcPts val="0"/>
               </a:spcBef>
@@ -7220,7 +7380,7 @@
               <a:buNone/>
             </a:pPr>
             <a:r>
-              <a:rPr b="1" lang="en" sz="1150">
+              <a:rPr lang="en" sz="1150" b="1">
                 <a:solidFill>
                   <a:srgbClr val="FFFFFF"/>
                 </a:solidFill>
@@ -7242,7 +7402,7 @@
             </a:endParaRPr>
           </a:p>
           <a:p>
-            <a:pPr indent="0" lvl="0" marL="0" rtl="0" algn="l">
+            <a:pPr marL="0" lvl="0" indent="0" algn="l" rtl="0">
               <a:spcBef>
                 <a:spcPts val="0"/>
               </a:spcBef>
@@ -7252,7 +7412,7 @@
               <a:buNone/>
             </a:pPr>
             <a:r>
-              <a:rPr b="1" lang="en" sz="1150">
+              <a:rPr lang="en" sz="1150" b="1">
                 <a:solidFill>
                   <a:srgbClr val="FFFFFF"/>
                 </a:solidFill>
@@ -7274,7 +7434,7 @@
             </a:endParaRPr>
           </a:p>
           <a:p>
-            <a:pPr indent="0" lvl="0" marL="0" rtl="0" algn="l">
+            <a:pPr marL="0" lvl="0" indent="0" algn="l" rtl="0">
               <a:spcBef>
                 <a:spcPts val="0"/>
               </a:spcBef>
@@ -7284,7 +7444,7 @@
               <a:buNone/>
             </a:pPr>
             <a:r>
-              <a:rPr b="1" lang="en" sz="1150">
+              <a:rPr lang="en" sz="1150" b="1">
                 <a:solidFill>
                   <a:srgbClr val="FFFFFF"/>
                 </a:solidFill>
@@ -7306,7 +7466,7 @@
             </a:endParaRPr>
           </a:p>
           <a:p>
-            <a:pPr indent="0" lvl="0" marL="0" rtl="0" algn="l">
+            <a:pPr marL="0" lvl="0" indent="0" algn="l" rtl="0">
               <a:spcBef>
                 <a:spcPts val="0"/>
               </a:spcBef>
@@ -7316,7 +7476,7 @@
               <a:buNone/>
             </a:pPr>
             <a:r>
-              <a:rPr b="1" lang="en" sz="1150">
+              <a:rPr lang="en" sz="1150" b="1">
                 <a:solidFill>
                   <a:srgbClr val="FFFFFF"/>
                 </a:solidFill>
@@ -7349,7 +7509,7 @@
           <a:blip r:embed="rId3">
             <a:alphaModFix/>
           </a:blip>
-          <a:srcRect b="11330" l="10560" r="8827" t="11330"/>
+          <a:srcRect l="10560" t="11330" r="8827" b="11330"/>
           <a:stretch/>
         </p:blipFill>
         <p:spPr>
@@ -7458,12 +7618,12 @@
             </a:ln>
           </p:spPr>
           <p:txBody>
-            <a:bodyPr anchorCtr="0" anchor="t" bIns="91425" lIns="91425" spcFirstLastPara="1" rIns="91425" wrap="square" tIns="91425">
+            <a:bodyPr spcFirstLastPara="1" wrap="square" lIns="91425" tIns="91425" rIns="91425" bIns="91425" anchor="t" anchorCtr="0">
               <a:spAutoFit/>
             </a:bodyPr>
             <a:lstStyle/>
             <a:p>
-              <a:pPr indent="0" lvl="0" marL="0" marR="91440" rtl="0" algn="r">
+              <a:pPr marL="0" marR="91440" lvl="0" indent="0" algn="r" rtl="0">
                 <a:spcBef>
                   <a:spcPts val="0"/>
                 </a:spcBef>
@@ -7526,9 +7686,11 @@
       <p:sp>
         <p:nvSpPr>
           <p:cNvPr id="67" name="Google Shape;67;p13"/>
-          <p:cNvSpPr txBox="1"/>
+          <p:cNvSpPr txBox="1">
+            <a:spLocks noGrp="1"/>
+          </p:cNvSpPr>
           <p:nvPr>
-            <p:ph idx="1" type="subTitle"/>
+            <p:ph type="subTitle" idx="1"/>
           </p:nvPr>
         </p:nvSpPr>
         <p:spPr>
@@ -7541,12 +7703,12 @@
           </a:prstGeom>
         </p:spPr>
         <p:txBody>
-          <a:bodyPr anchorCtr="0" anchor="t" bIns="91425" lIns="91425" spcFirstLastPara="1" rIns="91425" wrap="square" tIns="91425">
+          <a:bodyPr spcFirstLastPara="1" wrap="square" lIns="91425" tIns="91425" rIns="91425" bIns="91425" anchor="t" anchorCtr="0">
             <a:normAutofit/>
           </a:bodyPr>
           <a:lstStyle/>
           <a:p>
-            <a:pPr indent="0" lvl="0" marL="0" rtl="0" algn="l">
+            <a:pPr marL="0" lvl="0" indent="0" algn="l" rtl="0">
               <a:spcBef>
                 <a:spcPts val="0"/>
               </a:spcBef>
@@ -7556,14 +7718,14 @@
               <a:buNone/>
             </a:pPr>
             <a:r>
-              <a:rPr b="1" lang="en" sz="1150">
+              <a:rPr lang="en" sz="1150" b="1">
                 <a:solidFill>
                   <a:schemeClr val="dk2"/>
                 </a:solidFill>
               </a:rPr>
               <a:t>Submission of phase 02 (Development Phase)</a:t>
             </a:r>
-            <a:endParaRPr b="1" sz="1150">
+            <a:endParaRPr sz="1150" b="1">
               <a:solidFill>
                 <a:schemeClr val="dk2"/>
               </a:solidFill>
@@ -7580,11 +7742,11 @@
 </file>
 
 <file path=ppt/slides/slide10.xml><?xml version="1.0" encoding="utf-8"?>
-<p:sld xmlns:a="http://schemas.openxmlformats.org/drawingml/2006/main" xmlns:r="http://schemas.openxmlformats.org/officeDocument/2006/relationships" xmlns:mc="http://schemas.openxmlformats.org/markup-compatibility/2006" xmlns:mv="urn:schemas-microsoft-com:mac:vml" xmlns:p="http://schemas.openxmlformats.org/presentationml/2006/main" xmlns:c="http://schemas.openxmlformats.org/drawingml/2006/chart" xmlns:dgm="http://schemas.openxmlformats.org/drawingml/2006/diagram" xmlns:o="urn:schemas-microsoft-com:office:office" xmlns:v="urn:schemas-microsoft-com:vml" xmlns:pvml="urn:schemas-microsoft-com:office:powerpoint" xmlns:com="http://schemas.openxmlformats.org/drawingml/2006/compatibility" xmlns:p14="http://schemas.microsoft.com/office/powerpoint/2010/main" xmlns:p15="http://schemas.microsoft.com/office/powerpoint/2012/main" xmlns:ahyp="http://schemas.microsoft.com/office/drawing/2018/hyperlinkcolor">
+<p:sld xmlns:a="http://schemas.openxmlformats.org/drawingml/2006/main" xmlns:r="http://schemas.openxmlformats.org/officeDocument/2006/relationships" xmlns:p="http://schemas.openxmlformats.org/presentationml/2006/main">
   <p:cSld>
     <p:spTree>
       <p:nvGrpSpPr>
-        <p:cNvPr id="156" name="Shape 156"/>
+        <p:cNvPr id="1" name="Shape 156"/>
         <p:cNvGrpSpPr/>
         <p:nvPr/>
       </p:nvGrpSpPr>
@@ -7599,7 +7761,9 @@
       <p:sp>
         <p:nvSpPr>
           <p:cNvPr id="157" name="Google Shape;157;p22"/>
-          <p:cNvSpPr txBox="1"/>
+          <p:cNvSpPr txBox="1">
+            <a:spLocks noGrp="1"/>
+          </p:cNvSpPr>
           <p:nvPr>
             <p:ph type="title"/>
           </p:nvPr>
@@ -7614,12 +7778,12 @@
           </a:prstGeom>
         </p:spPr>
         <p:txBody>
-          <a:bodyPr anchorCtr="0" anchor="b" bIns="91425" lIns="91425" spcFirstLastPara="1" rIns="91425" wrap="square" tIns="91425">
+          <a:bodyPr spcFirstLastPara="1" wrap="square" lIns="91425" tIns="91425" rIns="91425" bIns="91425" anchor="b" anchorCtr="0">
             <a:normAutofit/>
           </a:bodyPr>
           <a:lstStyle/>
           <a:p>
-            <a:pPr indent="0" lvl="0" marL="0" rtl="0" algn="ctr">
+            <a:pPr marL="0" lvl="0" indent="0" algn="ctr" rtl="0">
               <a:spcBef>
                 <a:spcPts val="0"/>
               </a:spcBef>
@@ -7639,9 +7803,11 @@
       <p:sp>
         <p:nvSpPr>
           <p:cNvPr id="158" name="Google Shape;158;p22"/>
-          <p:cNvSpPr txBox="1"/>
+          <p:cNvSpPr txBox="1">
+            <a:spLocks noGrp="1"/>
+          </p:cNvSpPr>
           <p:nvPr>
-            <p:ph idx="1" type="subTitle"/>
+            <p:ph type="subTitle" idx="1"/>
           </p:nvPr>
         </p:nvSpPr>
         <p:spPr>
@@ -7654,12 +7820,12 @@
           </a:prstGeom>
         </p:spPr>
         <p:txBody>
-          <a:bodyPr anchorCtr="0" anchor="t" bIns="91425" lIns="91425" spcFirstLastPara="1" rIns="91425" wrap="square" tIns="91425">
+          <a:bodyPr spcFirstLastPara="1" wrap="square" lIns="91425" tIns="91425" rIns="91425" bIns="91425" anchor="t" anchorCtr="0">
             <a:normAutofit/>
           </a:bodyPr>
           <a:lstStyle/>
           <a:p>
-            <a:pPr indent="0" lvl="0" marL="0" rtl="0" algn="ctr">
+            <a:pPr marL="0" lvl="0" indent="0" algn="ctr" rtl="0">
               <a:spcBef>
                 <a:spcPts val="0"/>
               </a:spcBef>
@@ -7679,9 +7845,11 @@
       <p:sp>
         <p:nvSpPr>
           <p:cNvPr id="159" name="Google Shape;159;p22"/>
-          <p:cNvSpPr txBox="1"/>
+          <p:cNvSpPr txBox="1">
+            <a:spLocks noGrp="1"/>
+          </p:cNvSpPr>
           <p:nvPr>
-            <p:ph idx="12" type="sldNum"/>
+            <p:ph type="sldNum" idx="12"/>
           </p:nvPr>
         </p:nvSpPr>
         <p:spPr>
@@ -7694,12 +7862,12 @@
           </a:prstGeom>
         </p:spPr>
         <p:txBody>
-          <a:bodyPr anchorCtr="0" anchor="ctr" bIns="91425" lIns="91425" spcFirstLastPara="1" rIns="91425" wrap="square" tIns="91425">
+          <a:bodyPr spcFirstLastPara="1" wrap="square" lIns="91425" tIns="91425" rIns="91425" bIns="91425" anchor="ctr" anchorCtr="0">
             <a:normAutofit/>
           </a:bodyPr>
           <a:lstStyle/>
           <a:p>
-            <a:pPr indent="0" lvl="0" marL="0" rtl="0" algn="r">
+            <a:pPr marL="0" lvl="0" indent="0" algn="r" rtl="0">
               <a:spcBef>
                 <a:spcPts val="0"/>
               </a:spcBef>
@@ -7715,7 +7883,7 @@
                 <a:cs typeface="Source Sans Pro"/>
                 <a:sym typeface="Source Sans Pro"/>
               </a:rPr>
-              <a:t>‹#›</a:t>
+              <a:t>10</a:t>
             </a:fld>
             <a:endParaRPr>
               <a:latin typeface="Source Sans Pro"/>
@@ -7736,7 +7904,7 @@
           <a:blip r:embed="rId3">
             <a:alphaModFix/>
           </a:blip>
-          <a:srcRect b="11330" l="10560" r="8827" t="11330"/>
+          <a:srcRect l="10560" t="11330" r="8827" b="11330"/>
           <a:stretch/>
         </p:blipFill>
         <p:spPr>
@@ -7762,11 +7930,11 @@
 </file>
 
 <file path=ppt/slides/slide2.xml><?xml version="1.0" encoding="utf-8"?>
-<p:sld xmlns:a="http://schemas.openxmlformats.org/drawingml/2006/main" xmlns:r="http://schemas.openxmlformats.org/officeDocument/2006/relationships" xmlns:mc="http://schemas.openxmlformats.org/markup-compatibility/2006" xmlns:mv="urn:schemas-microsoft-com:mac:vml" xmlns:p="http://schemas.openxmlformats.org/presentationml/2006/main" xmlns:c="http://schemas.openxmlformats.org/drawingml/2006/chart" xmlns:dgm="http://schemas.openxmlformats.org/drawingml/2006/diagram" xmlns:o="urn:schemas-microsoft-com:office:office" xmlns:v="urn:schemas-microsoft-com:vml" xmlns:pvml="urn:schemas-microsoft-com:office:powerpoint" xmlns:com="http://schemas.openxmlformats.org/drawingml/2006/compatibility" xmlns:p14="http://schemas.microsoft.com/office/powerpoint/2010/main" xmlns:p15="http://schemas.microsoft.com/office/powerpoint/2012/main" xmlns:ahyp="http://schemas.microsoft.com/office/drawing/2018/hyperlinkcolor">
+<p:sld xmlns:a="http://schemas.openxmlformats.org/drawingml/2006/main" xmlns:r="http://schemas.openxmlformats.org/officeDocument/2006/relationships" xmlns:p="http://schemas.openxmlformats.org/presentationml/2006/main">
   <p:cSld>
     <p:spTree>
       <p:nvGrpSpPr>
-        <p:cNvPr id="71" name="Shape 71"/>
+        <p:cNvPr id="1" name="Shape 71"/>
         <p:cNvGrpSpPr/>
         <p:nvPr/>
       </p:nvGrpSpPr>
@@ -7781,7 +7949,9 @@
       <p:sp>
         <p:nvSpPr>
           <p:cNvPr id="72" name="Google Shape;72;p14"/>
-          <p:cNvSpPr txBox="1"/>
+          <p:cNvSpPr txBox="1">
+            <a:spLocks noGrp="1"/>
+          </p:cNvSpPr>
           <p:nvPr>
             <p:ph type="title"/>
           </p:nvPr>
@@ -7796,12 +7966,12 @@
           </a:prstGeom>
         </p:spPr>
         <p:txBody>
-          <a:bodyPr anchorCtr="0" anchor="b" bIns="91425" lIns="91425" spcFirstLastPara="1" rIns="91425" wrap="square" tIns="91425">
+          <a:bodyPr spcFirstLastPara="1" wrap="square" lIns="91425" tIns="91425" rIns="91425" bIns="91425" anchor="b" anchorCtr="0">
             <a:normAutofit fontScale="90000"/>
           </a:bodyPr>
           <a:lstStyle/>
           <a:p>
-            <a:pPr indent="0" lvl="0" marL="0" rtl="0" algn="ctr">
+            <a:pPr marL="0" lvl="0" indent="0" algn="ctr" rtl="0">
               <a:spcBef>
                 <a:spcPts val="0"/>
               </a:spcBef>
@@ -7821,9 +7991,11 @@
       <p:sp>
         <p:nvSpPr>
           <p:cNvPr id="73" name="Google Shape;73;p14"/>
-          <p:cNvSpPr txBox="1"/>
+          <p:cNvSpPr txBox="1">
+            <a:spLocks noGrp="1"/>
+          </p:cNvSpPr>
           <p:nvPr>
-            <p:ph idx="2" type="body"/>
+            <p:ph type="body" idx="2"/>
           </p:nvPr>
         </p:nvSpPr>
         <p:spPr>
@@ -7836,12 +8008,12 @@
           </a:prstGeom>
         </p:spPr>
         <p:txBody>
-          <a:bodyPr anchorCtr="0" anchor="ctr" bIns="91425" lIns="91425" spcFirstLastPara="1" rIns="91425" wrap="square" tIns="91425">
+          <a:bodyPr spcFirstLastPara="1" wrap="square" lIns="91425" tIns="91425" rIns="91425" bIns="91425" anchor="ctr" anchorCtr="0">
             <a:normAutofit fontScale="55000" lnSpcReduction="10000"/>
           </a:bodyPr>
           <a:lstStyle/>
           <a:p>
-            <a:pPr indent="0" lvl="0" marL="0" rtl="0" algn="l">
+            <a:pPr marL="0" lvl="0" indent="0" algn="l" rtl="0">
               <a:spcBef>
                 <a:spcPts val="0"/>
               </a:spcBef>
@@ -7857,7 +8029,7 @@
             <a:endParaRPr/>
           </a:p>
           <a:p>
-            <a:pPr indent="0" lvl="0" marL="0" rtl="0" algn="l">
+            <a:pPr marL="0" lvl="0" indent="0" algn="l" rtl="0">
               <a:spcBef>
                 <a:spcPts val="1200"/>
               </a:spcBef>
@@ -7873,7 +8045,7 @@
             <a:endParaRPr/>
           </a:p>
           <a:p>
-            <a:pPr indent="0" lvl="0" marL="0" rtl="0" algn="l">
+            <a:pPr marL="0" lvl="0" indent="0" algn="l" rtl="0">
               <a:spcBef>
                 <a:spcPts val="1200"/>
               </a:spcBef>
@@ -7889,7 +8061,7 @@
             <a:endParaRPr/>
           </a:p>
           <a:p>
-            <a:pPr indent="0" lvl="0" marL="0" rtl="0" algn="l">
+            <a:pPr marL="0" lvl="0" indent="0" algn="l" rtl="0">
               <a:spcBef>
                 <a:spcPts val="1200"/>
               </a:spcBef>
@@ -7905,7 +8077,7 @@
             <a:endParaRPr/>
           </a:p>
           <a:p>
-            <a:pPr indent="0" lvl="0" marL="0" rtl="0" algn="l">
+            <a:pPr marL="0" lvl="0" indent="0" algn="l" rtl="0">
               <a:spcBef>
                 <a:spcPts val="1200"/>
               </a:spcBef>
@@ -7921,7 +8093,7 @@
             <a:endParaRPr/>
           </a:p>
           <a:p>
-            <a:pPr indent="0" lvl="0" marL="0" rtl="0" algn="l">
+            <a:pPr marL="0" lvl="0" indent="0" algn="l" rtl="0">
               <a:lnSpc>
                 <a:spcPct val="200000"/>
               </a:lnSpc>
@@ -7934,13 +8106,13 @@
               <a:buNone/>
             </a:pPr>
             <a:r>
-              <a:rPr b="1" lang="en" sz="2010"/>
+              <a:rPr lang="en" sz="2010" b="1"/>
               <a:t>Features:</a:t>
             </a:r>
-            <a:endParaRPr b="1" sz="2010"/>
+            <a:endParaRPr sz="2010" b="1"/>
           </a:p>
           <a:p>
-            <a:pPr indent="-291465" lvl="0" marL="365760" rtl="0" algn="l">
+            <a:pPr marL="365760" lvl="0" indent="-291465" algn="l" rtl="0">
               <a:lnSpc>
                 <a:spcPct val="150000"/>
               </a:lnSpc>
@@ -7960,7 +8132,7 @@
             <a:endParaRPr/>
           </a:p>
           <a:p>
-            <a:pPr indent="-291465" lvl="0" marL="365760" rtl="0" algn="l">
+            <a:pPr marL="365760" lvl="0" indent="-291465" algn="l" rtl="0">
               <a:lnSpc>
                 <a:spcPct val="150000"/>
               </a:lnSpc>
@@ -7980,7 +8152,7 @@
             <a:endParaRPr/>
           </a:p>
           <a:p>
-            <a:pPr indent="-291465" lvl="0" marL="365760" rtl="0" algn="l">
+            <a:pPr marL="365760" lvl="0" indent="-291465" algn="l" rtl="0">
               <a:lnSpc>
                 <a:spcPct val="150000"/>
               </a:lnSpc>
@@ -8000,7 +8172,7 @@
             <a:endParaRPr/>
           </a:p>
           <a:p>
-            <a:pPr indent="-291465" lvl="0" marL="365760" rtl="0" algn="l">
+            <a:pPr marL="365760" lvl="0" indent="-291465" algn="l" rtl="0">
               <a:lnSpc>
                 <a:spcPct val="150000"/>
               </a:lnSpc>
@@ -8024,9 +8196,11 @@
       <p:sp>
         <p:nvSpPr>
           <p:cNvPr id="74" name="Google Shape;74;p14"/>
-          <p:cNvSpPr txBox="1"/>
+          <p:cNvSpPr txBox="1">
+            <a:spLocks noGrp="1"/>
+          </p:cNvSpPr>
           <p:nvPr>
-            <p:ph idx="12" type="sldNum"/>
+            <p:ph type="sldNum" idx="12"/>
           </p:nvPr>
         </p:nvSpPr>
         <p:spPr>
@@ -8039,12 +8213,12 @@
           </a:prstGeom>
         </p:spPr>
         <p:txBody>
-          <a:bodyPr anchorCtr="0" anchor="ctr" bIns="91425" lIns="91425" spcFirstLastPara="1" rIns="91425" wrap="square" tIns="91425">
+          <a:bodyPr spcFirstLastPara="1" wrap="square" lIns="91425" tIns="91425" rIns="91425" bIns="91425" anchor="ctr" anchorCtr="0">
             <a:normAutofit/>
           </a:bodyPr>
           <a:lstStyle/>
           <a:p>
-            <a:pPr indent="0" lvl="0" marL="0" rtl="0" algn="r">
+            <a:pPr marL="0" lvl="0" indent="0" algn="r" rtl="0">
               <a:spcBef>
                 <a:spcPts val="0"/>
               </a:spcBef>
@@ -8060,7 +8234,7 @@
                 <a:cs typeface="Source Sans Pro"/>
                 <a:sym typeface="Source Sans Pro"/>
               </a:rPr>
-              <a:t>‹#›</a:t>
+              <a:t>2</a:t>
             </a:fld>
             <a:endParaRPr>
               <a:latin typeface="Source Sans Pro"/>
@@ -8080,11 +8254,11 @@
 </file>
 
 <file path=ppt/slides/slide3.xml><?xml version="1.0" encoding="utf-8"?>
-<p:sld xmlns:a="http://schemas.openxmlformats.org/drawingml/2006/main" xmlns:r="http://schemas.openxmlformats.org/officeDocument/2006/relationships" xmlns:mc="http://schemas.openxmlformats.org/markup-compatibility/2006" xmlns:mv="urn:schemas-microsoft-com:mac:vml" xmlns:p="http://schemas.openxmlformats.org/presentationml/2006/main" xmlns:c="http://schemas.openxmlformats.org/drawingml/2006/chart" xmlns:dgm="http://schemas.openxmlformats.org/drawingml/2006/diagram" xmlns:o="urn:schemas-microsoft-com:office:office" xmlns:v="urn:schemas-microsoft-com:vml" xmlns:pvml="urn:schemas-microsoft-com:office:powerpoint" xmlns:com="http://schemas.openxmlformats.org/drawingml/2006/compatibility" xmlns:p14="http://schemas.microsoft.com/office/powerpoint/2010/main" xmlns:p15="http://schemas.microsoft.com/office/powerpoint/2012/main" xmlns:ahyp="http://schemas.microsoft.com/office/drawing/2018/hyperlinkcolor">
+<p:sld xmlns:a="http://schemas.openxmlformats.org/drawingml/2006/main" xmlns:r="http://schemas.openxmlformats.org/officeDocument/2006/relationships" xmlns:p="http://schemas.openxmlformats.org/presentationml/2006/main">
   <p:cSld>
     <p:spTree>
       <p:nvGrpSpPr>
-        <p:cNvPr id="78" name="Shape 78"/>
+        <p:cNvPr id="1" name="Shape 78"/>
         <p:cNvGrpSpPr/>
         <p:nvPr/>
       </p:nvGrpSpPr>
@@ -8099,7 +8273,9 @@
       <p:sp>
         <p:nvSpPr>
           <p:cNvPr id="79" name="Google Shape;79;p15"/>
-          <p:cNvSpPr txBox="1"/>
+          <p:cNvSpPr txBox="1">
+            <a:spLocks noGrp="1"/>
+          </p:cNvSpPr>
           <p:nvPr>
             <p:ph type="title"/>
           </p:nvPr>
@@ -8114,12 +8290,12 @@
           </a:prstGeom>
         </p:spPr>
         <p:txBody>
-          <a:bodyPr anchorCtr="0" anchor="t" bIns="91425" lIns="91425" spcFirstLastPara="1" rIns="91425" wrap="square" tIns="91425">
+          <a:bodyPr spcFirstLastPara="1" wrap="square" lIns="91425" tIns="91425" rIns="91425" bIns="91425" anchor="t" anchorCtr="0">
             <a:normAutofit fontScale="90000"/>
           </a:bodyPr>
           <a:lstStyle/>
           <a:p>
-            <a:pPr indent="0" lvl="0" marL="0" rtl="0" algn="l">
+            <a:pPr marL="0" lvl="0" indent="0" algn="l" rtl="0">
               <a:spcBef>
                 <a:spcPts val="0"/>
               </a:spcBef>
@@ -8139,9 +8315,11 @@
       <p:sp>
         <p:nvSpPr>
           <p:cNvPr id="80" name="Google Shape;80;p15"/>
-          <p:cNvSpPr txBox="1"/>
+          <p:cNvSpPr txBox="1">
+            <a:spLocks noGrp="1"/>
+          </p:cNvSpPr>
           <p:nvPr>
-            <p:ph idx="12" type="sldNum"/>
+            <p:ph type="sldNum" idx="12"/>
           </p:nvPr>
         </p:nvSpPr>
         <p:spPr>
@@ -8154,12 +8332,12 @@
           </a:prstGeom>
         </p:spPr>
         <p:txBody>
-          <a:bodyPr anchorCtr="0" anchor="ctr" bIns="91425" lIns="91425" spcFirstLastPara="1" rIns="91425" wrap="square" tIns="91425">
+          <a:bodyPr spcFirstLastPara="1" wrap="square" lIns="91425" tIns="91425" rIns="91425" bIns="91425" anchor="ctr" anchorCtr="0">
             <a:normAutofit/>
           </a:bodyPr>
           <a:lstStyle/>
           <a:p>
-            <a:pPr indent="0" lvl="0" marL="0" rtl="0" algn="r">
+            <a:pPr marL="0" lvl="0" indent="0" algn="r" rtl="0">
               <a:spcBef>
                 <a:spcPts val="0"/>
               </a:spcBef>
@@ -8178,7 +8356,7 @@
                 <a:cs typeface="Source Sans Pro"/>
                 <a:sym typeface="Source Sans Pro"/>
               </a:rPr>
-              <a:t>‹#›</a:t>
+              <a:t>3</a:t>
             </a:fld>
             <a:endParaRPr>
               <a:solidFill>
@@ -8195,9 +8373,11 @@
       <p:sp>
         <p:nvSpPr>
           <p:cNvPr id="81" name="Google Shape;81;p15"/>
-          <p:cNvSpPr txBox="1"/>
+          <p:cNvSpPr txBox="1">
+            <a:spLocks noGrp="1"/>
+          </p:cNvSpPr>
           <p:nvPr>
-            <p:ph idx="4294967295" type="body"/>
+            <p:ph type="body" idx="4294967295"/>
           </p:nvPr>
         </p:nvSpPr>
         <p:spPr>
@@ -8210,12 +8390,12 @@
           </a:prstGeom>
         </p:spPr>
         <p:txBody>
-          <a:bodyPr anchorCtr="0" anchor="t" bIns="91425" lIns="91425" spcFirstLastPara="1" rIns="91425" wrap="square" tIns="91425">
+          <a:bodyPr spcFirstLastPara="1" wrap="square" lIns="91425" tIns="91425" rIns="91425" bIns="91425" anchor="t" anchorCtr="0">
             <a:normAutofit/>
           </a:bodyPr>
           <a:lstStyle/>
           <a:p>
-            <a:pPr indent="0" lvl="0" marL="0" rtl="0" algn="l">
+            <a:pPr marL="0" lvl="0" indent="0" algn="l" rtl="0">
               <a:spcBef>
                 <a:spcPts val="0"/>
               </a:spcBef>
@@ -8225,13 +8405,25 @@
               <a:buNone/>
             </a:pPr>
             <a:r>
-              <a:rPr lang="en" sz="1200"/>
-              <a:t>PlanMate employes a well-structured architecture to ensure efficient functionality and user interaction.</a:t>
+              <a:rPr lang="en" sz="1200" dirty="0" err="1"/>
+              <a:t>PlanMate</a:t>
             </a:r>
-            <a:endParaRPr sz="1200"/>
+            <a:r>
+              <a:rPr lang="en" sz="1200" dirty="0"/>
+              <a:t> </a:t>
+            </a:r>
+            <a:r>
+              <a:rPr lang="en" sz="1200" dirty="0" err="1"/>
+              <a:t>employes</a:t>
+            </a:r>
+            <a:r>
+              <a:rPr lang="en" sz="1200" dirty="0"/>
+              <a:t> a well-structured architecture to ensure efficient functionality and user interaction.</a:t>
+            </a:r>
+            <a:endParaRPr sz="1200" dirty="0"/>
           </a:p>
           <a:p>
-            <a:pPr indent="-304800" lvl="0" marL="457200" rtl="0" algn="l">
+            <a:pPr marL="457200" lvl="0" indent="-304800" algn="l" rtl="0">
               <a:spcBef>
                 <a:spcPts val="800"/>
               </a:spcBef>
@@ -8242,21 +8434,21 @@
               <a:buAutoNum type="arabicPeriod"/>
             </a:pPr>
             <a:r>
-              <a:rPr lang="en" sz="1200"/>
+              <a:rPr lang="en" sz="1200" dirty="0"/>
               <a:t>The </a:t>
             </a:r>
             <a:r>
-              <a:rPr b="1" lang="en" sz="1200"/>
+              <a:rPr lang="en" sz="1200" b="1" dirty="0"/>
               <a:t>user</a:t>
             </a:r>
             <a:r>
-              <a:rPr lang="en" sz="1200"/>
+              <a:rPr lang="en" sz="1200" dirty="0"/>
               <a:t> interacts with the application through a standard web browser.</a:t>
             </a:r>
-            <a:endParaRPr sz="1200"/>
+            <a:endParaRPr sz="1200" dirty="0"/>
           </a:p>
           <a:p>
-            <a:pPr indent="-304800" lvl="0" marL="457200" rtl="0" algn="l">
+            <a:pPr marL="457200" lvl="0" indent="-304800" algn="l" rtl="0">
               <a:spcBef>
                 <a:spcPts val="0"/>
               </a:spcBef>
@@ -8267,17 +8459,17 @@
               <a:buAutoNum type="arabicPeriod"/>
             </a:pPr>
             <a:r>
-              <a:rPr b="1" lang="en" sz="1200"/>
+              <a:rPr lang="en" sz="1200" b="1" dirty="0"/>
               <a:t>ReactJS Front End:</a:t>
             </a:r>
             <a:r>
-              <a:rPr lang="en" sz="1200"/>
+              <a:rPr lang="en" sz="1200" dirty="0"/>
               <a:t> The front-end interface, built using ReactJS, offers a responsive and intuitive user experience.</a:t>
             </a:r>
-            <a:endParaRPr sz="1200"/>
+            <a:endParaRPr sz="1200" dirty="0"/>
           </a:p>
           <a:p>
-            <a:pPr indent="-304800" lvl="0" marL="457200" rtl="0" algn="l">
+            <a:pPr marL="457200" lvl="0" indent="-304800" algn="l" rtl="0">
               <a:spcBef>
                 <a:spcPts val="0"/>
               </a:spcBef>
@@ -8288,17 +8480,25 @@
               <a:buAutoNum type="arabicPeriod"/>
             </a:pPr>
             <a:r>
-              <a:rPr b="1" lang="en" sz="1200"/>
+              <a:rPr lang="en" sz="1200" b="1" dirty="0"/>
               <a:t>Firebase Backend:</a:t>
             </a:r>
             <a:r>
+              <a:rPr lang="en" sz="1200" dirty="0"/>
+              <a:t> </a:t>
+            </a:r>
+            <a:r>
+              <a:rPr lang="en" sz="1200" dirty="0" err="1"/>
+              <a:t>PlanMate’s</a:t>
+            </a:r>
+            <a:r>
               <a:rPr lang="en" sz="1200"/>
-              <a:t> PlanMate’s backen, hosted on Firebase, integrates key services for a seamless operation.</a:t>
+              <a:t> backend, hosted on Firebase, integrates key services for a seamless operation.</a:t>
             </a:r>
-            <a:endParaRPr sz="1200"/>
+            <a:endParaRPr sz="1200" dirty="0"/>
           </a:p>
           <a:p>
-            <a:pPr indent="-292100" lvl="1" marL="914400" rtl="0" algn="l">
+            <a:pPr marL="914400" lvl="1" indent="-292100" algn="l" rtl="0">
               <a:spcBef>
                 <a:spcPts val="0"/>
               </a:spcBef>
@@ -8309,17 +8509,17 @@
               <a:buChar char="■"/>
             </a:pPr>
             <a:r>
-              <a:rPr b="1" lang="en" sz="1000"/>
+              <a:rPr lang="en" sz="1000" b="1" dirty="0"/>
               <a:t>Firebase Authentication:</a:t>
             </a:r>
             <a:r>
-              <a:rPr lang="en" sz="1000"/>
+              <a:rPr lang="en" sz="1000" dirty="0"/>
               <a:t> Ensures secure user authentication and access control.</a:t>
             </a:r>
-            <a:endParaRPr sz="1000"/>
+            <a:endParaRPr sz="1000" dirty="0"/>
           </a:p>
           <a:p>
-            <a:pPr indent="-292100" lvl="1" marL="914400" rtl="0" algn="l">
+            <a:pPr marL="914400" lvl="1" indent="-292100" algn="l" rtl="0">
               <a:spcBef>
                 <a:spcPts val="0"/>
               </a:spcBef>
@@ -8330,17 +8530,25 @@
               <a:buChar char="■"/>
             </a:pPr>
             <a:r>
-              <a:rPr b="1" lang="en" sz="1000"/>
-              <a:t>Firebase Firestore:</a:t>
+              <a:rPr lang="en" sz="1000" b="1" dirty="0"/>
+              <a:t>Firebase </a:t>
             </a:r>
             <a:r>
-              <a:rPr lang="en" sz="1000"/>
+              <a:rPr lang="en" sz="1000" b="1" dirty="0" err="1"/>
+              <a:t>Firestore</a:t>
+            </a:r>
+            <a:r>
+              <a:rPr lang="en" sz="1000" b="1" dirty="0"/>
+              <a:t>:</a:t>
+            </a:r>
+            <a:r>
+              <a:rPr lang="en" sz="1000" dirty="0"/>
               <a:t> Provides a versatile and scalable NoSQL database for storing calendar and user data.</a:t>
             </a:r>
-            <a:endParaRPr sz="1000"/>
+            <a:endParaRPr sz="1000" dirty="0"/>
           </a:p>
           <a:p>
-            <a:pPr indent="-292100" lvl="1" marL="914400" rtl="0" algn="l">
+            <a:pPr marL="914400" lvl="1" indent="-292100" algn="l" rtl="0">
               <a:spcBef>
                 <a:spcPts val="0"/>
               </a:spcBef>
@@ -8351,17 +8559,17 @@
               <a:buChar char="■"/>
             </a:pPr>
             <a:r>
-              <a:rPr b="1" lang="en" sz="1000"/>
+              <a:rPr lang="en" sz="1000" b="1" dirty="0"/>
               <a:t>Firebase Cloud Storage:</a:t>
             </a:r>
             <a:r>
-              <a:rPr lang="en" sz="1000"/>
+              <a:rPr lang="en" sz="1000" dirty="0"/>
               <a:t> Offers reliable cloud storage for user-related assets.</a:t>
             </a:r>
-            <a:endParaRPr sz="1000"/>
+            <a:endParaRPr sz="1000" dirty="0"/>
           </a:p>
           <a:p>
-            <a:pPr indent="-292100" lvl="1" marL="914400" rtl="0" algn="l">
+            <a:pPr marL="914400" lvl="1" indent="-292100" algn="l" rtl="0">
               <a:spcBef>
                 <a:spcPts val="0"/>
               </a:spcBef>
@@ -8372,14 +8580,14 @@
               <a:buChar char="■"/>
             </a:pPr>
             <a:r>
-              <a:rPr b="1" lang="en" sz="1000"/>
+              <a:rPr lang="en" sz="1000" b="1" dirty="0"/>
               <a:t>Firebase Hosting:</a:t>
             </a:r>
             <a:r>
-              <a:rPr lang="en" sz="1000"/>
+              <a:rPr lang="en" sz="1000" dirty="0"/>
               <a:t> Facilitates the delivery of the front-end, ensuring optimal performance.</a:t>
             </a:r>
-            <a:endParaRPr sz="1000"/>
+            <a:endParaRPr sz="1000" dirty="0"/>
           </a:p>
         </p:txBody>
       </p:sp>
@@ -8420,11 +8628,11 @@
 </file>
 
 <file path=ppt/slides/slide4.xml><?xml version="1.0" encoding="utf-8"?>
-<p:sld xmlns:a="http://schemas.openxmlformats.org/drawingml/2006/main" xmlns:r="http://schemas.openxmlformats.org/officeDocument/2006/relationships" xmlns:mc="http://schemas.openxmlformats.org/markup-compatibility/2006" xmlns:mv="urn:schemas-microsoft-com:mac:vml" xmlns:p="http://schemas.openxmlformats.org/presentationml/2006/main" xmlns:c="http://schemas.openxmlformats.org/drawingml/2006/chart" xmlns:dgm="http://schemas.openxmlformats.org/drawingml/2006/diagram" xmlns:o="urn:schemas-microsoft-com:office:office" xmlns:v="urn:schemas-microsoft-com:vml" xmlns:pvml="urn:schemas-microsoft-com:office:powerpoint" xmlns:com="http://schemas.openxmlformats.org/drawingml/2006/compatibility" xmlns:p14="http://schemas.microsoft.com/office/powerpoint/2010/main" xmlns:p15="http://schemas.microsoft.com/office/powerpoint/2012/main" xmlns:ahyp="http://schemas.microsoft.com/office/drawing/2018/hyperlinkcolor">
+<p:sld xmlns:a="http://schemas.openxmlformats.org/drawingml/2006/main" xmlns:r="http://schemas.openxmlformats.org/officeDocument/2006/relationships" xmlns:p="http://schemas.openxmlformats.org/presentationml/2006/main">
   <p:cSld>
     <p:spTree>
       <p:nvGrpSpPr>
-        <p:cNvPr id="86" name="Shape 86"/>
+        <p:cNvPr id="1" name="Shape 86"/>
         <p:cNvGrpSpPr/>
         <p:nvPr/>
       </p:nvGrpSpPr>
@@ -8439,7 +8647,9 @@
       <p:sp>
         <p:nvSpPr>
           <p:cNvPr id="87" name="Google Shape;87;p16"/>
-          <p:cNvSpPr txBox="1"/>
+          <p:cNvSpPr txBox="1">
+            <a:spLocks noGrp="1"/>
+          </p:cNvSpPr>
           <p:nvPr>
             <p:ph type="title"/>
           </p:nvPr>
@@ -8454,12 +8664,12 @@
           </a:prstGeom>
         </p:spPr>
         <p:txBody>
-          <a:bodyPr anchorCtr="0" anchor="t" bIns="91425" lIns="91425" spcFirstLastPara="1" rIns="91425" wrap="square" tIns="91425">
+          <a:bodyPr spcFirstLastPara="1" wrap="square" lIns="91425" tIns="91425" rIns="91425" bIns="91425" anchor="t" anchorCtr="0">
             <a:normAutofit fontScale="90000"/>
           </a:bodyPr>
           <a:lstStyle/>
           <a:p>
-            <a:pPr indent="0" lvl="0" marL="0" rtl="0" algn="l">
+            <a:pPr marL="0" lvl="0" indent="0" algn="l" rtl="0">
               <a:spcBef>
                 <a:spcPts val="0"/>
               </a:spcBef>
@@ -8479,9 +8689,11 @@
       <p:sp>
         <p:nvSpPr>
           <p:cNvPr id="88" name="Google Shape;88;p16"/>
-          <p:cNvSpPr txBox="1"/>
+          <p:cNvSpPr txBox="1">
+            <a:spLocks noGrp="1"/>
+          </p:cNvSpPr>
           <p:nvPr>
-            <p:ph idx="1" type="body"/>
+            <p:ph type="body" idx="1"/>
           </p:nvPr>
         </p:nvSpPr>
         <p:spPr>
@@ -8494,12 +8706,12 @@
           </a:prstGeom>
         </p:spPr>
         <p:txBody>
-          <a:bodyPr anchorCtr="0" anchor="t" bIns="91425" lIns="91425" spcFirstLastPara="1" rIns="91425" wrap="square" tIns="91425">
+          <a:bodyPr spcFirstLastPara="1" wrap="square" lIns="91425" tIns="91425" rIns="91425" bIns="91425" anchor="t" anchorCtr="0">
             <a:normAutofit/>
           </a:bodyPr>
           <a:lstStyle/>
           <a:p>
-            <a:pPr indent="0" lvl="0" marL="0" rtl="0" algn="l">
+            <a:pPr marL="0" lvl="0" indent="0" algn="l" rtl="0">
               <a:lnSpc>
                 <a:spcPct val="105000"/>
               </a:lnSpc>
@@ -8514,15 +8726,7 @@
             </a:pPr>
             <a:r>
               <a:rPr lang="en" sz="1565"/>
-              <a:t>This page allows the user to login to the app using their </a:t>
-            </a:r>
-            <a:r>
-              <a:rPr lang="en" sz="1565"/>
-              <a:t>credentials</a:t>
-            </a:r>
-            <a:r>
-              <a:rPr lang="en" sz="1565"/>
-              <a:t>, or sign in/sign up with their Google account. It also allows the users to sign up to use the app. It uses Firebase Authentication to authenticate the users and provide secure login to the web application.</a:t>
+              <a:t>This page allows the user to login to the app using their credentials, or sign in/sign up with their Google account. It also allows the users to sign up to use the app. It uses Firebase Authentication to authenticate the users and provide secure login to the web application.</a:t>
             </a:r>
             <a:endParaRPr sz="1565"/>
           </a:p>
@@ -8531,9 +8735,11 @@
       <p:sp>
         <p:nvSpPr>
           <p:cNvPr id="89" name="Google Shape;89;p16"/>
-          <p:cNvSpPr txBox="1"/>
+          <p:cNvSpPr txBox="1">
+            <a:spLocks noGrp="1"/>
+          </p:cNvSpPr>
           <p:nvPr>
-            <p:ph idx="12" type="sldNum"/>
+            <p:ph type="sldNum" idx="12"/>
           </p:nvPr>
         </p:nvSpPr>
         <p:spPr>
@@ -8546,12 +8752,12 @@
           </a:prstGeom>
         </p:spPr>
         <p:txBody>
-          <a:bodyPr anchorCtr="0" anchor="ctr" bIns="91425" lIns="91425" spcFirstLastPara="1" rIns="91425" wrap="square" tIns="91425">
+          <a:bodyPr spcFirstLastPara="1" wrap="square" lIns="91425" tIns="91425" rIns="91425" bIns="91425" anchor="ctr" anchorCtr="0">
             <a:normAutofit/>
           </a:bodyPr>
           <a:lstStyle/>
           <a:p>
-            <a:pPr indent="0" lvl="0" marL="0" rtl="0" algn="r">
+            <a:pPr marL="0" lvl="0" indent="0" algn="r" rtl="0">
               <a:spcBef>
                 <a:spcPts val="0"/>
               </a:spcBef>
@@ -8562,7 +8768,7 @@
             </a:pPr>
             <a:fld id="{00000000-1234-1234-1234-123412341234}" type="slidenum">
               <a:rPr lang="en"/>
-              <a:t>‹#›</a:t>
+              <a:t>4</a:t>
             </a:fld>
             <a:endParaRPr/>
           </a:p>
@@ -8644,12 +8850,12 @@
           </a:ln>
         </p:spPr>
         <p:txBody>
-          <a:bodyPr anchorCtr="0" anchor="t" bIns="91425" lIns="91425" spcFirstLastPara="1" rIns="91425" wrap="square" tIns="91425">
+          <a:bodyPr spcFirstLastPara="1" wrap="square" lIns="91425" tIns="91425" rIns="91425" bIns="91425" anchor="t" anchorCtr="0">
             <a:spAutoFit/>
           </a:bodyPr>
           <a:lstStyle/>
           <a:p>
-            <a:pPr indent="0" lvl="0" marL="0" rtl="0" algn="l">
+            <a:pPr marL="0" lvl="0" indent="0" algn="l" rtl="0">
               <a:spcBef>
                 <a:spcPts val="0"/>
               </a:spcBef>
@@ -8696,12 +8902,12 @@
           </a:ln>
         </p:spPr>
         <p:txBody>
-          <a:bodyPr anchorCtr="0" anchor="t" bIns="91425" lIns="91425" spcFirstLastPara="1" rIns="91425" wrap="square" tIns="91425">
+          <a:bodyPr spcFirstLastPara="1" wrap="square" lIns="91425" tIns="91425" rIns="91425" bIns="91425" anchor="t" anchorCtr="0">
             <a:spAutoFit/>
           </a:bodyPr>
           <a:lstStyle/>
           <a:p>
-            <a:pPr indent="0" lvl="0" marL="0" rtl="0" algn="l">
+            <a:pPr marL="0" lvl="0" indent="0" algn="l" rtl="0">
               <a:spcBef>
                 <a:spcPts val="0"/>
               </a:spcBef>
@@ -8717,16 +8923,7 @@
                 <a:cs typeface="Source Sans Pro"/>
                 <a:sym typeface="Source Sans Pro"/>
               </a:rPr>
-              <a:t>Sign up</a:t>
-            </a:r>
-            <a:r>
-              <a:rPr lang="en" sz="800">
-                <a:latin typeface="Source Sans Pro"/>
-                <a:ea typeface="Source Sans Pro"/>
-                <a:cs typeface="Source Sans Pro"/>
-                <a:sym typeface="Source Sans Pro"/>
-              </a:rPr>
-              <a:t> Tab</a:t>
+              <a:t>Sign up Tab</a:t>
             </a:r>
             <a:endParaRPr sz="800">
               <a:latin typeface="Source Sans Pro"/>
@@ -8785,12 +8982,12 @@
           </a:ln>
         </p:spPr>
         <p:txBody>
-          <a:bodyPr anchorCtr="0" anchor="t" bIns="91425" lIns="91425" spcFirstLastPara="1" rIns="91425" wrap="square" tIns="91425">
+          <a:bodyPr spcFirstLastPara="1" wrap="square" lIns="91425" tIns="91425" rIns="91425" bIns="91425" anchor="t" anchorCtr="0">
             <a:spAutoFit/>
           </a:bodyPr>
           <a:lstStyle/>
           <a:p>
-            <a:pPr indent="0" lvl="0" marL="0" rtl="0" algn="l">
+            <a:pPr marL="0" lvl="0" indent="0" algn="l" rtl="0">
               <a:spcBef>
                 <a:spcPts val="0"/>
               </a:spcBef>
@@ -8865,12 +9062,12 @@
           </a:ln>
         </p:spPr>
         <p:txBody>
-          <a:bodyPr anchorCtr="0" anchor="t" bIns="91425" lIns="91425" spcFirstLastPara="1" rIns="91425" wrap="square" tIns="91425">
+          <a:bodyPr spcFirstLastPara="1" wrap="square" lIns="91425" tIns="91425" rIns="91425" bIns="91425" anchor="t" anchorCtr="0">
             <a:spAutoFit/>
           </a:bodyPr>
           <a:lstStyle/>
           <a:p>
-            <a:pPr indent="0" lvl="0" marL="0" rtl="0" algn="l">
+            <a:pPr marL="0" lvl="0" indent="0" algn="l" rtl="0">
               <a:spcBef>
                 <a:spcPts val="0"/>
               </a:spcBef>
@@ -8906,11 +9103,11 @@
 </file>
 
 <file path=ppt/slides/slide5.xml><?xml version="1.0" encoding="utf-8"?>
-<p:sld xmlns:a="http://schemas.openxmlformats.org/drawingml/2006/main" xmlns:r="http://schemas.openxmlformats.org/officeDocument/2006/relationships" xmlns:mc="http://schemas.openxmlformats.org/markup-compatibility/2006" xmlns:mv="urn:schemas-microsoft-com:mac:vml" xmlns:p="http://schemas.openxmlformats.org/presentationml/2006/main" xmlns:c="http://schemas.openxmlformats.org/drawingml/2006/chart" xmlns:dgm="http://schemas.openxmlformats.org/drawingml/2006/diagram" xmlns:o="urn:schemas-microsoft-com:office:office" xmlns:v="urn:schemas-microsoft-com:vml" xmlns:pvml="urn:schemas-microsoft-com:office:powerpoint" xmlns:com="http://schemas.openxmlformats.org/drawingml/2006/compatibility" xmlns:p14="http://schemas.microsoft.com/office/powerpoint/2010/main" xmlns:p15="http://schemas.microsoft.com/office/powerpoint/2012/main" xmlns:ahyp="http://schemas.microsoft.com/office/drawing/2018/hyperlinkcolor">
+<p:sld xmlns:a="http://schemas.openxmlformats.org/drawingml/2006/main" xmlns:r="http://schemas.openxmlformats.org/officeDocument/2006/relationships" xmlns:p="http://schemas.openxmlformats.org/presentationml/2006/main">
   <p:cSld>
     <p:spTree>
       <p:nvGrpSpPr>
-        <p:cNvPr id="101" name="Shape 101"/>
+        <p:cNvPr id="1" name="Shape 101"/>
         <p:cNvGrpSpPr/>
         <p:nvPr/>
       </p:nvGrpSpPr>
@@ -8925,7 +9122,9 @@
       <p:sp>
         <p:nvSpPr>
           <p:cNvPr id="102" name="Google Shape;102;p17"/>
-          <p:cNvSpPr txBox="1"/>
+          <p:cNvSpPr txBox="1">
+            <a:spLocks noGrp="1"/>
+          </p:cNvSpPr>
           <p:nvPr>
             <p:ph type="title"/>
           </p:nvPr>
@@ -8940,12 +9139,12 @@
           </a:prstGeom>
         </p:spPr>
         <p:txBody>
-          <a:bodyPr anchorCtr="0" anchor="t" bIns="91425" lIns="91425" spcFirstLastPara="1" rIns="91425" wrap="square" tIns="91425">
+          <a:bodyPr spcFirstLastPara="1" wrap="square" lIns="91425" tIns="91425" rIns="91425" bIns="91425" anchor="t" anchorCtr="0">
             <a:normAutofit fontScale="90000"/>
           </a:bodyPr>
           <a:lstStyle/>
           <a:p>
-            <a:pPr indent="0" lvl="0" marL="0" rtl="0" algn="l">
+            <a:pPr marL="0" lvl="0" indent="0" algn="l" rtl="0">
               <a:spcBef>
                 <a:spcPts val="0"/>
               </a:spcBef>
@@ -8956,11 +9155,7 @@
             </a:pPr>
             <a:r>
               <a:rPr lang="en"/>
-              <a:t>Profile </a:t>
-            </a:r>
-            <a:r>
-              <a:rPr lang="en"/>
-              <a:t>Pages</a:t>
+              <a:t>Profile Pages</a:t>
             </a:r>
             <a:endParaRPr/>
           </a:p>
@@ -8969,9 +9164,11 @@
       <p:sp>
         <p:nvSpPr>
           <p:cNvPr id="103" name="Google Shape;103;p17"/>
-          <p:cNvSpPr txBox="1"/>
+          <p:cNvSpPr txBox="1">
+            <a:spLocks noGrp="1"/>
+          </p:cNvSpPr>
           <p:nvPr>
-            <p:ph idx="1" type="body"/>
+            <p:ph type="body" idx="1"/>
           </p:nvPr>
         </p:nvSpPr>
         <p:spPr>
@@ -8984,12 +9181,12 @@
           </a:prstGeom>
         </p:spPr>
         <p:txBody>
-          <a:bodyPr anchorCtr="0" anchor="t" bIns="91425" lIns="91425" spcFirstLastPara="1" rIns="91425" wrap="square" tIns="91425">
+          <a:bodyPr spcFirstLastPara="1" wrap="square" lIns="91425" tIns="91425" rIns="91425" bIns="91425" anchor="t" anchorCtr="0">
             <a:normAutofit lnSpcReduction="10000"/>
           </a:bodyPr>
           <a:lstStyle/>
           <a:p>
-            <a:pPr indent="0" lvl="0" marL="0" rtl="0" algn="l">
+            <a:pPr marL="0" lvl="0" indent="0" algn="l" rtl="0">
               <a:lnSpc>
                 <a:spcPct val="105000"/>
               </a:lnSpc>
@@ -9013,9 +9210,11 @@
       <p:sp>
         <p:nvSpPr>
           <p:cNvPr id="104" name="Google Shape;104;p17"/>
-          <p:cNvSpPr txBox="1"/>
+          <p:cNvSpPr txBox="1">
+            <a:spLocks noGrp="1"/>
+          </p:cNvSpPr>
           <p:nvPr>
-            <p:ph idx="12" type="sldNum"/>
+            <p:ph type="sldNum" idx="12"/>
           </p:nvPr>
         </p:nvSpPr>
         <p:spPr>
@@ -9028,12 +9227,12 @@
           </a:prstGeom>
         </p:spPr>
         <p:txBody>
-          <a:bodyPr anchorCtr="0" anchor="ctr" bIns="91425" lIns="91425" spcFirstLastPara="1" rIns="91425" wrap="square" tIns="91425">
+          <a:bodyPr spcFirstLastPara="1" wrap="square" lIns="91425" tIns="91425" rIns="91425" bIns="91425" anchor="ctr" anchorCtr="0">
             <a:normAutofit/>
           </a:bodyPr>
           <a:lstStyle/>
           <a:p>
-            <a:pPr indent="0" lvl="0" marL="0" rtl="0" algn="r">
+            <a:pPr marL="0" lvl="0" indent="0" algn="r" rtl="0">
               <a:spcBef>
                 <a:spcPts val="0"/>
               </a:spcBef>
@@ -9044,7 +9243,7 @@
             </a:pPr>
             <a:fld id="{00000000-1234-1234-1234-123412341234}" type="slidenum">
               <a:rPr lang="en"/>
-              <a:t>‹#›</a:t>
+              <a:t>5</a:t>
             </a:fld>
             <a:endParaRPr/>
           </a:p>
@@ -9088,7 +9287,7 @@
           <a:blip r:embed="rId4">
             <a:alphaModFix/>
           </a:blip>
-          <a:srcRect b="16839" l="54406" r="0" t="0"/>
+          <a:srcRect l="54406" b="16839"/>
           <a:stretch/>
         </p:blipFill>
         <p:spPr>
@@ -9108,7 +9307,9 @@
       <p:sp>
         <p:nvSpPr>
           <p:cNvPr id="107" name="Google Shape;107;p17"/>
-          <p:cNvSpPr txBox="1"/>
+          <p:cNvSpPr txBox="1">
+            <a:spLocks noGrp="1"/>
+          </p:cNvSpPr>
           <p:nvPr>
             <p:ph type="title"/>
           </p:nvPr>
@@ -9123,12 +9324,12 @@
           </a:prstGeom>
         </p:spPr>
         <p:txBody>
-          <a:bodyPr anchorCtr="0" anchor="t" bIns="91425" lIns="91425" spcFirstLastPara="1" rIns="91425" wrap="square" tIns="91425">
+          <a:bodyPr spcFirstLastPara="1" wrap="square" lIns="91425" tIns="91425" rIns="91425" bIns="91425" anchor="t" anchorCtr="0">
             <a:normAutofit fontScale="90000"/>
           </a:bodyPr>
           <a:lstStyle/>
           <a:p>
-            <a:pPr indent="0" lvl="0" marL="0" rtl="0" algn="l">
+            <a:pPr marL="0" lvl="0" indent="0" algn="l" rtl="0">
               <a:spcBef>
                 <a:spcPts val="0"/>
               </a:spcBef>
@@ -9149,9 +9350,11 @@
       <p:sp>
         <p:nvSpPr>
           <p:cNvPr id="108" name="Google Shape;108;p17"/>
-          <p:cNvSpPr txBox="1"/>
+          <p:cNvSpPr txBox="1">
+            <a:spLocks noGrp="1"/>
+          </p:cNvSpPr>
           <p:nvPr>
-            <p:ph idx="1" type="body"/>
+            <p:ph type="body" idx="1"/>
           </p:nvPr>
         </p:nvSpPr>
         <p:spPr>
@@ -9164,12 +9367,12 @@
           </a:prstGeom>
         </p:spPr>
         <p:txBody>
-          <a:bodyPr anchorCtr="0" anchor="t" bIns="91425" lIns="91425" spcFirstLastPara="1" rIns="91425" wrap="square" tIns="91425">
+          <a:bodyPr spcFirstLastPara="1" wrap="square" lIns="91425" tIns="91425" rIns="91425" bIns="91425" anchor="t" anchorCtr="0">
             <a:normAutofit/>
           </a:bodyPr>
           <a:lstStyle/>
           <a:p>
-            <a:pPr indent="0" lvl="0" marL="0" rtl="0" algn="l">
+            <a:pPr marL="0" lvl="0" indent="0" algn="l" rtl="0">
               <a:lnSpc>
                 <a:spcPct val="105000"/>
               </a:lnSpc>
@@ -9221,9 +9424,11 @@
       <p:sp>
         <p:nvSpPr>
           <p:cNvPr id="110" name="Google Shape;110;p17"/>
-          <p:cNvSpPr txBox="1"/>
+          <p:cNvSpPr txBox="1">
+            <a:spLocks noGrp="1"/>
+          </p:cNvSpPr>
           <p:nvPr>
-            <p:ph idx="1" type="body"/>
+            <p:ph type="body" idx="1"/>
           </p:nvPr>
         </p:nvSpPr>
         <p:spPr>
@@ -9236,12 +9441,12 @@
           </a:prstGeom>
         </p:spPr>
         <p:txBody>
-          <a:bodyPr anchorCtr="0" anchor="t" bIns="91425" lIns="91425" spcFirstLastPara="1" rIns="91425" wrap="square" tIns="91425">
+          <a:bodyPr spcFirstLastPara="1" wrap="square" lIns="91425" tIns="91425" rIns="91425" bIns="91425" anchor="t" anchorCtr="0">
             <a:normAutofit/>
           </a:bodyPr>
           <a:lstStyle/>
           <a:p>
-            <a:pPr indent="0" lvl="0" marL="0" rtl="0" algn="l">
+            <a:pPr marL="0" lvl="0" indent="0" algn="l" rtl="0">
               <a:lnSpc>
                 <a:spcPct val="105000"/>
               </a:lnSpc>
@@ -9265,7 +9470,9 @@
       <p:sp>
         <p:nvSpPr>
           <p:cNvPr id="111" name="Google Shape;111;p17"/>
-          <p:cNvSpPr txBox="1"/>
+          <p:cNvSpPr txBox="1">
+            <a:spLocks noGrp="1"/>
+          </p:cNvSpPr>
           <p:nvPr>
             <p:ph type="title"/>
           </p:nvPr>
@@ -9280,12 +9487,12 @@
           </a:prstGeom>
         </p:spPr>
         <p:txBody>
-          <a:bodyPr anchorCtr="0" anchor="t" bIns="91425" lIns="91425" spcFirstLastPara="1" rIns="91425" wrap="square" tIns="91425">
+          <a:bodyPr spcFirstLastPara="1" wrap="square" lIns="91425" tIns="91425" rIns="91425" bIns="91425" anchor="t" anchorCtr="0">
             <a:normAutofit fontScale="90000"/>
           </a:bodyPr>
           <a:lstStyle/>
           <a:p>
-            <a:pPr indent="0" lvl="0" marL="0" rtl="0" algn="l">
+            <a:pPr marL="0" lvl="0" indent="0" algn="l" rtl="0">
               <a:spcBef>
                 <a:spcPts val="0"/>
               </a:spcBef>
@@ -9312,11 +9519,11 @@
 </file>
 
 <file path=ppt/slides/slide6.xml><?xml version="1.0" encoding="utf-8"?>
-<p:sld xmlns:a="http://schemas.openxmlformats.org/drawingml/2006/main" xmlns:r="http://schemas.openxmlformats.org/officeDocument/2006/relationships" xmlns:mc="http://schemas.openxmlformats.org/markup-compatibility/2006" xmlns:mv="urn:schemas-microsoft-com:mac:vml" xmlns:p="http://schemas.openxmlformats.org/presentationml/2006/main" xmlns:c="http://schemas.openxmlformats.org/drawingml/2006/chart" xmlns:dgm="http://schemas.openxmlformats.org/drawingml/2006/diagram" xmlns:o="urn:schemas-microsoft-com:office:office" xmlns:v="urn:schemas-microsoft-com:vml" xmlns:pvml="urn:schemas-microsoft-com:office:powerpoint" xmlns:com="http://schemas.openxmlformats.org/drawingml/2006/compatibility" xmlns:p14="http://schemas.microsoft.com/office/powerpoint/2010/main" xmlns:p15="http://schemas.microsoft.com/office/powerpoint/2012/main" xmlns:ahyp="http://schemas.microsoft.com/office/drawing/2018/hyperlinkcolor">
+<p:sld xmlns:a="http://schemas.openxmlformats.org/drawingml/2006/main" xmlns:r="http://schemas.openxmlformats.org/officeDocument/2006/relationships" xmlns:p="http://schemas.openxmlformats.org/presentationml/2006/main">
   <p:cSld>
     <p:spTree>
       <p:nvGrpSpPr>
-        <p:cNvPr id="115" name="Shape 115"/>
+        <p:cNvPr id="1" name="Shape 115"/>
         <p:cNvGrpSpPr/>
         <p:nvPr/>
       </p:nvGrpSpPr>
@@ -9331,7 +9538,9 @@
       <p:sp>
         <p:nvSpPr>
           <p:cNvPr id="116" name="Google Shape;116;p18"/>
-          <p:cNvSpPr txBox="1"/>
+          <p:cNvSpPr txBox="1">
+            <a:spLocks noGrp="1"/>
+          </p:cNvSpPr>
           <p:nvPr>
             <p:ph type="title"/>
           </p:nvPr>
@@ -9346,12 +9555,12 @@
           </a:prstGeom>
         </p:spPr>
         <p:txBody>
-          <a:bodyPr anchorCtr="0" anchor="t" bIns="91425" lIns="91425" spcFirstLastPara="1" rIns="91425" wrap="square" tIns="91425">
+          <a:bodyPr spcFirstLastPara="1" wrap="square" lIns="91425" tIns="91425" rIns="91425" bIns="91425" anchor="t" anchorCtr="0">
             <a:normAutofit fontScale="90000"/>
           </a:bodyPr>
           <a:lstStyle/>
           <a:p>
-            <a:pPr indent="0" lvl="0" marL="0" rtl="0" algn="l">
+            <a:pPr marL="0" lvl="0" indent="0" algn="l" rtl="0">
               <a:spcBef>
                 <a:spcPts val="0"/>
               </a:spcBef>
@@ -9362,11 +9571,7 @@
             </a:pPr>
             <a:r>
               <a:rPr lang="en"/>
-              <a:t>Home</a:t>
-            </a:r>
-            <a:r>
-              <a:rPr lang="en"/>
-              <a:t> Page: Calendar</a:t>
+              <a:t>Home Page: Calendar</a:t>
             </a:r>
             <a:endParaRPr/>
           </a:p>
@@ -9375,9 +9580,11 @@
       <p:sp>
         <p:nvSpPr>
           <p:cNvPr id="117" name="Google Shape;117;p18"/>
-          <p:cNvSpPr txBox="1"/>
+          <p:cNvSpPr txBox="1">
+            <a:spLocks noGrp="1"/>
+          </p:cNvSpPr>
           <p:nvPr>
-            <p:ph idx="1" type="body"/>
+            <p:ph type="body" idx="1"/>
           </p:nvPr>
         </p:nvSpPr>
         <p:spPr>
@@ -9390,12 +9597,12 @@
           </a:prstGeom>
         </p:spPr>
         <p:txBody>
-          <a:bodyPr anchorCtr="0" anchor="t" bIns="91425" lIns="91425" spcFirstLastPara="1" rIns="91425" wrap="square" tIns="91425">
+          <a:bodyPr spcFirstLastPara="1" wrap="square" lIns="91425" tIns="91425" rIns="91425" bIns="91425" anchor="t" anchorCtr="0">
             <a:normAutofit fontScale="92500" lnSpcReduction="20000"/>
           </a:bodyPr>
           <a:lstStyle/>
           <a:p>
-            <a:pPr indent="0" lvl="0" marL="0" rtl="0" algn="l">
+            <a:pPr marL="0" lvl="0" indent="0" algn="l" rtl="0">
               <a:lnSpc>
                 <a:spcPct val="105000"/>
               </a:lnSpc>
@@ -9419,9 +9626,11 @@
       <p:sp>
         <p:nvSpPr>
           <p:cNvPr id="118" name="Google Shape;118;p18"/>
-          <p:cNvSpPr txBox="1"/>
+          <p:cNvSpPr txBox="1">
+            <a:spLocks noGrp="1"/>
+          </p:cNvSpPr>
           <p:nvPr>
-            <p:ph idx="12" type="sldNum"/>
+            <p:ph type="sldNum" idx="12"/>
           </p:nvPr>
         </p:nvSpPr>
         <p:spPr>
@@ -9434,12 +9643,12 @@
           </a:prstGeom>
         </p:spPr>
         <p:txBody>
-          <a:bodyPr anchorCtr="0" anchor="ctr" bIns="91425" lIns="91425" spcFirstLastPara="1" rIns="91425" wrap="square" tIns="91425">
+          <a:bodyPr spcFirstLastPara="1" wrap="square" lIns="91425" tIns="91425" rIns="91425" bIns="91425" anchor="ctr" anchorCtr="0">
             <a:normAutofit/>
           </a:bodyPr>
           <a:lstStyle/>
           <a:p>
-            <a:pPr indent="0" lvl="0" marL="0" rtl="0" algn="r">
+            <a:pPr marL="0" lvl="0" indent="0" algn="r" rtl="0">
               <a:spcBef>
                 <a:spcPts val="0"/>
               </a:spcBef>
@@ -9450,7 +9659,7 @@
             </a:pPr>
             <a:fld id="{00000000-1234-1234-1234-123412341234}" type="slidenum">
               <a:rPr lang="en"/>
-              <a:t>‹#›</a:t>
+              <a:t>6</a:t>
             </a:fld>
             <a:endParaRPr/>
           </a:p>
@@ -9532,12 +9741,12 @@
           </a:ln>
         </p:spPr>
         <p:txBody>
-          <a:bodyPr anchorCtr="0" anchor="t" bIns="91425" lIns="91425" spcFirstLastPara="1" rIns="91425" wrap="square" tIns="91425">
+          <a:bodyPr spcFirstLastPara="1" wrap="square" lIns="91425" tIns="91425" rIns="91425" bIns="91425" anchor="t" anchorCtr="0">
             <a:spAutoFit/>
           </a:bodyPr>
           <a:lstStyle/>
           <a:p>
-            <a:pPr indent="0" lvl="0" marL="0" rtl="0" algn="l">
+            <a:pPr marL="0" lvl="0" indent="0" algn="l" rtl="0">
               <a:spcBef>
                 <a:spcPts val="0"/>
               </a:spcBef>
@@ -9584,12 +9793,12 @@
           </a:ln>
         </p:spPr>
         <p:txBody>
-          <a:bodyPr anchorCtr="0" anchor="t" bIns="91425" lIns="91425" spcFirstLastPara="1" rIns="91425" wrap="square" tIns="91425">
+          <a:bodyPr spcFirstLastPara="1" wrap="square" lIns="91425" tIns="91425" rIns="91425" bIns="91425" anchor="t" anchorCtr="0">
             <a:spAutoFit/>
           </a:bodyPr>
           <a:lstStyle/>
           <a:p>
-            <a:pPr indent="0" lvl="0" marL="0" rtl="0" algn="l">
+            <a:pPr marL="0" lvl="0" indent="0" algn="l" rtl="0">
               <a:spcBef>
                 <a:spcPts val="0"/>
               </a:spcBef>
@@ -9625,11 +9834,11 @@
 </file>
 
 <file path=ppt/slides/slide7.xml><?xml version="1.0" encoding="utf-8"?>
-<p:sld xmlns:a="http://schemas.openxmlformats.org/drawingml/2006/main" xmlns:r="http://schemas.openxmlformats.org/officeDocument/2006/relationships" xmlns:mc="http://schemas.openxmlformats.org/markup-compatibility/2006" xmlns:mv="urn:schemas-microsoft-com:mac:vml" xmlns:p="http://schemas.openxmlformats.org/presentationml/2006/main" xmlns:c="http://schemas.openxmlformats.org/drawingml/2006/chart" xmlns:dgm="http://schemas.openxmlformats.org/drawingml/2006/diagram" xmlns:o="urn:schemas-microsoft-com:office:office" xmlns:v="urn:schemas-microsoft-com:vml" xmlns:pvml="urn:schemas-microsoft-com:office:powerpoint" xmlns:com="http://schemas.openxmlformats.org/drawingml/2006/compatibility" xmlns:p14="http://schemas.microsoft.com/office/powerpoint/2010/main" xmlns:p15="http://schemas.microsoft.com/office/powerpoint/2012/main" xmlns:ahyp="http://schemas.microsoft.com/office/drawing/2018/hyperlinkcolor">
+<p:sld xmlns:a="http://schemas.openxmlformats.org/drawingml/2006/main" xmlns:r="http://schemas.openxmlformats.org/officeDocument/2006/relationships" xmlns:p="http://schemas.openxmlformats.org/presentationml/2006/main">
   <p:cSld>
     <p:spTree>
       <p:nvGrpSpPr>
-        <p:cNvPr id="126" name="Shape 126"/>
+        <p:cNvPr id="1" name="Shape 126"/>
         <p:cNvGrpSpPr/>
         <p:nvPr/>
       </p:nvGrpSpPr>
@@ -9644,7 +9853,9 @@
       <p:sp>
         <p:nvSpPr>
           <p:cNvPr id="127" name="Google Shape;127;p19"/>
-          <p:cNvSpPr txBox="1"/>
+          <p:cNvSpPr txBox="1">
+            <a:spLocks noGrp="1"/>
+          </p:cNvSpPr>
           <p:nvPr>
             <p:ph type="title"/>
           </p:nvPr>
@@ -9659,12 +9870,12 @@
           </a:prstGeom>
         </p:spPr>
         <p:txBody>
-          <a:bodyPr anchorCtr="0" anchor="t" bIns="91425" lIns="91425" spcFirstLastPara="1" rIns="91425" wrap="square" tIns="91425">
+          <a:bodyPr spcFirstLastPara="1" wrap="square" lIns="91425" tIns="91425" rIns="91425" bIns="91425" anchor="t" anchorCtr="0">
             <a:normAutofit fontScale="90000"/>
           </a:bodyPr>
           <a:lstStyle/>
           <a:p>
-            <a:pPr indent="0" lvl="0" marL="0" rtl="0" algn="l">
+            <a:pPr marL="0" lvl="0" indent="0" algn="l" rtl="0">
               <a:spcBef>
                 <a:spcPts val="0"/>
               </a:spcBef>
@@ -9684,9 +9895,11 @@
       <p:sp>
         <p:nvSpPr>
           <p:cNvPr id="128" name="Google Shape;128;p19"/>
-          <p:cNvSpPr txBox="1"/>
+          <p:cNvSpPr txBox="1">
+            <a:spLocks noGrp="1"/>
+          </p:cNvSpPr>
           <p:nvPr>
-            <p:ph idx="12" type="sldNum"/>
+            <p:ph type="sldNum" idx="12"/>
           </p:nvPr>
         </p:nvSpPr>
         <p:spPr>
@@ -9699,12 +9912,12 @@
           </a:prstGeom>
         </p:spPr>
         <p:txBody>
-          <a:bodyPr anchorCtr="0" anchor="ctr" bIns="91425" lIns="91425" spcFirstLastPara="1" rIns="91425" wrap="square" tIns="91425">
+          <a:bodyPr spcFirstLastPara="1" wrap="square" lIns="91425" tIns="91425" rIns="91425" bIns="91425" anchor="ctr" anchorCtr="0">
             <a:normAutofit/>
           </a:bodyPr>
           <a:lstStyle/>
           <a:p>
-            <a:pPr indent="0" lvl="0" marL="0" rtl="0" algn="r">
+            <a:pPr marL="0" lvl="0" indent="0" algn="r" rtl="0">
               <a:spcBef>
                 <a:spcPts val="0"/>
               </a:spcBef>
@@ -9715,7 +9928,7 @@
             </a:pPr>
             <a:fld id="{00000000-1234-1234-1234-123412341234}" type="slidenum">
               <a:rPr lang="en"/>
-              <a:t>‹#›</a:t>
+              <a:t>7</a:t>
             </a:fld>
             <a:endParaRPr/>
           </a:p>
@@ -9741,12 +9954,12 @@
           </a:ln>
         </p:spPr>
         <p:txBody>
-          <a:bodyPr anchorCtr="0" anchor="t" bIns="91425" lIns="91425" spcFirstLastPara="1" rIns="91425" wrap="square" tIns="91425">
+          <a:bodyPr spcFirstLastPara="1" wrap="square" lIns="91425" tIns="91425" rIns="91425" bIns="91425" anchor="t" anchorCtr="0">
             <a:spAutoFit/>
           </a:bodyPr>
           <a:lstStyle/>
           <a:p>
-            <a:pPr indent="0" lvl="0" marL="0" rtl="0" algn="l">
+            <a:pPr marL="0" lvl="0" indent="0" algn="l" rtl="0">
               <a:spcBef>
                 <a:spcPts val="0"/>
               </a:spcBef>
@@ -9793,12 +10006,12 @@
           </a:ln>
         </p:spPr>
         <p:txBody>
-          <a:bodyPr anchorCtr="0" anchor="t" bIns="91425" lIns="91425" spcFirstLastPara="1" rIns="91425" wrap="square" tIns="91425">
+          <a:bodyPr spcFirstLastPara="1" wrap="square" lIns="91425" tIns="91425" rIns="91425" bIns="91425" anchor="t" anchorCtr="0">
             <a:spAutoFit/>
           </a:bodyPr>
           <a:lstStyle/>
           <a:p>
-            <a:pPr indent="0" lvl="0" marL="0" rtl="0" algn="l">
+            <a:pPr marL="0" lvl="0" indent="0" algn="l" rtl="0">
               <a:spcBef>
                 <a:spcPts val="0"/>
               </a:spcBef>
@@ -9929,12 +10142,12 @@
           </a:ln>
         </p:spPr>
         <p:txBody>
-          <a:bodyPr anchorCtr="0" anchor="t" bIns="91425" lIns="91425" spcFirstLastPara="1" rIns="91425" wrap="square" tIns="91425">
+          <a:bodyPr spcFirstLastPara="1" wrap="square" lIns="91425" tIns="91425" rIns="91425" bIns="91425" anchor="t" anchorCtr="0">
             <a:spAutoFit/>
           </a:bodyPr>
           <a:lstStyle/>
           <a:p>
-            <a:pPr indent="0" lvl="0" marL="0" rtl="0" algn="l">
+            <a:pPr marL="0" lvl="0" indent="0" algn="l" rtl="0">
               <a:spcBef>
                 <a:spcPts val="0"/>
               </a:spcBef>
@@ -9950,16 +10163,7 @@
                 <a:cs typeface="Source Sans Pro"/>
                 <a:sym typeface="Source Sans Pro"/>
               </a:rPr>
-              <a:t>Events list </a:t>
-            </a:r>
-            <a:r>
-              <a:rPr lang="en" sz="800">
-                <a:latin typeface="Source Sans Pro"/>
-                <a:ea typeface="Source Sans Pro"/>
-                <a:cs typeface="Source Sans Pro"/>
-                <a:sym typeface="Source Sans Pro"/>
-              </a:rPr>
-              <a:t> view</a:t>
+              <a:t>Events list  view</a:t>
             </a:r>
             <a:endParaRPr sz="800">
               <a:latin typeface="Source Sans Pro"/>
@@ -9979,11 +10183,11 @@
 </file>
 
 <file path=ppt/slides/slide8.xml><?xml version="1.0" encoding="utf-8"?>
-<p:sld xmlns:a="http://schemas.openxmlformats.org/drawingml/2006/main" xmlns:r="http://schemas.openxmlformats.org/officeDocument/2006/relationships" xmlns:mc="http://schemas.openxmlformats.org/markup-compatibility/2006" xmlns:mv="urn:schemas-microsoft-com:mac:vml" xmlns:p="http://schemas.openxmlformats.org/presentationml/2006/main" xmlns:c="http://schemas.openxmlformats.org/drawingml/2006/chart" xmlns:dgm="http://schemas.openxmlformats.org/drawingml/2006/diagram" xmlns:o="urn:schemas-microsoft-com:office:office" xmlns:v="urn:schemas-microsoft-com:vml" xmlns:pvml="urn:schemas-microsoft-com:office:powerpoint" xmlns:com="http://schemas.openxmlformats.org/drawingml/2006/compatibility" xmlns:p14="http://schemas.microsoft.com/office/powerpoint/2010/main" xmlns:p15="http://schemas.microsoft.com/office/powerpoint/2012/main" xmlns:ahyp="http://schemas.microsoft.com/office/drawing/2018/hyperlinkcolor">
+<p:sld xmlns:a="http://schemas.openxmlformats.org/drawingml/2006/main" xmlns:r="http://schemas.openxmlformats.org/officeDocument/2006/relationships" xmlns:p="http://schemas.openxmlformats.org/presentationml/2006/main">
   <p:cSld>
     <p:spTree>
       <p:nvGrpSpPr>
-        <p:cNvPr id="138" name="Shape 138"/>
+        <p:cNvPr id="1" name="Shape 138"/>
         <p:cNvGrpSpPr/>
         <p:nvPr/>
       </p:nvGrpSpPr>
@@ -9998,7 +10202,9 @@
       <p:sp>
         <p:nvSpPr>
           <p:cNvPr id="139" name="Google Shape;139;p20"/>
-          <p:cNvSpPr txBox="1"/>
+          <p:cNvSpPr txBox="1">
+            <a:spLocks noGrp="1"/>
+          </p:cNvSpPr>
           <p:nvPr>
             <p:ph type="title"/>
           </p:nvPr>
@@ -10013,12 +10219,12 @@
           </a:prstGeom>
         </p:spPr>
         <p:txBody>
-          <a:bodyPr anchorCtr="0" anchor="t" bIns="91425" lIns="91425" spcFirstLastPara="1" rIns="91425" wrap="square" tIns="91425">
+          <a:bodyPr spcFirstLastPara="1" wrap="square" lIns="91425" tIns="91425" rIns="91425" bIns="91425" anchor="t" anchorCtr="0">
             <a:normAutofit fontScale="90000"/>
           </a:bodyPr>
           <a:lstStyle/>
           <a:p>
-            <a:pPr indent="0" lvl="0" marL="0" rtl="0" algn="l">
+            <a:pPr marL="0" lvl="0" indent="0" algn="l" rtl="0">
               <a:spcBef>
                 <a:spcPts val="0"/>
               </a:spcBef>
@@ -10038,9 +10244,11 @@
       <p:sp>
         <p:nvSpPr>
           <p:cNvPr id="140" name="Google Shape;140;p20"/>
-          <p:cNvSpPr txBox="1"/>
+          <p:cNvSpPr txBox="1">
+            <a:spLocks noGrp="1"/>
+          </p:cNvSpPr>
           <p:nvPr>
-            <p:ph idx="1" type="body"/>
+            <p:ph type="body" idx="1"/>
           </p:nvPr>
         </p:nvSpPr>
         <p:spPr>
@@ -10053,12 +10261,12 @@
           </a:prstGeom>
         </p:spPr>
         <p:txBody>
-          <a:bodyPr anchorCtr="0" anchor="t" bIns="91425" lIns="91425" spcFirstLastPara="1" rIns="91425" wrap="square" tIns="91425">
+          <a:bodyPr spcFirstLastPara="1" wrap="square" lIns="91425" tIns="91425" rIns="91425" bIns="91425" anchor="t" anchorCtr="0">
             <a:normAutofit fontScale="85000" lnSpcReduction="10000"/>
           </a:bodyPr>
           <a:lstStyle/>
           <a:p>
-            <a:pPr indent="0" lvl="0" marL="0" rtl="0" algn="l">
+            <a:pPr marL="0" lvl="0" indent="0" algn="l" rtl="0">
               <a:spcBef>
                 <a:spcPts val="0"/>
               </a:spcBef>
@@ -10074,7 +10282,7 @@
             <a:endParaRPr/>
           </a:p>
           <a:p>
-            <a:pPr indent="0" lvl="0" marL="0" rtl="0" algn="l">
+            <a:pPr marL="0" lvl="0" indent="0" algn="l" rtl="0">
               <a:spcBef>
                 <a:spcPts val="1200"/>
               </a:spcBef>
@@ -10084,13 +10292,13 @@
               <a:buNone/>
             </a:pPr>
             <a:r>
-              <a:rPr b="1" lang="en" sz="2152"/>
+              <a:rPr lang="en" sz="2152" b="1"/>
               <a:t>Why?</a:t>
             </a:r>
-            <a:endParaRPr b="1" sz="2152"/>
+            <a:endParaRPr sz="2152" b="1"/>
           </a:p>
           <a:p>
-            <a:pPr indent="0" lvl="0" marL="0" rtl="0" algn="l">
+            <a:pPr marL="0" lvl="0" indent="0" algn="l" rtl="0">
               <a:spcBef>
                 <a:spcPts val="1200"/>
               </a:spcBef>
@@ -10110,9 +10318,11 @@
       <p:sp>
         <p:nvSpPr>
           <p:cNvPr id="141" name="Google Shape;141;p20"/>
-          <p:cNvSpPr txBox="1"/>
+          <p:cNvSpPr txBox="1">
+            <a:spLocks noGrp="1"/>
+          </p:cNvSpPr>
           <p:nvPr>
-            <p:ph idx="12" type="sldNum"/>
+            <p:ph type="sldNum" idx="12"/>
           </p:nvPr>
         </p:nvSpPr>
         <p:spPr>
@@ -10125,12 +10335,12 @@
           </a:prstGeom>
         </p:spPr>
         <p:txBody>
-          <a:bodyPr anchorCtr="0" anchor="ctr" bIns="91425" lIns="91425" spcFirstLastPara="1" rIns="91425" wrap="square" tIns="91425">
+          <a:bodyPr spcFirstLastPara="1" wrap="square" lIns="91425" tIns="91425" rIns="91425" bIns="91425" anchor="ctr" anchorCtr="0">
             <a:normAutofit/>
           </a:bodyPr>
           <a:lstStyle/>
           <a:p>
-            <a:pPr indent="0" lvl="0" marL="0" rtl="0" algn="r">
+            <a:pPr marL="0" lvl="0" indent="0" algn="r" rtl="0">
               <a:spcBef>
                 <a:spcPts val="0"/>
               </a:spcBef>
@@ -10141,7 +10351,7 @@
             </a:pPr>
             <a:fld id="{00000000-1234-1234-1234-123412341234}" type="slidenum">
               <a:rPr lang="en"/>
-              <a:t>‹#›</a:t>
+              <a:t>8</a:t>
             </a:fld>
             <a:endParaRPr/>
           </a:p>
@@ -10221,14 +10431,14 @@
             <a:avLst/>
           </a:prstGeom>
           <a:noFill/>
-          <a:ln cap="flat" cmpd="sng" w="38100">
+          <a:ln w="38100" cap="flat" cmpd="sng">
             <a:solidFill>
               <a:schemeClr val="dk2"/>
             </a:solidFill>
             <a:prstDash val="solid"/>
             <a:round/>
-            <a:headEnd len="med" w="med" type="none"/>
-            <a:tailEnd len="med" w="med" type="triangle"/>
+            <a:headEnd type="none" w="med" len="med"/>
+            <a:tailEnd type="triangle" w="med" len="med"/>
           </a:ln>
         </p:spPr>
       </p:cxnSp>
@@ -10241,11 +10451,11 @@
 </file>
 
 <file path=ppt/slides/slide9.xml><?xml version="1.0" encoding="utf-8"?>
-<p:sld xmlns:a="http://schemas.openxmlformats.org/drawingml/2006/main" xmlns:r="http://schemas.openxmlformats.org/officeDocument/2006/relationships" xmlns:mc="http://schemas.openxmlformats.org/markup-compatibility/2006" xmlns:mv="urn:schemas-microsoft-com:mac:vml" xmlns:p="http://schemas.openxmlformats.org/presentationml/2006/main" xmlns:c="http://schemas.openxmlformats.org/drawingml/2006/chart" xmlns:dgm="http://schemas.openxmlformats.org/drawingml/2006/diagram" xmlns:o="urn:schemas-microsoft-com:office:office" xmlns:v="urn:schemas-microsoft-com:vml" xmlns:pvml="urn:schemas-microsoft-com:office:powerpoint" xmlns:com="http://schemas.openxmlformats.org/drawingml/2006/compatibility" xmlns:p14="http://schemas.microsoft.com/office/powerpoint/2010/main" xmlns:p15="http://schemas.microsoft.com/office/powerpoint/2012/main" xmlns:ahyp="http://schemas.microsoft.com/office/drawing/2018/hyperlinkcolor">
+<p:sld xmlns:a="http://schemas.openxmlformats.org/drawingml/2006/main" xmlns:r="http://schemas.openxmlformats.org/officeDocument/2006/relationships" xmlns:p="http://schemas.openxmlformats.org/presentationml/2006/main">
   <p:cSld>
     <p:spTree>
       <p:nvGrpSpPr>
-        <p:cNvPr id="148" name="Shape 148"/>
+        <p:cNvPr id="1" name="Shape 148"/>
         <p:cNvGrpSpPr/>
         <p:nvPr/>
       </p:nvGrpSpPr>
@@ -10260,7 +10470,9 @@
       <p:sp>
         <p:nvSpPr>
           <p:cNvPr id="149" name="Google Shape;149;p21"/>
-          <p:cNvSpPr txBox="1"/>
+          <p:cNvSpPr txBox="1">
+            <a:spLocks noGrp="1"/>
+          </p:cNvSpPr>
           <p:nvPr>
             <p:ph type="title"/>
           </p:nvPr>
@@ -10275,12 +10487,12 @@
           </a:prstGeom>
         </p:spPr>
         <p:txBody>
-          <a:bodyPr anchorCtr="0" anchor="t" bIns="91425" lIns="91425" spcFirstLastPara="1" rIns="91425" wrap="square" tIns="91425">
+          <a:bodyPr spcFirstLastPara="1" wrap="square" lIns="91425" tIns="91425" rIns="91425" bIns="91425" anchor="t" anchorCtr="0">
             <a:normAutofit fontScale="90000"/>
           </a:bodyPr>
           <a:lstStyle/>
           <a:p>
-            <a:pPr indent="0" lvl="0" marL="0" rtl="0" algn="l">
+            <a:pPr marL="0" lvl="0" indent="0" algn="l" rtl="0">
               <a:spcBef>
                 <a:spcPts val="0"/>
               </a:spcBef>
@@ -10300,9 +10512,11 @@
       <p:sp>
         <p:nvSpPr>
           <p:cNvPr id="150" name="Google Shape;150;p21"/>
-          <p:cNvSpPr txBox="1"/>
+          <p:cNvSpPr txBox="1">
+            <a:spLocks noGrp="1"/>
+          </p:cNvSpPr>
           <p:nvPr>
-            <p:ph idx="1" type="body"/>
+            <p:ph type="body" idx="1"/>
           </p:nvPr>
         </p:nvSpPr>
         <p:spPr>
@@ -10315,12 +10529,12 @@
           </a:prstGeom>
         </p:spPr>
         <p:txBody>
-          <a:bodyPr anchorCtr="0" anchor="t" bIns="91425" lIns="91425" spcFirstLastPara="1" rIns="91425" wrap="square" tIns="91425">
+          <a:bodyPr spcFirstLastPara="1" wrap="square" lIns="91425" tIns="91425" rIns="91425" bIns="91425" anchor="t" anchorCtr="0">
             <a:normAutofit fontScale="40000"/>
           </a:bodyPr>
           <a:lstStyle/>
           <a:p>
-            <a:pPr indent="0" lvl="0" marL="0" rtl="0" algn="l">
+            <a:pPr marL="0" lvl="0" indent="0" algn="l" rtl="0">
               <a:spcBef>
                 <a:spcPts val="0"/>
               </a:spcBef>
@@ -10353,9 +10567,11 @@
       <p:sp>
         <p:nvSpPr>
           <p:cNvPr id="151" name="Google Shape;151;p21"/>
-          <p:cNvSpPr txBox="1"/>
+          <p:cNvSpPr txBox="1">
+            <a:spLocks noGrp="1"/>
+          </p:cNvSpPr>
           <p:nvPr>
-            <p:ph idx="12" type="sldNum"/>
+            <p:ph type="sldNum" idx="12"/>
           </p:nvPr>
         </p:nvSpPr>
         <p:spPr>
@@ -10368,12 +10584,12 @@
           </a:prstGeom>
         </p:spPr>
         <p:txBody>
-          <a:bodyPr anchorCtr="0" anchor="ctr" bIns="91425" lIns="91425" spcFirstLastPara="1" rIns="91425" wrap="square" tIns="91425">
+          <a:bodyPr spcFirstLastPara="1" wrap="square" lIns="91425" tIns="91425" rIns="91425" bIns="91425" anchor="ctr" anchorCtr="0">
             <a:normAutofit/>
           </a:bodyPr>
           <a:lstStyle/>
           <a:p>
-            <a:pPr indent="0" lvl="0" marL="0" rtl="0" algn="r">
+            <a:pPr marL="0" lvl="0" indent="0" algn="r" rtl="0">
               <a:spcBef>
                 <a:spcPts val="0"/>
               </a:spcBef>
@@ -10384,7 +10600,7 @@
             </a:pPr>
             <a:fld id="{00000000-1234-1234-1234-123412341234}" type="slidenum">
               <a:rPr lang="en"/>
-              <a:t>‹#›</a:t>
+              <a:t>9</a:t>
             </a:fld>
             <a:endParaRPr/>
           </a:p>
@@ -10428,32 +10644,32 @@
   <p:timing>
     <p:tnLst>
       <p:par>
-        <p:cTn dur="indefinite" nodeType="tmRoot" restart="never">
+        <p:cTn id="1" dur="indefinite" restart="never" nodeType="tmRoot">
           <p:childTnLst>
             <p:seq concurrent="1" nextAc="seek">
-              <p:cTn dur="indefinite" id="2" nodeType="mainSeq">
+              <p:cTn id="2" dur="indefinite" nodeType="mainSeq">
                 <p:childTnLst>
                   <p:par>
-                    <p:cTn fill="hold">
+                    <p:cTn id="3" fill="hold">
                       <p:stCondLst>
                         <p:cond delay="indefinite"/>
                       </p:stCondLst>
                       <p:childTnLst>
                         <p:par>
-                          <p:cTn fill="hold">
+                          <p:cTn id="4" fill="hold">
                             <p:stCondLst>
                               <p:cond delay="0"/>
                             </p:stCondLst>
                             <p:childTnLst>
                               <p:par>
-                                <p:cTn fill="hold" nodeType="clickEffect" presetClass="entr" presetID="10" presetSubtype="0">
+                                <p:cTn id="5" presetID="10" presetClass="entr" presetSubtype="0" fill="hold" nodeType="clickEffect">
                                   <p:stCondLst>
                                     <p:cond delay="0"/>
                                   </p:stCondLst>
                                   <p:childTnLst>
                                     <p:set>
                                       <p:cBhvr>
-                                        <p:cTn dur="1" fill="hold">
+                                        <p:cTn id="6" dur="1" fill="hold">
                                           <p:stCondLst>
                                             <p:cond delay="0"/>
                                           </p:stCondLst>
@@ -10469,9 +10685,9 @@
                                         <p:strVal val="visible"/>
                                       </p:to>
                                     </p:set>
-                                    <p:animEffect filter="fade" transition="in">
+                                    <p:animEffect transition="in" filter="fade">
                                       <p:cBhvr>
-                                        <p:cTn dur="1000"/>
+                                        <p:cTn id="7" dur="1000"/>
                                         <p:tgtEl>
                                           <p:spTgt spid="152"/>
                                         </p:tgtEl>
@@ -10489,14 +10705,14 @@
                 </p:childTnLst>
               </p:cTn>
               <p:prevCondLst>
-                <p:cond evt="onPrev">
+                <p:cond evt="onPrev" delay="0">
                   <p:tgtEl>
                     <p:sldTgt/>
                   </p:tgtEl>
                 </p:cond>
               </p:prevCondLst>
               <p:nextCondLst>
-                <p:cond evt="onNext">
+                <p:cond evt="onNext" delay="0">
                   <p:tgtEl>
                     <p:sldTgt/>
                   </p:tgtEl>
@@ -10512,7 +10728,7 @@
 </file>
 
 <file path=ppt/theme/theme1.xml><?xml version="1.0" encoding="utf-8"?>
-<a:theme xmlns:a="http://schemas.openxmlformats.org/drawingml/2006/main" xmlns:r="http://schemas.openxmlformats.org/officeDocument/2006/relationships" name="Plum">
+<a:theme xmlns:a="http://schemas.openxmlformats.org/drawingml/2006/main" name="Plum">
   <a:themeElements>
     <a:clrScheme name="Plum">
       <a:dk1>
@@ -10787,11 +11003,13 @@
       </a:bgFillStyleLst>
     </a:fmtScheme>
   </a:themeElements>
+  <a:objectDefaults/>
+  <a:extraClrSchemeLst/>
 </a:theme>
 </file>
 
 <file path=ppt/theme/theme2.xml><?xml version="1.0" encoding="utf-8"?>
-<a:theme xmlns:a="http://schemas.openxmlformats.org/drawingml/2006/main" xmlns:r="http://schemas.openxmlformats.org/officeDocument/2006/relationships">
+<a:theme xmlns:a="http://schemas.openxmlformats.org/drawingml/2006/main">
   <a:themeElements>
     <a:clrScheme name="Default">
       <a:dk1>
@@ -11066,5 +11284,7 @@
       </a:bgFillStyleLst>
     </a:fmtScheme>
   </a:themeElements>
+  <a:objectDefaults/>
+  <a:extraClrSchemeLst/>
 </a:theme>
 </file>